--- a/presentation archi .pptx
+++ b/presentation archi .pptx
@@ -123,6 +123,11 @@
       </a:defRPr>
     </a:lvl9pPr>
   </p:defaultTextStyle>
+  <p:extLst>
+    <p:ext uri="{EFAFB233-063F-42B5-8137-9DF3F51BA10A}">
+      <p15:sldGuideLst xmlns:p15="http://schemas.microsoft.com/office/powerpoint/2012/main"/>
+    </p:ext>
+  </p:extLst>
 </p:presentation>
 </file>
 
@@ -524,6 +529,284 @@
           <a:bodyPr/>
           <a:lstStyle/>
           <a:p>
+            <a:pPr marL="0" marR="0" indent="0" algn="l" defTabSz="914400" rtl="0" eaLnBrk="1" fontAlgn="auto" latinLnBrk="0" hangingPunct="1">
+              <a:lnSpc>
+                <a:spcPct val="100000"/>
+              </a:lnSpc>
+              <a:spcBef>
+                <a:spcPts val="0"/>
+              </a:spcBef>
+              <a:spcAft>
+                <a:spcPts val="0"/>
+              </a:spcAft>
+              <a:buClrTx/>
+              <a:buSzTx/>
+              <a:buFontTx/>
+              <a:buNone/>
+              <a:tabLst/>
+              <a:defRPr/>
+            </a:pPr>
+            <a:r>
+              <a:rPr lang="fr-FR" dirty="0" smtClean="0"/>
+              <a:t>1- </a:t>
+            </a:r>
+            <a:r>
+              <a:rPr lang="fr-FR" sz="1200" dirty="0" smtClean="0"/>
+              <a:t>Ce projet consiste à la mise en œuvre d’une solution permettant de répondre aux différents besoins de l’UHA</a:t>
+            </a:r>
+            <a:r>
+              <a:rPr lang="fr-FR" sz="1200" b="1" dirty="0" smtClean="0"/>
+              <a:t>.</a:t>
+            </a:r>
+          </a:p>
+          <a:p>
+            <a:pPr marL="0" marR="0" indent="0" algn="l" defTabSz="914400" rtl="0" eaLnBrk="1" fontAlgn="auto" latinLnBrk="0" hangingPunct="1">
+              <a:lnSpc>
+                <a:spcPct val="100000"/>
+              </a:lnSpc>
+              <a:spcBef>
+                <a:spcPts val="0"/>
+              </a:spcBef>
+              <a:spcAft>
+                <a:spcPts val="0"/>
+              </a:spcAft>
+              <a:buClrTx/>
+              <a:buSzTx/>
+              <a:buFontTx/>
+              <a:buNone/>
+              <a:tabLst/>
+              <a:defRPr/>
+            </a:pPr>
+            <a:r>
+              <a:rPr lang="fr-FR" sz="1200" kern="1200" dirty="0" smtClean="0">
+                <a:solidFill>
+                  <a:schemeClr val="tx1"/>
+                </a:solidFill>
+                <a:effectLst/>
+                <a:latin typeface="+mn-lt"/>
+                <a:ea typeface="+mn-ea"/>
+                <a:cs typeface="+mn-cs"/>
+              </a:rPr>
+              <a:t>2- </a:t>
+            </a:r>
+            <a:r>
+              <a:rPr lang="fr-FR" sz="1200" dirty="0" smtClean="0"/>
+              <a:t>Gérer les vacataires intervenant au sein de l’université.</a:t>
+            </a:r>
+          </a:p>
+          <a:p>
+            <a:pPr marL="0" marR="0" indent="0" algn="l" defTabSz="914400" rtl="0" eaLnBrk="1" fontAlgn="auto" latinLnBrk="0" hangingPunct="1">
+              <a:lnSpc>
+                <a:spcPct val="100000"/>
+              </a:lnSpc>
+              <a:spcBef>
+                <a:spcPts val="0"/>
+              </a:spcBef>
+              <a:spcAft>
+                <a:spcPts val="0"/>
+              </a:spcAft>
+              <a:buClrTx/>
+              <a:buSzTx/>
+              <a:buFontTx/>
+              <a:buNone/>
+              <a:tabLst/>
+              <a:defRPr/>
+            </a:pPr>
+            <a:r>
+              <a:rPr lang="fr-FR" sz="1200" dirty="0" smtClean="0"/>
+              <a:t>3-</a:t>
+            </a:r>
+            <a:r>
+              <a:rPr lang="fr-FR" sz="1200" baseline="0" dirty="0" smtClean="0"/>
+              <a:t> </a:t>
+            </a:r>
+            <a:r>
+              <a:rPr lang="fr-FR" sz="1200" dirty="0" smtClean="0"/>
+              <a:t>Sous forme d’une application web moderne,</a:t>
+            </a:r>
+            <a:r>
+              <a:rPr lang="fr-FR" sz="1200" baseline="0" dirty="0" smtClean="0"/>
+              <a:t> l</a:t>
+            </a:r>
+            <a:r>
+              <a:rPr lang="fr-FR" sz="1200" dirty="0" smtClean="0"/>
+              <a:t>’application réalisé grâces à l’ensemble d’outils mis à notre disposition.</a:t>
+            </a:r>
+          </a:p>
+        </p:txBody>
+      </p:sp>
+      <p:sp>
+        <p:nvSpPr>
+          <p:cNvPr id="4" name="Slide Number Placeholder 3"/>
+          <p:cNvSpPr>
+            <a:spLocks noGrp="1"/>
+          </p:cNvSpPr>
+          <p:nvPr>
+            <p:ph type="sldNum" sz="quarter" idx="10"/>
+          </p:nvPr>
+        </p:nvSpPr>
+        <p:spPr/>
+        <p:txBody>
+          <a:bodyPr/>
+          <a:lstStyle/>
+          <a:p>
+            <a:fld id="{659C8C63-0988-437B-B897-E1B265442B8F}" type="slidenum">
+              <a:rPr lang="fr-FR" smtClean="0"/>
+              <a:t>4</a:t>
+            </a:fld>
+            <a:endParaRPr lang="fr-FR"/>
+          </a:p>
+        </p:txBody>
+      </p:sp>
+    </p:spTree>
+    <p:extLst>
+      <p:ext uri="{BB962C8B-B14F-4D97-AF65-F5344CB8AC3E}">
+        <p14:creationId xmlns:p14="http://schemas.microsoft.com/office/powerpoint/2010/main" val="1227648493"/>
+      </p:ext>
+    </p:extLst>
+  </p:cSld>
+  <p:clrMapOvr>
+    <a:masterClrMapping/>
+  </p:clrMapOvr>
+</p:notes>
+</file>
+
+<file path=ppt/notesSlides/notesSlide2.xml><?xml version="1.0" encoding="utf-8"?>
+<p:notes xmlns:a="http://schemas.openxmlformats.org/drawingml/2006/main" xmlns:r="http://schemas.openxmlformats.org/officeDocument/2006/relationships" xmlns:p="http://schemas.openxmlformats.org/presentationml/2006/main">
+  <p:cSld>
+    <p:spTree>
+      <p:nvGrpSpPr>
+        <p:cNvPr id="1" name=""/>
+        <p:cNvGrpSpPr/>
+        <p:nvPr/>
+      </p:nvGrpSpPr>
+      <p:grpSpPr>
+        <a:xfrm>
+          <a:off x="0" y="0"/>
+          <a:ext cx="0" cy="0"/>
+          <a:chOff x="0" y="0"/>
+          <a:chExt cx="0" cy="0"/>
+        </a:xfrm>
+      </p:grpSpPr>
+      <p:sp>
+        <p:nvSpPr>
+          <p:cNvPr id="2" name="Slide Image Placeholder 1"/>
+          <p:cNvSpPr>
+            <a:spLocks noGrp="1" noRot="1" noChangeAspect="1"/>
+          </p:cNvSpPr>
+          <p:nvPr>
+            <p:ph type="sldImg"/>
+          </p:nvPr>
+        </p:nvSpPr>
+        <p:spPr/>
+      </p:sp>
+      <p:sp>
+        <p:nvSpPr>
+          <p:cNvPr id="3" name="Notes Placeholder 2"/>
+          <p:cNvSpPr>
+            <a:spLocks noGrp="1"/>
+          </p:cNvSpPr>
+          <p:nvPr>
+            <p:ph type="body" idx="1"/>
+          </p:nvPr>
+        </p:nvSpPr>
+        <p:spPr/>
+        <p:txBody>
+          <a:bodyPr/>
+          <a:lstStyle/>
+          <a:p>
+            <a:r>
+              <a:rPr lang="fr-FR" dirty="0" smtClean="0"/>
+              <a:t>USE</a:t>
+            </a:r>
+            <a:r>
+              <a:rPr lang="fr-FR" baseline="0" dirty="0" smtClean="0"/>
+              <a:t> CASE!!</a:t>
+            </a:r>
+            <a:endParaRPr lang="fr-FR" dirty="0"/>
+          </a:p>
+        </p:txBody>
+      </p:sp>
+      <p:sp>
+        <p:nvSpPr>
+          <p:cNvPr id="4" name="Slide Number Placeholder 3"/>
+          <p:cNvSpPr>
+            <a:spLocks noGrp="1"/>
+          </p:cNvSpPr>
+          <p:nvPr>
+            <p:ph type="sldNum" sz="quarter" idx="10"/>
+          </p:nvPr>
+        </p:nvSpPr>
+        <p:spPr/>
+        <p:txBody>
+          <a:bodyPr/>
+          <a:lstStyle/>
+          <a:p>
+            <a:fld id="{659C8C63-0988-437B-B897-E1B265442B8F}" type="slidenum">
+              <a:rPr lang="fr-FR" smtClean="0"/>
+              <a:t>5</a:t>
+            </a:fld>
+            <a:endParaRPr lang="fr-FR"/>
+          </a:p>
+        </p:txBody>
+      </p:sp>
+    </p:spTree>
+    <p:extLst>
+      <p:ext uri="{BB962C8B-B14F-4D97-AF65-F5344CB8AC3E}">
+        <p14:creationId xmlns:p14="http://schemas.microsoft.com/office/powerpoint/2010/main" val="1040294004"/>
+      </p:ext>
+    </p:extLst>
+  </p:cSld>
+  <p:clrMapOvr>
+    <a:masterClrMapping/>
+  </p:clrMapOvr>
+</p:notes>
+</file>
+
+<file path=ppt/notesSlides/notesSlide3.xml><?xml version="1.0" encoding="utf-8"?>
+<p:notes xmlns:a="http://schemas.openxmlformats.org/drawingml/2006/main" xmlns:r="http://schemas.openxmlformats.org/officeDocument/2006/relationships" xmlns:p="http://schemas.openxmlformats.org/presentationml/2006/main">
+  <p:cSld>
+    <p:spTree>
+      <p:nvGrpSpPr>
+        <p:cNvPr id="1" name=""/>
+        <p:cNvGrpSpPr/>
+        <p:nvPr/>
+      </p:nvGrpSpPr>
+      <p:grpSpPr>
+        <a:xfrm>
+          <a:off x="0" y="0"/>
+          <a:ext cx="0" cy="0"/>
+          <a:chOff x="0" y="0"/>
+          <a:chExt cx="0" cy="0"/>
+        </a:xfrm>
+      </p:grpSpPr>
+      <p:sp>
+        <p:nvSpPr>
+          <p:cNvPr id="2" name="Slide Image Placeholder 1"/>
+          <p:cNvSpPr>
+            <a:spLocks noGrp="1" noRot="1" noChangeAspect="1"/>
+          </p:cNvSpPr>
+          <p:nvPr>
+            <p:ph type="sldImg"/>
+          </p:nvPr>
+        </p:nvSpPr>
+        <p:spPr/>
+      </p:sp>
+      <p:sp>
+        <p:nvSpPr>
+          <p:cNvPr id="3" name="Notes Placeholder 2"/>
+          <p:cNvSpPr>
+            <a:spLocks noGrp="1"/>
+          </p:cNvSpPr>
+          <p:nvPr>
+            <p:ph type="body" idx="1"/>
+          </p:nvPr>
+        </p:nvSpPr>
+        <p:spPr/>
+        <p:txBody>
+          <a:bodyPr/>
+          <a:lstStyle/>
+          <a:p>
             <a:endParaRPr lang="fr-FR" dirty="0"/>
           </a:p>
         </p:txBody>
@@ -586,7 +869,7 @@
           <p:cNvPr id="2" name="Title 1">
             <a:extLst>
               <a:ext uri="{FF2B5EF4-FFF2-40B4-BE49-F238E27FC236}">
-                <a16:creationId xmlns:a16="http://schemas.microsoft.com/office/drawing/2014/main" id="{FDF300B4-E832-446B-9A8B-B4E19F7780EC}"/>
+                <a16:creationId xmlns:a16="http://schemas.microsoft.com/office/drawing/2014/main" xmlns="" id="{FDF300B4-E832-446B-9A8B-B4E19F7780EC}"/>
               </a:ext>
             </a:extLst>
           </p:cNvPr>
@@ -624,7 +907,7 @@
           <p:cNvPr id="3" name="Subtitle 2">
             <a:extLst>
               <a:ext uri="{FF2B5EF4-FFF2-40B4-BE49-F238E27FC236}">
-                <a16:creationId xmlns:a16="http://schemas.microsoft.com/office/drawing/2014/main" id="{840E64F0-1B79-48CB-90A7-68AAB92940E2}"/>
+                <a16:creationId xmlns:a16="http://schemas.microsoft.com/office/drawing/2014/main" xmlns="" id="{840E64F0-1B79-48CB-90A7-68AAB92940E2}"/>
               </a:ext>
             </a:extLst>
           </p:cNvPr>
@@ -695,7 +978,7 @@
           <p:cNvPr id="4" name="Date Placeholder 3">
             <a:extLst>
               <a:ext uri="{FF2B5EF4-FFF2-40B4-BE49-F238E27FC236}">
-                <a16:creationId xmlns:a16="http://schemas.microsoft.com/office/drawing/2014/main" id="{CCF38C92-4D88-42D1-A57D-667C29B8918C}"/>
+                <a16:creationId xmlns:a16="http://schemas.microsoft.com/office/drawing/2014/main" xmlns="" id="{CCF38C92-4D88-42D1-A57D-667C29B8918C}"/>
               </a:ext>
             </a:extLst>
           </p:cNvPr>
@@ -724,7 +1007,7 @@
           <p:cNvPr id="5" name="Footer Placeholder 4">
             <a:extLst>
               <a:ext uri="{FF2B5EF4-FFF2-40B4-BE49-F238E27FC236}">
-                <a16:creationId xmlns:a16="http://schemas.microsoft.com/office/drawing/2014/main" id="{8E1CC1B3-D64C-4B4A-8E77-8C53519097D7}"/>
+                <a16:creationId xmlns:a16="http://schemas.microsoft.com/office/drawing/2014/main" xmlns="" id="{8E1CC1B3-D64C-4B4A-8E77-8C53519097D7}"/>
               </a:ext>
             </a:extLst>
           </p:cNvPr>
@@ -749,7 +1032,7 @@
           <p:cNvPr id="6" name="Slide Number Placeholder 5">
             <a:extLst>
               <a:ext uri="{FF2B5EF4-FFF2-40B4-BE49-F238E27FC236}">
-                <a16:creationId xmlns:a16="http://schemas.microsoft.com/office/drawing/2014/main" id="{787337D6-1FB0-4A03-A0EB-7F09ABF152EB}"/>
+                <a16:creationId xmlns:a16="http://schemas.microsoft.com/office/drawing/2014/main" xmlns="" id="{787337D6-1FB0-4A03-A0EB-7F09ABF152EB}"/>
               </a:ext>
             </a:extLst>
           </p:cNvPr>
@@ -808,7 +1091,7 @@
           <p:cNvPr id="2" name="Title 1">
             <a:extLst>
               <a:ext uri="{FF2B5EF4-FFF2-40B4-BE49-F238E27FC236}">
-                <a16:creationId xmlns:a16="http://schemas.microsoft.com/office/drawing/2014/main" id="{D9C96243-4C4D-4E00-8060-BEB4575B2DB1}"/>
+                <a16:creationId xmlns:a16="http://schemas.microsoft.com/office/drawing/2014/main" xmlns="" id="{D9C96243-4C4D-4E00-8060-BEB4575B2DB1}"/>
               </a:ext>
             </a:extLst>
           </p:cNvPr>
@@ -837,7 +1120,7 @@
           <p:cNvPr id="3" name="Vertical Text Placeholder 2">
             <a:extLst>
               <a:ext uri="{FF2B5EF4-FFF2-40B4-BE49-F238E27FC236}">
-                <a16:creationId xmlns:a16="http://schemas.microsoft.com/office/drawing/2014/main" id="{F6F74341-7E75-467D-BCEE-CA5CC215A3C5}"/>
+                <a16:creationId xmlns:a16="http://schemas.microsoft.com/office/drawing/2014/main" xmlns="" id="{F6F74341-7E75-467D-BCEE-CA5CC215A3C5}"/>
               </a:ext>
             </a:extLst>
           </p:cNvPr>
@@ -895,7 +1178,7 @@
           <p:cNvPr id="4" name="Date Placeholder 3">
             <a:extLst>
               <a:ext uri="{FF2B5EF4-FFF2-40B4-BE49-F238E27FC236}">
-                <a16:creationId xmlns:a16="http://schemas.microsoft.com/office/drawing/2014/main" id="{9B407D6A-A70E-44F1-8744-296319CA7CA2}"/>
+                <a16:creationId xmlns:a16="http://schemas.microsoft.com/office/drawing/2014/main" xmlns="" id="{9B407D6A-A70E-44F1-8744-296319CA7CA2}"/>
               </a:ext>
             </a:extLst>
           </p:cNvPr>
@@ -924,7 +1207,7 @@
           <p:cNvPr id="5" name="Footer Placeholder 4">
             <a:extLst>
               <a:ext uri="{FF2B5EF4-FFF2-40B4-BE49-F238E27FC236}">
-                <a16:creationId xmlns:a16="http://schemas.microsoft.com/office/drawing/2014/main" id="{698CF6B6-B934-4B90-B80F-88CB52C55441}"/>
+                <a16:creationId xmlns:a16="http://schemas.microsoft.com/office/drawing/2014/main" xmlns="" id="{698CF6B6-B934-4B90-B80F-88CB52C55441}"/>
               </a:ext>
             </a:extLst>
           </p:cNvPr>
@@ -949,7 +1232,7 @@
           <p:cNvPr id="6" name="Slide Number Placeholder 5">
             <a:extLst>
               <a:ext uri="{FF2B5EF4-FFF2-40B4-BE49-F238E27FC236}">
-                <a16:creationId xmlns:a16="http://schemas.microsoft.com/office/drawing/2014/main" id="{5B87B921-DB6C-4EB5-9D70-5D106F55514A}"/>
+                <a16:creationId xmlns:a16="http://schemas.microsoft.com/office/drawing/2014/main" xmlns="" id="{5B87B921-DB6C-4EB5-9D70-5D106F55514A}"/>
               </a:ext>
             </a:extLst>
           </p:cNvPr>
@@ -1008,7 +1291,7 @@
           <p:cNvPr id="2" name="Vertical Title 1">
             <a:extLst>
               <a:ext uri="{FF2B5EF4-FFF2-40B4-BE49-F238E27FC236}">
-                <a16:creationId xmlns:a16="http://schemas.microsoft.com/office/drawing/2014/main" id="{4D4EE3B8-0146-4F68-8C12-0EE6BBEC66ED}"/>
+                <a16:creationId xmlns:a16="http://schemas.microsoft.com/office/drawing/2014/main" xmlns="" id="{4D4EE3B8-0146-4F68-8C12-0EE6BBEC66ED}"/>
               </a:ext>
             </a:extLst>
           </p:cNvPr>
@@ -1042,7 +1325,7 @@
           <p:cNvPr id="3" name="Vertical Text Placeholder 2">
             <a:extLst>
               <a:ext uri="{FF2B5EF4-FFF2-40B4-BE49-F238E27FC236}">
-                <a16:creationId xmlns:a16="http://schemas.microsoft.com/office/drawing/2014/main" id="{DF0B0589-14DD-460A-B950-8CF05ADE4D75}"/>
+                <a16:creationId xmlns:a16="http://schemas.microsoft.com/office/drawing/2014/main" xmlns="" id="{DF0B0589-14DD-460A-B950-8CF05ADE4D75}"/>
               </a:ext>
             </a:extLst>
           </p:cNvPr>
@@ -1105,7 +1388,7 @@
           <p:cNvPr id="4" name="Date Placeholder 3">
             <a:extLst>
               <a:ext uri="{FF2B5EF4-FFF2-40B4-BE49-F238E27FC236}">
-                <a16:creationId xmlns:a16="http://schemas.microsoft.com/office/drawing/2014/main" id="{C95CCA0E-9913-42E0-A0ED-9FE18A2F3F2D}"/>
+                <a16:creationId xmlns:a16="http://schemas.microsoft.com/office/drawing/2014/main" xmlns="" id="{C95CCA0E-9913-42E0-A0ED-9FE18A2F3F2D}"/>
               </a:ext>
             </a:extLst>
           </p:cNvPr>
@@ -1134,7 +1417,7 @@
           <p:cNvPr id="5" name="Footer Placeholder 4">
             <a:extLst>
               <a:ext uri="{FF2B5EF4-FFF2-40B4-BE49-F238E27FC236}">
-                <a16:creationId xmlns:a16="http://schemas.microsoft.com/office/drawing/2014/main" id="{C489DDFA-7A9D-4AE5-B4AD-54B9834293DE}"/>
+                <a16:creationId xmlns:a16="http://schemas.microsoft.com/office/drawing/2014/main" xmlns="" id="{C489DDFA-7A9D-4AE5-B4AD-54B9834293DE}"/>
               </a:ext>
             </a:extLst>
           </p:cNvPr>
@@ -1159,7 +1442,7 @@
           <p:cNvPr id="6" name="Slide Number Placeholder 5">
             <a:extLst>
               <a:ext uri="{FF2B5EF4-FFF2-40B4-BE49-F238E27FC236}">
-                <a16:creationId xmlns:a16="http://schemas.microsoft.com/office/drawing/2014/main" id="{971427F8-30BB-43E3-8566-F65B42E13D61}"/>
+                <a16:creationId xmlns:a16="http://schemas.microsoft.com/office/drawing/2014/main" xmlns="" id="{971427F8-30BB-43E3-8566-F65B42E13D61}"/>
               </a:ext>
             </a:extLst>
           </p:cNvPr>
@@ -1218,7 +1501,7 @@
           <p:cNvPr id="2" name="Title 1">
             <a:extLst>
               <a:ext uri="{FF2B5EF4-FFF2-40B4-BE49-F238E27FC236}">
-                <a16:creationId xmlns:a16="http://schemas.microsoft.com/office/drawing/2014/main" id="{6822CFB5-5AD6-4CA3-950B-8AC8F4DBAAC5}"/>
+                <a16:creationId xmlns:a16="http://schemas.microsoft.com/office/drawing/2014/main" xmlns="" id="{6822CFB5-5AD6-4CA3-950B-8AC8F4DBAAC5}"/>
               </a:ext>
             </a:extLst>
           </p:cNvPr>
@@ -1247,7 +1530,7 @@
           <p:cNvPr id="3" name="Content Placeholder 2">
             <a:extLst>
               <a:ext uri="{FF2B5EF4-FFF2-40B4-BE49-F238E27FC236}">
-                <a16:creationId xmlns:a16="http://schemas.microsoft.com/office/drawing/2014/main" id="{B9336C41-3E7F-43F7-823F-E2CBD5EBC9E1}"/>
+                <a16:creationId xmlns:a16="http://schemas.microsoft.com/office/drawing/2014/main" xmlns="" id="{B9336C41-3E7F-43F7-823F-E2CBD5EBC9E1}"/>
               </a:ext>
             </a:extLst>
           </p:cNvPr>
@@ -1305,7 +1588,7 @@
           <p:cNvPr id="4" name="Date Placeholder 3">
             <a:extLst>
               <a:ext uri="{FF2B5EF4-FFF2-40B4-BE49-F238E27FC236}">
-                <a16:creationId xmlns:a16="http://schemas.microsoft.com/office/drawing/2014/main" id="{F88340D8-9BC7-45C7-ABD5-6621CFEEB007}"/>
+                <a16:creationId xmlns:a16="http://schemas.microsoft.com/office/drawing/2014/main" xmlns="" id="{F88340D8-9BC7-45C7-ABD5-6621CFEEB007}"/>
               </a:ext>
             </a:extLst>
           </p:cNvPr>
@@ -1334,7 +1617,7 @@
           <p:cNvPr id="5" name="Footer Placeholder 4">
             <a:extLst>
               <a:ext uri="{FF2B5EF4-FFF2-40B4-BE49-F238E27FC236}">
-                <a16:creationId xmlns:a16="http://schemas.microsoft.com/office/drawing/2014/main" id="{B8764E58-10B5-48EF-BB15-035F30FC2D5D}"/>
+                <a16:creationId xmlns:a16="http://schemas.microsoft.com/office/drawing/2014/main" xmlns="" id="{B8764E58-10B5-48EF-BB15-035F30FC2D5D}"/>
               </a:ext>
             </a:extLst>
           </p:cNvPr>
@@ -1359,7 +1642,7 @@
           <p:cNvPr id="6" name="Slide Number Placeholder 5">
             <a:extLst>
               <a:ext uri="{FF2B5EF4-FFF2-40B4-BE49-F238E27FC236}">
-                <a16:creationId xmlns:a16="http://schemas.microsoft.com/office/drawing/2014/main" id="{0E62A33D-2A6A-46C5-BE36-0E89EE979CDE}"/>
+                <a16:creationId xmlns:a16="http://schemas.microsoft.com/office/drawing/2014/main" xmlns="" id="{0E62A33D-2A6A-46C5-BE36-0E89EE979CDE}"/>
               </a:ext>
             </a:extLst>
           </p:cNvPr>
@@ -1418,7 +1701,7 @@
           <p:cNvPr id="2" name="Title 1">
             <a:extLst>
               <a:ext uri="{FF2B5EF4-FFF2-40B4-BE49-F238E27FC236}">
-                <a16:creationId xmlns:a16="http://schemas.microsoft.com/office/drawing/2014/main" id="{26A3E86A-C785-4CFE-811F-2678EF89E9BD}"/>
+                <a16:creationId xmlns:a16="http://schemas.microsoft.com/office/drawing/2014/main" xmlns="" id="{26A3E86A-C785-4CFE-811F-2678EF89E9BD}"/>
               </a:ext>
             </a:extLst>
           </p:cNvPr>
@@ -1456,7 +1739,7 @@
           <p:cNvPr id="3" name="Text Placeholder 2">
             <a:extLst>
               <a:ext uri="{FF2B5EF4-FFF2-40B4-BE49-F238E27FC236}">
-                <a16:creationId xmlns:a16="http://schemas.microsoft.com/office/drawing/2014/main" id="{4D4CB834-2123-47A3-A56A-630AF28650E2}"/>
+                <a16:creationId xmlns:a16="http://schemas.microsoft.com/office/drawing/2014/main" xmlns="" id="{4D4CB834-2123-47A3-A56A-630AF28650E2}"/>
               </a:ext>
             </a:extLst>
           </p:cNvPr>
@@ -1581,7 +1864,7 @@
           <p:cNvPr id="4" name="Date Placeholder 3">
             <a:extLst>
               <a:ext uri="{FF2B5EF4-FFF2-40B4-BE49-F238E27FC236}">
-                <a16:creationId xmlns:a16="http://schemas.microsoft.com/office/drawing/2014/main" id="{C1624074-C810-4C3F-90D3-9D525219C327}"/>
+                <a16:creationId xmlns:a16="http://schemas.microsoft.com/office/drawing/2014/main" xmlns="" id="{C1624074-C810-4C3F-90D3-9D525219C327}"/>
               </a:ext>
             </a:extLst>
           </p:cNvPr>
@@ -1610,7 +1893,7 @@
           <p:cNvPr id="5" name="Footer Placeholder 4">
             <a:extLst>
               <a:ext uri="{FF2B5EF4-FFF2-40B4-BE49-F238E27FC236}">
-                <a16:creationId xmlns:a16="http://schemas.microsoft.com/office/drawing/2014/main" id="{DD9C668C-A655-49E0-A932-42B131F50D1F}"/>
+                <a16:creationId xmlns:a16="http://schemas.microsoft.com/office/drawing/2014/main" xmlns="" id="{DD9C668C-A655-49E0-A932-42B131F50D1F}"/>
               </a:ext>
             </a:extLst>
           </p:cNvPr>
@@ -1635,7 +1918,7 @@
           <p:cNvPr id="6" name="Slide Number Placeholder 5">
             <a:extLst>
               <a:ext uri="{FF2B5EF4-FFF2-40B4-BE49-F238E27FC236}">
-                <a16:creationId xmlns:a16="http://schemas.microsoft.com/office/drawing/2014/main" id="{CCF73846-7A5E-4593-9036-D9FAEF84479E}"/>
+                <a16:creationId xmlns:a16="http://schemas.microsoft.com/office/drawing/2014/main" xmlns="" id="{CCF73846-7A5E-4593-9036-D9FAEF84479E}"/>
               </a:ext>
             </a:extLst>
           </p:cNvPr>
@@ -1694,7 +1977,7 @@
           <p:cNvPr id="2" name="Title 1">
             <a:extLst>
               <a:ext uri="{FF2B5EF4-FFF2-40B4-BE49-F238E27FC236}">
-                <a16:creationId xmlns:a16="http://schemas.microsoft.com/office/drawing/2014/main" id="{57988A86-72E2-4147-A080-3F4B92CB6132}"/>
+                <a16:creationId xmlns:a16="http://schemas.microsoft.com/office/drawing/2014/main" xmlns="" id="{57988A86-72E2-4147-A080-3F4B92CB6132}"/>
               </a:ext>
             </a:extLst>
           </p:cNvPr>
@@ -1723,7 +2006,7 @@
           <p:cNvPr id="3" name="Content Placeholder 2">
             <a:extLst>
               <a:ext uri="{FF2B5EF4-FFF2-40B4-BE49-F238E27FC236}">
-                <a16:creationId xmlns:a16="http://schemas.microsoft.com/office/drawing/2014/main" id="{BA3ABEAC-B4F4-4450-A1D5-1EF980BA12F3}"/>
+                <a16:creationId xmlns:a16="http://schemas.microsoft.com/office/drawing/2014/main" xmlns="" id="{BA3ABEAC-B4F4-4450-A1D5-1EF980BA12F3}"/>
               </a:ext>
             </a:extLst>
           </p:cNvPr>
@@ -1786,7 +2069,7 @@
           <p:cNvPr id="4" name="Content Placeholder 3">
             <a:extLst>
               <a:ext uri="{FF2B5EF4-FFF2-40B4-BE49-F238E27FC236}">
-                <a16:creationId xmlns:a16="http://schemas.microsoft.com/office/drawing/2014/main" id="{B30ADFDE-056E-4697-BE10-98E73AECE43E}"/>
+                <a16:creationId xmlns:a16="http://schemas.microsoft.com/office/drawing/2014/main" xmlns="" id="{B30ADFDE-056E-4697-BE10-98E73AECE43E}"/>
               </a:ext>
             </a:extLst>
           </p:cNvPr>
@@ -1849,7 +2132,7 @@
           <p:cNvPr id="5" name="Date Placeholder 4">
             <a:extLst>
               <a:ext uri="{FF2B5EF4-FFF2-40B4-BE49-F238E27FC236}">
-                <a16:creationId xmlns:a16="http://schemas.microsoft.com/office/drawing/2014/main" id="{2E54039D-7314-430E-BB2A-D28E6F857789}"/>
+                <a16:creationId xmlns:a16="http://schemas.microsoft.com/office/drawing/2014/main" xmlns="" id="{2E54039D-7314-430E-BB2A-D28E6F857789}"/>
               </a:ext>
             </a:extLst>
           </p:cNvPr>
@@ -1878,7 +2161,7 @@
           <p:cNvPr id="6" name="Footer Placeholder 5">
             <a:extLst>
               <a:ext uri="{FF2B5EF4-FFF2-40B4-BE49-F238E27FC236}">
-                <a16:creationId xmlns:a16="http://schemas.microsoft.com/office/drawing/2014/main" id="{E8425693-0C6C-4D72-87B0-ABC15CDA2EB2}"/>
+                <a16:creationId xmlns:a16="http://schemas.microsoft.com/office/drawing/2014/main" xmlns="" id="{E8425693-0C6C-4D72-87B0-ABC15CDA2EB2}"/>
               </a:ext>
             </a:extLst>
           </p:cNvPr>
@@ -1903,7 +2186,7 @@
           <p:cNvPr id="7" name="Slide Number Placeholder 6">
             <a:extLst>
               <a:ext uri="{FF2B5EF4-FFF2-40B4-BE49-F238E27FC236}">
-                <a16:creationId xmlns:a16="http://schemas.microsoft.com/office/drawing/2014/main" id="{F1D0A764-90B0-4CFB-9C3F-69F5ED4911CE}"/>
+                <a16:creationId xmlns:a16="http://schemas.microsoft.com/office/drawing/2014/main" xmlns="" id="{F1D0A764-90B0-4CFB-9C3F-69F5ED4911CE}"/>
               </a:ext>
             </a:extLst>
           </p:cNvPr>
@@ -1962,7 +2245,7 @@
           <p:cNvPr id="2" name="Title 1">
             <a:extLst>
               <a:ext uri="{FF2B5EF4-FFF2-40B4-BE49-F238E27FC236}">
-                <a16:creationId xmlns:a16="http://schemas.microsoft.com/office/drawing/2014/main" id="{5749C774-CAA1-4FC7-AA30-06C0537EE26A}"/>
+                <a16:creationId xmlns:a16="http://schemas.microsoft.com/office/drawing/2014/main" xmlns="" id="{5749C774-CAA1-4FC7-AA30-06C0537EE26A}"/>
               </a:ext>
             </a:extLst>
           </p:cNvPr>
@@ -1996,7 +2279,7 @@
           <p:cNvPr id="3" name="Text Placeholder 2">
             <a:extLst>
               <a:ext uri="{FF2B5EF4-FFF2-40B4-BE49-F238E27FC236}">
-                <a16:creationId xmlns:a16="http://schemas.microsoft.com/office/drawing/2014/main" id="{2F4D0788-DFC7-4E74-ABB0-3A072031AD60}"/>
+                <a16:creationId xmlns:a16="http://schemas.microsoft.com/office/drawing/2014/main" xmlns="" id="{2F4D0788-DFC7-4E74-ABB0-3A072031AD60}"/>
               </a:ext>
             </a:extLst>
           </p:cNvPr>
@@ -2067,7 +2350,7 @@
           <p:cNvPr id="4" name="Content Placeholder 3">
             <a:extLst>
               <a:ext uri="{FF2B5EF4-FFF2-40B4-BE49-F238E27FC236}">
-                <a16:creationId xmlns:a16="http://schemas.microsoft.com/office/drawing/2014/main" id="{B823B2DC-5240-4ECA-B836-14484AB5A266}"/>
+                <a16:creationId xmlns:a16="http://schemas.microsoft.com/office/drawing/2014/main" xmlns="" id="{B823B2DC-5240-4ECA-B836-14484AB5A266}"/>
               </a:ext>
             </a:extLst>
           </p:cNvPr>
@@ -2130,7 +2413,7 @@
           <p:cNvPr id="5" name="Text Placeholder 4">
             <a:extLst>
               <a:ext uri="{FF2B5EF4-FFF2-40B4-BE49-F238E27FC236}">
-                <a16:creationId xmlns:a16="http://schemas.microsoft.com/office/drawing/2014/main" id="{FF2F4CC6-B28E-4504-AC71-E8796C027A1F}"/>
+                <a16:creationId xmlns:a16="http://schemas.microsoft.com/office/drawing/2014/main" xmlns="" id="{FF2F4CC6-B28E-4504-AC71-E8796C027A1F}"/>
               </a:ext>
             </a:extLst>
           </p:cNvPr>
@@ -2201,7 +2484,7 @@
           <p:cNvPr id="6" name="Content Placeholder 5">
             <a:extLst>
               <a:ext uri="{FF2B5EF4-FFF2-40B4-BE49-F238E27FC236}">
-                <a16:creationId xmlns:a16="http://schemas.microsoft.com/office/drawing/2014/main" id="{BA16595C-781B-4FA0-B456-AAD1EF4F445C}"/>
+                <a16:creationId xmlns:a16="http://schemas.microsoft.com/office/drawing/2014/main" xmlns="" id="{BA16595C-781B-4FA0-B456-AAD1EF4F445C}"/>
               </a:ext>
             </a:extLst>
           </p:cNvPr>
@@ -2264,7 +2547,7 @@
           <p:cNvPr id="7" name="Date Placeholder 6">
             <a:extLst>
               <a:ext uri="{FF2B5EF4-FFF2-40B4-BE49-F238E27FC236}">
-                <a16:creationId xmlns:a16="http://schemas.microsoft.com/office/drawing/2014/main" id="{20316BEA-48F6-4496-8B8C-B4CC4AA028F3}"/>
+                <a16:creationId xmlns:a16="http://schemas.microsoft.com/office/drawing/2014/main" xmlns="" id="{20316BEA-48F6-4496-8B8C-B4CC4AA028F3}"/>
               </a:ext>
             </a:extLst>
           </p:cNvPr>
@@ -2293,7 +2576,7 @@
           <p:cNvPr id="8" name="Footer Placeholder 7">
             <a:extLst>
               <a:ext uri="{FF2B5EF4-FFF2-40B4-BE49-F238E27FC236}">
-                <a16:creationId xmlns:a16="http://schemas.microsoft.com/office/drawing/2014/main" id="{5948EA8E-CEA3-4FEA-95B6-57A42C95B4A9}"/>
+                <a16:creationId xmlns:a16="http://schemas.microsoft.com/office/drawing/2014/main" xmlns="" id="{5948EA8E-CEA3-4FEA-95B6-57A42C95B4A9}"/>
               </a:ext>
             </a:extLst>
           </p:cNvPr>
@@ -2318,7 +2601,7 @@
           <p:cNvPr id="9" name="Slide Number Placeholder 8">
             <a:extLst>
               <a:ext uri="{FF2B5EF4-FFF2-40B4-BE49-F238E27FC236}">
-                <a16:creationId xmlns:a16="http://schemas.microsoft.com/office/drawing/2014/main" id="{9276DC7E-E834-408B-AEF6-3173907F2231}"/>
+                <a16:creationId xmlns:a16="http://schemas.microsoft.com/office/drawing/2014/main" xmlns="" id="{9276DC7E-E834-408B-AEF6-3173907F2231}"/>
               </a:ext>
             </a:extLst>
           </p:cNvPr>
@@ -2377,7 +2660,7 @@
           <p:cNvPr id="2" name="Title 1">
             <a:extLst>
               <a:ext uri="{FF2B5EF4-FFF2-40B4-BE49-F238E27FC236}">
-                <a16:creationId xmlns:a16="http://schemas.microsoft.com/office/drawing/2014/main" id="{7E690D27-5A72-404E-9B3E-AC67EDCCA11E}"/>
+                <a16:creationId xmlns:a16="http://schemas.microsoft.com/office/drawing/2014/main" xmlns="" id="{7E690D27-5A72-404E-9B3E-AC67EDCCA11E}"/>
               </a:ext>
             </a:extLst>
           </p:cNvPr>
@@ -2406,7 +2689,7 @@
           <p:cNvPr id="3" name="Date Placeholder 2">
             <a:extLst>
               <a:ext uri="{FF2B5EF4-FFF2-40B4-BE49-F238E27FC236}">
-                <a16:creationId xmlns:a16="http://schemas.microsoft.com/office/drawing/2014/main" id="{4A0D9B48-82F3-4C1A-965E-1EE64FD2AE09}"/>
+                <a16:creationId xmlns:a16="http://schemas.microsoft.com/office/drawing/2014/main" xmlns="" id="{4A0D9B48-82F3-4C1A-965E-1EE64FD2AE09}"/>
               </a:ext>
             </a:extLst>
           </p:cNvPr>
@@ -2435,7 +2718,7 @@
           <p:cNvPr id="4" name="Footer Placeholder 3">
             <a:extLst>
               <a:ext uri="{FF2B5EF4-FFF2-40B4-BE49-F238E27FC236}">
-                <a16:creationId xmlns:a16="http://schemas.microsoft.com/office/drawing/2014/main" id="{5D2B0467-59C3-4585-AA70-9DCE6104369F}"/>
+                <a16:creationId xmlns:a16="http://schemas.microsoft.com/office/drawing/2014/main" xmlns="" id="{5D2B0467-59C3-4585-AA70-9DCE6104369F}"/>
               </a:ext>
             </a:extLst>
           </p:cNvPr>
@@ -2460,7 +2743,7 @@
           <p:cNvPr id="5" name="Slide Number Placeholder 4">
             <a:extLst>
               <a:ext uri="{FF2B5EF4-FFF2-40B4-BE49-F238E27FC236}">
-                <a16:creationId xmlns:a16="http://schemas.microsoft.com/office/drawing/2014/main" id="{0BE5C2FE-6646-4A4E-BCF7-C29ADAA2B649}"/>
+                <a16:creationId xmlns:a16="http://schemas.microsoft.com/office/drawing/2014/main" xmlns="" id="{0BE5C2FE-6646-4A4E-BCF7-C29ADAA2B649}"/>
               </a:ext>
             </a:extLst>
           </p:cNvPr>
@@ -2519,7 +2802,7 @@
           <p:cNvPr id="2" name="Date Placeholder 1">
             <a:extLst>
               <a:ext uri="{FF2B5EF4-FFF2-40B4-BE49-F238E27FC236}">
-                <a16:creationId xmlns:a16="http://schemas.microsoft.com/office/drawing/2014/main" id="{C232E2F4-FFFF-4F17-B038-10C50963225F}"/>
+                <a16:creationId xmlns:a16="http://schemas.microsoft.com/office/drawing/2014/main" xmlns="" id="{C232E2F4-FFFF-4F17-B038-10C50963225F}"/>
               </a:ext>
             </a:extLst>
           </p:cNvPr>
@@ -2548,7 +2831,7 @@
           <p:cNvPr id="3" name="Footer Placeholder 2">
             <a:extLst>
               <a:ext uri="{FF2B5EF4-FFF2-40B4-BE49-F238E27FC236}">
-                <a16:creationId xmlns:a16="http://schemas.microsoft.com/office/drawing/2014/main" id="{3F5393FC-4D14-488B-BA61-268579BA5C0F}"/>
+                <a16:creationId xmlns:a16="http://schemas.microsoft.com/office/drawing/2014/main" xmlns="" id="{3F5393FC-4D14-488B-BA61-268579BA5C0F}"/>
               </a:ext>
             </a:extLst>
           </p:cNvPr>
@@ -2573,7 +2856,7 @@
           <p:cNvPr id="4" name="Slide Number Placeholder 3">
             <a:extLst>
               <a:ext uri="{FF2B5EF4-FFF2-40B4-BE49-F238E27FC236}">
-                <a16:creationId xmlns:a16="http://schemas.microsoft.com/office/drawing/2014/main" id="{9A2F4414-1D14-41DD-A746-A3A87DD5A706}"/>
+                <a16:creationId xmlns:a16="http://schemas.microsoft.com/office/drawing/2014/main" xmlns="" id="{9A2F4414-1D14-41DD-A746-A3A87DD5A706}"/>
               </a:ext>
             </a:extLst>
           </p:cNvPr>
@@ -2632,7 +2915,7 @@
           <p:cNvPr id="2" name="Title 1">
             <a:extLst>
               <a:ext uri="{FF2B5EF4-FFF2-40B4-BE49-F238E27FC236}">
-                <a16:creationId xmlns:a16="http://schemas.microsoft.com/office/drawing/2014/main" id="{D65CE184-D520-4EA3-9730-0C30BB731F89}"/>
+                <a16:creationId xmlns:a16="http://schemas.microsoft.com/office/drawing/2014/main" xmlns="" id="{D65CE184-D520-4EA3-9730-0C30BB731F89}"/>
               </a:ext>
             </a:extLst>
           </p:cNvPr>
@@ -2670,7 +2953,7 @@
           <p:cNvPr id="3" name="Content Placeholder 2">
             <a:extLst>
               <a:ext uri="{FF2B5EF4-FFF2-40B4-BE49-F238E27FC236}">
-                <a16:creationId xmlns:a16="http://schemas.microsoft.com/office/drawing/2014/main" id="{F0277638-8EDA-47B3-97F5-3CAF1421FB58}"/>
+                <a16:creationId xmlns:a16="http://schemas.microsoft.com/office/drawing/2014/main" xmlns="" id="{F0277638-8EDA-47B3-97F5-3CAF1421FB58}"/>
               </a:ext>
             </a:extLst>
           </p:cNvPr>
@@ -2761,7 +3044,7 @@
           <p:cNvPr id="4" name="Text Placeholder 3">
             <a:extLst>
               <a:ext uri="{FF2B5EF4-FFF2-40B4-BE49-F238E27FC236}">
-                <a16:creationId xmlns:a16="http://schemas.microsoft.com/office/drawing/2014/main" id="{FA753BDA-482C-4705-8230-342F457963D2}"/>
+                <a16:creationId xmlns:a16="http://schemas.microsoft.com/office/drawing/2014/main" xmlns="" id="{FA753BDA-482C-4705-8230-342F457963D2}"/>
               </a:ext>
             </a:extLst>
           </p:cNvPr>
@@ -2832,7 +3115,7 @@
           <p:cNvPr id="5" name="Date Placeholder 4">
             <a:extLst>
               <a:ext uri="{FF2B5EF4-FFF2-40B4-BE49-F238E27FC236}">
-                <a16:creationId xmlns:a16="http://schemas.microsoft.com/office/drawing/2014/main" id="{E824339B-3F21-4352-97A5-E73A88A665AD}"/>
+                <a16:creationId xmlns:a16="http://schemas.microsoft.com/office/drawing/2014/main" xmlns="" id="{E824339B-3F21-4352-97A5-E73A88A665AD}"/>
               </a:ext>
             </a:extLst>
           </p:cNvPr>
@@ -2861,7 +3144,7 @@
           <p:cNvPr id="6" name="Footer Placeholder 5">
             <a:extLst>
               <a:ext uri="{FF2B5EF4-FFF2-40B4-BE49-F238E27FC236}">
-                <a16:creationId xmlns:a16="http://schemas.microsoft.com/office/drawing/2014/main" id="{F14CD241-CBB1-4CE1-BEF0-B23B33F59A7D}"/>
+                <a16:creationId xmlns:a16="http://schemas.microsoft.com/office/drawing/2014/main" xmlns="" id="{F14CD241-CBB1-4CE1-BEF0-B23B33F59A7D}"/>
               </a:ext>
             </a:extLst>
           </p:cNvPr>
@@ -2886,7 +3169,7 @@
           <p:cNvPr id="7" name="Slide Number Placeholder 6">
             <a:extLst>
               <a:ext uri="{FF2B5EF4-FFF2-40B4-BE49-F238E27FC236}">
-                <a16:creationId xmlns:a16="http://schemas.microsoft.com/office/drawing/2014/main" id="{998DE461-718E-4FEB-A43A-24878E47BFFB}"/>
+                <a16:creationId xmlns:a16="http://schemas.microsoft.com/office/drawing/2014/main" xmlns="" id="{998DE461-718E-4FEB-A43A-24878E47BFFB}"/>
               </a:ext>
             </a:extLst>
           </p:cNvPr>
@@ -2945,7 +3228,7 @@
           <p:cNvPr id="2" name="Title 1">
             <a:extLst>
               <a:ext uri="{FF2B5EF4-FFF2-40B4-BE49-F238E27FC236}">
-                <a16:creationId xmlns:a16="http://schemas.microsoft.com/office/drawing/2014/main" id="{28DB7304-AAAD-438B-A0B7-E541CFFAB38F}"/>
+                <a16:creationId xmlns:a16="http://schemas.microsoft.com/office/drawing/2014/main" xmlns="" id="{28DB7304-AAAD-438B-A0B7-E541CFFAB38F}"/>
               </a:ext>
             </a:extLst>
           </p:cNvPr>
@@ -2983,7 +3266,7 @@
           <p:cNvPr id="3" name="Picture Placeholder 2">
             <a:extLst>
               <a:ext uri="{FF2B5EF4-FFF2-40B4-BE49-F238E27FC236}">
-                <a16:creationId xmlns:a16="http://schemas.microsoft.com/office/drawing/2014/main" id="{5503F590-1F3C-4F7F-8FF4-5961622729AA}"/>
+                <a16:creationId xmlns:a16="http://schemas.microsoft.com/office/drawing/2014/main" xmlns="" id="{5503F590-1F3C-4F7F-8FF4-5961622729AA}"/>
               </a:ext>
             </a:extLst>
           </p:cNvPr>
@@ -3050,7 +3333,7 @@
           <p:cNvPr id="4" name="Text Placeholder 3">
             <a:extLst>
               <a:ext uri="{FF2B5EF4-FFF2-40B4-BE49-F238E27FC236}">
-                <a16:creationId xmlns:a16="http://schemas.microsoft.com/office/drawing/2014/main" id="{C83FDF8B-2EA8-4EF2-AB9F-A4E6C591D8FB}"/>
+                <a16:creationId xmlns:a16="http://schemas.microsoft.com/office/drawing/2014/main" xmlns="" id="{C83FDF8B-2EA8-4EF2-AB9F-A4E6C591D8FB}"/>
               </a:ext>
             </a:extLst>
           </p:cNvPr>
@@ -3121,7 +3404,7 @@
           <p:cNvPr id="5" name="Date Placeholder 4">
             <a:extLst>
               <a:ext uri="{FF2B5EF4-FFF2-40B4-BE49-F238E27FC236}">
-                <a16:creationId xmlns:a16="http://schemas.microsoft.com/office/drawing/2014/main" id="{CBB94C9D-F394-49B7-860E-82A8754634A6}"/>
+                <a16:creationId xmlns:a16="http://schemas.microsoft.com/office/drawing/2014/main" xmlns="" id="{CBB94C9D-F394-49B7-860E-82A8754634A6}"/>
               </a:ext>
             </a:extLst>
           </p:cNvPr>
@@ -3150,7 +3433,7 @@
           <p:cNvPr id="6" name="Footer Placeholder 5">
             <a:extLst>
               <a:ext uri="{FF2B5EF4-FFF2-40B4-BE49-F238E27FC236}">
-                <a16:creationId xmlns:a16="http://schemas.microsoft.com/office/drawing/2014/main" id="{6678C1D8-FF93-4FAF-863B-F31CC9A5B175}"/>
+                <a16:creationId xmlns:a16="http://schemas.microsoft.com/office/drawing/2014/main" xmlns="" id="{6678C1D8-FF93-4FAF-863B-F31CC9A5B175}"/>
               </a:ext>
             </a:extLst>
           </p:cNvPr>
@@ -3175,7 +3458,7 @@
           <p:cNvPr id="7" name="Slide Number Placeholder 6">
             <a:extLst>
               <a:ext uri="{FF2B5EF4-FFF2-40B4-BE49-F238E27FC236}">
-                <a16:creationId xmlns:a16="http://schemas.microsoft.com/office/drawing/2014/main" id="{31685113-522C-457E-B406-35AC2968066E}"/>
+                <a16:creationId xmlns:a16="http://schemas.microsoft.com/office/drawing/2014/main" xmlns="" id="{31685113-522C-457E-B406-35AC2968066E}"/>
               </a:ext>
             </a:extLst>
           </p:cNvPr>
@@ -3248,7 +3531,7 @@
           <p:cNvPr id="2" name="Title Placeholder 1">
             <a:extLst>
               <a:ext uri="{FF2B5EF4-FFF2-40B4-BE49-F238E27FC236}">
-                <a16:creationId xmlns:a16="http://schemas.microsoft.com/office/drawing/2014/main" id="{3579F789-E687-4D39-BAE5-90DDBFAF0E29}"/>
+                <a16:creationId xmlns:a16="http://schemas.microsoft.com/office/drawing/2014/main" xmlns="" id="{3579F789-E687-4D39-BAE5-90DDBFAF0E29}"/>
               </a:ext>
             </a:extLst>
           </p:cNvPr>
@@ -3287,7 +3570,7 @@
           <p:cNvPr id="3" name="Text Placeholder 2">
             <a:extLst>
               <a:ext uri="{FF2B5EF4-FFF2-40B4-BE49-F238E27FC236}">
-                <a16:creationId xmlns:a16="http://schemas.microsoft.com/office/drawing/2014/main" id="{0B8D0E74-67B2-49BD-AC3D-AE294D2BCF5F}"/>
+                <a16:creationId xmlns:a16="http://schemas.microsoft.com/office/drawing/2014/main" xmlns="" id="{0B8D0E74-67B2-49BD-AC3D-AE294D2BCF5F}"/>
               </a:ext>
             </a:extLst>
           </p:cNvPr>
@@ -3355,7 +3638,7 @@
           <p:cNvPr id="4" name="Date Placeholder 3">
             <a:extLst>
               <a:ext uri="{FF2B5EF4-FFF2-40B4-BE49-F238E27FC236}">
-                <a16:creationId xmlns:a16="http://schemas.microsoft.com/office/drawing/2014/main" id="{EBCB0C8F-03FA-4999-B22D-E4DFCDA23044}"/>
+                <a16:creationId xmlns:a16="http://schemas.microsoft.com/office/drawing/2014/main" xmlns="" id="{EBCB0C8F-03FA-4999-B22D-E4DFCDA23044}"/>
               </a:ext>
             </a:extLst>
           </p:cNvPr>
@@ -3402,7 +3685,7 @@
           <p:cNvPr id="5" name="Footer Placeholder 4">
             <a:extLst>
               <a:ext uri="{FF2B5EF4-FFF2-40B4-BE49-F238E27FC236}">
-                <a16:creationId xmlns:a16="http://schemas.microsoft.com/office/drawing/2014/main" id="{6293A79D-EF3F-4E13-8B5F-86B63834B4C3}"/>
+                <a16:creationId xmlns:a16="http://schemas.microsoft.com/office/drawing/2014/main" xmlns="" id="{6293A79D-EF3F-4E13-8B5F-86B63834B4C3}"/>
               </a:ext>
             </a:extLst>
           </p:cNvPr>
@@ -3445,7 +3728,7 @@
           <p:cNvPr id="6" name="Slide Number Placeholder 5">
             <a:extLst>
               <a:ext uri="{FF2B5EF4-FFF2-40B4-BE49-F238E27FC236}">
-                <a16:creationId xmlns:a16="http://schemas.microsoft.com/office/drawing/2014/main" id="{CBAA0D00-A6DC-4E1D-9239-F27E40D45E98}"/>
+                <a16:creationId xmlns:a16="http://schemas.microsoft.com/office/drawing/2014/main" xmlns="" id="{CBAA0D00-A6DC-4E1D-9239-F27E40D45E98}"/>
               </a:ext>
             </a:extLst>
           </p:cNvPr>
@@ -3814,7 +4097,7 @@
           <p:cNvPr id="4" name="Image 5" descr="C:\Users\TiMo\Downloads\fst.png">
             <a:extLst>
               <a:ext uri="{FF2B5EF4-FFF2-40B4-BE49-F238E27FC236}">
-                <a16:creationId xmlns:a16="http://schemas.microsoft.com/office/drawing/2014/main" id="{108CD27B-8F43-4F6F-8A3E-D32C55EA4F71}"/>
+                <a16:creationId xmlns:a16="http://schemas.microsoft.com/office/drawing/2014/main" xmlns="" id="{108CD27B-8F43-4F6F-8A3E-D32C55EA4F71}"/>
               </a:ext>
             </a:extLst>
           </p:cNvPr>
@@ -3874,7 +4157,7 @@
           <p:cNvPr id="5" name="Rectangle 4">
             <a:extLst>
               <a:ext uri="{FF2B5EF4-FFF2-40B4-BE49-F238E27FC236}">
-                <a16:creationId xmlns:a16="http://schemas.microsoft.com/office/drawing/2014/main" id="{9940D836-66D5-482E-BC02-6510D8733656}"/>
+                <a16:creationId xmlns:a16="http://schemas.microsoft.com/office/drawing/2014/main" xmlns="" id="{9940D836-66D5-482E-BC02-6510D8733656}"/>
               </a:ext>
             </a:extLst>
           </p:cNvPr>
@@ -3927,7 +4210,7 @@
           <p:cNvPr id="6" name="Rectangle 5">
             <a:extLst>
               <a:ext uri="{FF2B5EF4-FFF2-40B4-BE49-F238E27FC236}">
-                <a16:creationId xmlns:a16="http://schemas.microsoft.com/office/drawing/2014/main" id="{734DA4C8-E57E-49EE-A257-9EDC097507CE}"/>
+                <a16:creationId xmlns:a16="http://schemas.microsoft.com/office/drawing/2014/main" xmlns="" id="{734DA4C8-E57E-49EE-A257-9EDC097507CE}"/>
               </a:ext>
             </a:extLst>
           </p:cNvPr>
@@ -3980,7 +4263,7 @@
           <p:cNvPr id="7" name="Text Box 2">
             <a:extLst>
               <a:ext uri="{FF2B5EF4-FFF2-40B4-BE49-F238E27FC236}">
-                <a16:creationId xmlns:a16="http://schemas.microsoft.com/office/drawing/2014/main" id="{43B2492E-5F69-4457-B206-C3E4E8246DE7}"/>
+                <a16:creationId xmlns:a16="http://schemas.microsoft.com/office/drawing/2014/main" xmlns="" id="{43B2492E-5F69-4457-B206-C3E4E8246DE7}"/>
               </a:ext>
             </a:extLst>
           </p:cNvPr>
@@ -4129,7 +4412,7 @@
           <p:cNvPr id="9" name="TextBox 8">
             <a:extLst>
               <a:ext uri="{FF2B5EF4-FFF2-40B4-BE49-F238E27FC236}">
-                <a16:creationId xmlns:a16="http://schemas.microsoft.com/office/drawing/2014/main" id="{2579CAD7-D88B-4EB4-A2B5-15F865B784C8}"/>
+                <a16:creationId xmlns:a16="http://schemas.microsoft.com/office/drawing/2014/main" xmlns="" id="{2579CAD7-D88B-4EB4-A2B5-15F865B784C8}"/>
               </a:ext>
             </a:extLst>
           </p:cNvPr>
@@ -4214,7 +4497,7 @@
           <p:cNvPr id="10" name="Rectangle 9">
             <a:extLst>
               <a:ext uri="{FF2B5EF4-FFF2-40B4-BE49-F238E27FC236}">
-                <a16:creationId xmlns:a16="http://schemas.microsoft.com/office/drawing/2014/main" id="{489F5595-F8A6-4E2D-AB6D-E389D15B2CB2}"/>
+                <a16:creationId xmlns:a16="http://schemas.microsoft.com/office/drawing/2014/main" xmlns="" id="{489F5595-F8A6-4E2D-AB6D-E389D15B2CB2}"/>
               </a:ext>
             </a:extLst>
           </p:cNvPr>
@@ -4266,7 +4549,7 @@
           <p:cNvPr id="11" name="Slide Number Placeholder 10">
             <a:extLst>
               <a:ext uri="{FF2B5EF4-FFF2-40B4-BE49-F238E27FC236}">
-                <a16:creationId xmlns:a16="http://schemas.microsoft.com/office/drawing/2014/main" id="{F5375418-33F9-4C7E-8A6A-E61D2B3C474B}"/>
+                <a16:creationId xmlns:a16="http://schemas.microsoft.com/office/drawing/2014/main" xmlns="" id="{F5375418-33F9-4C7E-8A6A-E61D2B3C474B}"/>
               </a:ext>
             </a:extLst>
           </p:cNvPr>
@@ -4300,13 +4583,13 @@
   <p:clrMapOvr>
     <a:masterClrMapping/>
   </p:clrMapOvr>
-  <mc:AlternateContent xmlns:mc="http://schemas.openxmlformats.org/markup-compatibility/2006">
-    <mc:Choice xmlns:p14="http://schemas.microsoft.com/office/powerpoint/2010/main" Requires="p14">
+  <mc:AlternateContent xmlns:mc="http://schemas.openxmlformats.org/markup-compatibility/2006" xmlns:p14="http://schemas.microsoft.com/office/powerpoint/2010/main">
+    <mc:Choice Requires="p14">
       <p:transition spd="med" p14:dur="700">
         <p:fade/>
       </p:transition>
     </mc:Choice>
-    <mc:Fallback>
+    <mc:Fallback xmlns="">
       <p:transition spd="med">
         <p:fade/>
       </p:transition>
@@ -4941,7 +5224,7 @@
           <p:cNvPr id="4" name="Rectangle 3">
             <a:extLst>
               <a:ext uri="{FF2B5EF4-FFF2-40B4-BE49-F238E27FC236}">
-                <a16:creationId xmlns:a16="http://schemas.microsoft.com/office/drawing/2014/main" id="{0E537682-839B-4B73-BBA3-D57FA05A2E7A}"/>
+                <a16:creationId xmlns:a16="http://schemas.microsoft.com/office/drawing/2014/main" xmlns="" id="{0E537682-839B-4B73-BBA3-D57FA05A2E7A}"/>
               </a:ext>
             </a:extLst>
           </p:cNvPr>
@@ -5028,7 +5311,7 @@
           <p:cNvPr id="5" name="Slide Number Placeholder 4">
             <a:extLst>
               <a:ext uri="{FF2B5EF4-FFF2-40B4-BE49-F238E27FC236}">
-                <a16:creationId xmlns:a16="http://schemas.microsoft.com/office/drawing/2014/main" id="{8779620F-5BE4-4513-87E2-D66C1795E890}"/>
+                <a16:creationId xmlns:a16="http://schemas.microsoft.com/office/drawing/2014/main" xmlns="" id="{8779620F-5BE4-4513-87E2-D66C1795E890}"/>
               </a:ext>
             </a:extLst>
           </p:cNvPr>
@@ -5062,13 +5345,13 @@
   <p:clrMapOvr>
     <a:masterClrMapping/>
   </p:clrMapOvr>
-  <mc:AlternateContent xmlns:mc="http://schemas.openxmlformats.org/markup-compatibility/2006">
-    <mc:Choice xmlns:p14="http://schemas.microsoft.com/office/powerpoint/2010/main" Requires="p14">
+  <mc:AlternateContent xmlns:mc="http://schemas.openxmlformats.org/markup-compatibility/2006" xmlns:p14="http://schemas.microsoft.com/office/powerpoint/2010/main">
+    <mc:Choice Requires="p14">
       <p:transition spd="med" p14:dur="700" advClick="0" advTm="1000">
         <p:fade/>
       </p:transition>
     </mc:Choice>
-    <mc:Fallback>
+    <mc:Fallback xmlns="">
       <p:transition spd="med" advClick="0" advTm="1000">
         <p:fade/>
       </p:transition>
@@ -5175,7 +5458,7 @@
           <p:cNvPr id="4" name="Rectangle 3">
             <a:extLst>
               <a:ext uri="{FF2B5EF4-FFF2-40B4-BE49-F238E27FC236}">
-                <a16:creationId xmlns:a16="http://schemas.microsoft.com/office/drawing/2014/main" id="{DBC75D37-314C-4BDA-AE9E-09A72FC8CAEC}"/>
+                <a16:creationId xmlns:a16="http://schemas.microsoft.com/office/drawing/2014/main" xmlns="" id="{DBC75D37-314C-4BDA-AE9E-09A72FC8CAEC}"/>
               </a:ext>
             </a:extLst>
           </p:cNvPr>
@@ -5265,7 +5548,7 @@
           <p:cNvPr id="6" name="Slide Number Placeholder 5">
             <a:extLst>
               <a:ext uri="{FF2B5EF4-FFF2-40B4-BE49-F238E27FC236}">
-                <a16:creationId xmlns:a16="http://schemas.microsoft.com/office/drawing/2014/main" id="{C61B1330-023B-469A-9C87-FBFCFFE0D415}"/>
+                <a16:creationId xmlns:a16="http://schemas.microsoft.com/office/drawing/2014/main" xmlns="" id="{C61B1330-023B-469A-9C87-FBFCFFE0D415}"/>
               </a:ext>
             </a:extLst>
           </p:cNvPr>
@@ -5294,7 +5577,7 @@
           <p:cNvPr id="9" name="Group 8">
             <a:extLst>
               <a:ext uri="{FF2B5EF4-FFF2-40B4-BE49-F238E27FC236}">
-                <a16:creationId xmlns:a16="http://schemas.microsoft.com/office/drawing/2014/main" id="{7A1DA556-B1E9-42A2-99F0-41642060C5FF}"/>
+                <a16:creationId xmlns:a16="http://schemas.microsoft.com/office/drawing/2014/main" xmlns="" id="{7A1DA556-B1E9-42A2-99F0-41642060C5FF}"/>
               </a:ext>
             </a:extLst>
           </p:cNvPr>
@@ -5314,7 +5597,7 @@
             <p:cNvPr id="1026" name="Picture 2">
               <a:extLst>
                 <a:ext uri="{FF2B5EF4-FFF2-40B4-BE49-F238E27FC236}">
-                  <a16:creationId xmlns:a16="http://schemas.microsoft.com/office/drawing/2014/main" id="{1264AD28-6020-458E-A903-70952AC086D1}"/>
+                  <a16:creationId xmlns:a16="http://schemas.microsoft.com/office/drawing/2014/main" xmlns="" id="{1264AD28-6020-458E-A903-70952AC086D1}"/>
                 </a:ext>
               </a:extLst>
             </p:cNvPr>
@@ -5374,7 +5657,7 @@
             <p:cNvPr id="3" name="TextBox 2">
               <a:extLst>
                 <a:ext uri="{FF2B5EF4-FFF2-40B4-BE49-F238E27FC236}">
-                  <a16:creationId xmlns:a16="http://schemas.microsoft.com/office/drawing/2014/main" id="{2711C80E-57CD-40CA-8CBF-D9FCF7195D15}"/>
+                  <a16:creationId xmlns:a16="http://schemas.microsoft.com/office/drawing/2014/main" xmlns="" id="{2711C80E-57CD-40CA-8CBF-D9FCF7195D15}"/>
                 </a:ext>
               </a:extLst>
             </p:cNvPr>
@@ -5417,7 +5700,7 @@
           <p:cNvPr id="10" name="Group 9">
             <a:extLst>
               <a:ext uri="{FF2B5EF4-FFF2-40B4-BE49-F238E27FC236}">
-                <a16:creationId xmlns:a16="http://schemas.microsoft.com/office/drawing/2014/main" id="{EC78EF00-9F52-49C4-BEBD-6D734B1CD134}"/>
+                <a16:creationId xmlns:a16="http://schemas.microsoft.com/office/drawing/2014/main" xmlns="" id="{EC78EF00-9F52-49C4-BEBD-6D734B1CD134}"/>
               </a:ext>
             </a:extLst>
           </p:cNvPr>
@@ -5437,7 +5720,7 @@
             <p:cNvPr id="1027" name="Picture 3">
               <a:extLst>
                 <a:ext uri="{FF2B5EF4-FFF2-40B4-BE49-F238E27FC236}">
-                  <a16:creationId xmlns:a16="http://schemas.microsoft.com/office/drawing/2014/main" id="{FAC1BA84-A5FE-45B9-9EEF-7C7D3CEB5C03}"/>
+                  <a16:creationId xmlns:a16="http://schemas.microsoft.com/office/drawing/2014/main" xmlns="" id="{FAC1BA84-A5FE-45B9-9EEF-7C7D3CEB5C03}"/>
                 </a:ext>
               </a:extLst>
             </p:cNvPr>
@@ -5447,7 +5730,7 @@
             <p:nvPr/>
           </p:nvPicPr>
           <p:blipFill>
-            <a:blip r:embed="rId3">
+            <a:blip r:embed="rId3" cstate="print">
               <a:extLst>
                 <a:ext uri="{28A0092B-C50C-407E-A947-70E740481C1C}">
                   <a14:useLocalDpi xmlns:a14="http://schemas.microsoft.com/office/drawing/2010/main" val="0"/>
@@ -5497,7 +5780,7 @@
             <p:cNvPr id="8" name="TextBox 7">
               <a:extLst>
                 <a:ext uri="{FF2B5EF4-FFF2-40B4-BE49-F238E27FC236}">
-                  <a16:creationId xmlns:a16="http://schemas.microsoft.com/office/drawing/2014/main" id="{D2291111-0B8B-4A1E-BA91-1DFB4E3EF466}"/>
+                  <a16:creationId xmlns:a16="http://schemas.microsoft.com/office/drawing/2014/main" xmlns="" id="{D2291111-0B8B-4A1E-BA91-1DFB4E3EF466}"/>
                 </a:ext>
               </a:extLst>
             </p:cNvPr>
@@ -5543,7 +5826,7 @@
           <p:cNvPr id="11" name="Picture 10">
             <a:extLst>
               <a:ext uri="{FF2B5EF4-FFF2-40B4-BE49-F238E27FC236}">
-                <a16:creationId xmlns:a16="http://schemas.microsoft.com/office/drawing/2014/main" id="{C65DBEF2-429A-40CD-84CE-452D78B09442}"/>
+                <a16:creationId xmlns:a16="http://schemas.microsoft.com/office/drawing/2014/main" xmlns="" id="{C65DBEF2-429A-40CD-84CE-452D78B09442}"/>
               </a:ext>
             </a:extLst>
           </p:cNvPr>
@@ -5936,7 +6219,7 @@
           <p:cNvPr id="4" name="Rectangle 3">
             <a:extLst>
               <a:ext uri="{FF2B5EF4-FFF2-40B4-BE49-F238E27FC236}">
-                <a16:creationId xmlns:a16="http://schemas.microsoft.com/office/drawing/2014/main" id="{DBC75D37-314C-4BDA-AE9E-09A72FC8CAEC}"/>
+                <a16:creationId xmlns:a16="http://schemas.microsoft.com/office/drawing/2014/main" xmlns="" id="{DBC75D37-314C-4BDA-AE9E-09A72FC8CAEC}"/>
               </a:ext>
             </a:extLst>
           </p:cNvPr>
@@ -6026,7 +6309,7 @@
           <p:cNvPr id="6" name="Slide Number Placeholder 5">
             <a:extLst>
               <a:ext uri="{FF2B5EF4-FFF2-40B4-BE49-F238E27FC236}">
-                <a16:creationId xmlns:a16="http://schemas.microsoft.com/office/drawing/2014/main" id="{C61B1330-023B-469A-9C87-FBFCFFE0D415}"/>
+                <a16:creationId xmlns:a16="http://schemas.microsoft.com/office/drawing/2014/main" xmlns="" id="{C61B1330-023B-469A-9C87-FBFCFFE0D415}"/>
               </a:ext>
             </a:extLst>
           </p:cNvPr>
@@ -6055,7 +6338,7 @@
           <p:cNvPr id="11" name="Group 10">
             <a:extLst>
               <a:ext uri="{FF2B5EF4-FFF2-40B4-BE49-F238E27FC236}">
-                <a16:creationId xmlns:a16="http://schemas.microsoft.com/office/drawing/2014/main" id="{4C16BECA-5962-49D3-B427-138599BECEF8}"/>
+                <a16:creationId xmlns:a16="http://schemas.microsoft.com/office/drawing/2014/main" xmlns="" id="{4C16BECA-5962-49D3-B427-138599BECEF8}"/>
               </a:ext>
             </a:extLst>
           </p:cNvPr>
@@ -6075,7 +6358,7 @@
             <p:cNvPr id="5" name="Picture 4">
               <a:extLst>
                 <a:ext uri="{FF2B5EF4-FFF2-40B4-BE49-F238E27FC236}">
-                  <a16:creationId xmlns:a16="http://schemas.microsoft.com/office/drawing/2014/main" id="{0C6A9279-2FEC-4CFF-AD07-464F59ACDB49}"/>
+                  <a16:creationId xmlns:a16="http://schemas.microsoft.com/office/drawing/2014/main" xmlns="" id="{0C6A9279-2FEC-4CFF-AD07-464F59ACDB49}"/>
                 </a:ext>
               </a:extLst>
             </p:cNvPr>
@@ -6111,7 +6394,7 @@
             <p:cNvPr id="7" name="TextBox 6">
               <a:extLst>
                 <a:ext uri="{FF2B5EF4-FFF2-40B4-BE49-F238E27FC236}">
-                  <a16:creationId xmlns:a16="http://schemas.microsoft.com/office/drawing/2014/main" id="{DC8769C8-2CBB-4090-98C4-654B621635F3}"/>
+                  <a16:creationId xmlns:a16="http://schemas.microsoft.com/office/drawing/2014/main" xmlns="" id="{DC8769C8-2CBB-4090-98C4-654B621635F3}"/>
                 </a:ext>
               </a:extLst>
             </p:cNvPr>
@@ -6154,7 +6437,7 @@
           <p:cNvPr id="13" name="Picture 12">
             <a:extLst>
               <a:ext uri="{FF2B5EF4-FFF2-40B4-BE49-F238E27FC236}">
-                <a16:creationId xmlns:a16="http://schemas.microsoft.com/office/drawing/2014/main" id="{931ABF8F-ADB7-46C9-BB77-00A3942A443D}"/>
+                <a16:creationId xmlns:a16="http://schemas.microsoft.com/office/drawing/2014/main" xmlns="" id="{931ABF8F-ADB7-46C9-BB77-00A3942A443D}"/>
               </a:ext>
             </a:extLst>
           </p:cNvPr>
@@ -6188,11 +6471,11 @@
   <p:clrMapOvr>
     <a:masterClrMapping/>
   </p:clrMapOvr>
-  <mc:AlternateContent xmlns:mc="http://schemas.openxmlformats.org/markup-compatibility/2006">
-    <mc:Choice xmlns:p14="http://schemas.microsoft.com/office/powerpoint/2010/main" Requires="p14">
+  <mc:AlternateContent xmlns:mc="http://schemas.openxmlformats.org/markup-compatibility/2006" xmlns:p14="http://schemas.microsoft.com/office/powerpoint/2010/main">
+    <mc:Choice Requires="p14">
       <p:transition p14:dur="10"/>
     </mc:Choice>
-    <mc:Fallback>
+    <mc:Fallback xmlns="">
       <p:transition/>
     </mc:Fallback>
   </mc:AlternateContent>
@@ -6353,7 +6636,7 @@
           <p:cNvPr id="6" name="Slide Number Placeholder 5">
             <a:extLst>
               <a:ext uri="{FF2B5EF4-FFF2-40B4-BE49-F238E27FC236}">
-                <a16:creationId xmlns:a16="http://schemas.microsoft.com/office/drawing/2014/main" id="{C61B1330-023B-469A-9C87-FBFCFFE0D415}"/>
+                <a16:creationId xmlns:a16="http://schemas.microsoft.com/office/drawing/2014/main" xmlns="" id="{C61B1330-023B-469A-9C87-FBFCFFE0D415}"/>
               </a:ext>
             </a:extLst>
           </p:cNvPr>
@@ -6382,7 +6665,7 @@
           <p:cNvPr id="5" name="Group 4">
             <a:extLst>
               <a:ext uri="{FF2B5EF4-FFF2-40B4-BE49-F238E27FC236}">
-                <a16:creationId xmlns:a16="http://schemas.microsoft.com/office/drawing/2014/main" id="{ABDEDFB4-9093-4F05-AF90-CA0B3C7CABF8}"/>
+                <a16:creationId xmlns:a16="http://schemas.microsoft.com/office/drawing/2014/main" xmlns="" id="{ABDEDFB4-9093-4F05-AF90-CA0B3C7CABF8}"/>
               </a:ext>
             </a:extLst>
           </p:cNvPr>
@@ -6402,7 +6685,7 @@
             <p:cNvPr id="2" name="Rectangle 1">
               <a:extLst>
                 <a:ext uri="{FF2B5EF4-FFF2-40B4-BE49-F238E27FC236}">
-                  <a16:creationId xmlns:a16="http://schemas.microsoft.com/office/drawing/2014/main" id="{28B98AD7-FA93-48DA-895C-702DDE67B98B}"/>
+                  <a16:creationId xmlns:a16="http://schemas.microsoft.com/office/drawing/2014/main" xmlns="" id="{28B98AD7-FA93-48DA-895C-702DDE67B98B}"/>
                 </a:ext>
               </a:extLst>
             </p:cNvPr>
@@ -6437,7 +6720,7 @@
             <p:cNvPr id="7" name="Picture 6" descr="C:\Users\_\Desktop\0.png">
               <a:extLst>
                 <a:ext uri="{FF2B5EF4-FFF2-40B4-BE49-F238E27FC236}">
-                  <a16:creationId xmlns:a16="http://schemas.microsoft.com/office/drawing/2014/main" id="{B59F6296-5D1B-4D98-8FD7-66830D5AA6F6}"/>
+                  <a16:creationId xmlns:a16="http://schemas.microsoft.com/office/drawing/2014/main" xmlns="" id="{B59F6296-5D1B-4D98-8FD7-66830D5AA6F6}"/>
                 </a:ext>
               </a:extLst>
             </p:cNvPr>
@@ -6477,7 +6760,7 @@
           <p:cNvPr id="3" name="TextBox 2">
             <a:extLst>
               <a:ext uri="{FF2B5EF4-FFF2-40B4-BE49-F238E27FC236}">
-                <a16:creationId xmlns:a16="http://schemas.microsoft.com/office/drawing/2014/main" id="{C1395D8C-6991-4C3F-8E04-B6CA0640D4AF}"/>
+                <a16:creationId xmlns:a16="http://schemas.microsoft.com/office/drawing/2014/main" xmlns="" id="{C1395D8C-6991-4C3F-8E04-B6CA0640D4AF}"/>
               </a:ext>
             </a:extLst>
           </p:cNvPr>
@@ -6516,7 +6799,7 @@
           <p:cNvPr id="10" name="Rectangle 9">
             <a:extLst>
               <a:ext uri="{FF2B5EF4-FFF2-40B4-BE49-F238E27FC236}">
-                <a16:creationId xmlns:a16="http://schemas.microsoft.com/office/drawing/2014/main" id="{020E6CBF-D496-4467-81B4-6ABB844F69F9}"/>
+                <a16:creationId xmlns:a16="http://schemas.microsoft.com/office/drawing/2014/main" xmlns="" id="{020E6CBF-D496-4467-81B4-6ABB844F69F9}"/>
               </a:ext>
             </a:extLst>
           </p:cNvPr>
@@ -6861,7 +7144,7 @@
           <p:cNvPr id="4" name="Rectangle 3">
             <a:extLst>
               <a:ext uri="{FF2B5EF4-FFF2-40B4-BE49-F238E27FC236}">
-                <a16:creationId xmlns:a16="http://schemas.microsoft.com/office/drawing/2014/main" id="{0E537682-839B-4B73-BBA3-D57FA05A2E7A}"/>
+                <a16:creationId xmlns:a16="http://schemas.microsoft.com/office/drawing/2014/main" xmlns="" id="{0E537682-839B-4B73-BBA3-D57FA05A2E7A}"/>
               </a:ext>
             </a:extLst>
           </p:cNvPr>
@@ -6948,7 +7231,7 @@
           <p:cNvPr id="5" name="Slide Number Placeholder 4">
             <a:extLst>
               <a:ext uri="{FF2B5EF4-FFF2-40B4-BE49-F238E27FC236}">
-                <a16:creationId xmlns:a16="http://schemas.microsoft.com/office/drawing/2014/main" id="{8779620F-5BE4-4513-87E2-D66C1795E890}"/>
+                <a16:creationId xmlns:a16="http://schemas.microsoft.com/office/drawing/2014/main" xmlns="" id="{8779620F-5BE4-4513-87E2-D66C1795E890}"/>
               </a:ext>
             </a:extLst>
           </p:cNvPr>
@@ -6982,13 +7265,13 @@
   <p:clrMapOvr>
     <a:masterClrMapping/>
   </p:clrMapOvr>
-  <mc:AlternateContent xmlns:mc="http://schemas.openxmlformats.org/markup-compatibility/2006">
-    <mc:Choice xmlns:p14="http://schemas.microsoft.com/office/powerpoint/2010/main" Requires="p14">
+  <mc:AlternateContent xmlns:mc="http://schemas.openxmlformats.org/markup-compatibility/2006" xmlns:p14="http://schemas.microsoft.com/office/powerpoint/2010/main">
+    <mc:Choice Requires="p14">
       <p:transition spd="med" p14:dur="700">
         <p:fade/>
       </p:transition>
     </mc:Choice>
-    <mc:Fallback>
+    <mc:Fallback xmlns="">
       <p:transition spd="med">
         <p:fade/>
       </p:transition>
@@ -7019,7 +7302,7 @@
           <p:cNvPr id="4" name="Rectangle 3">
             <a:extLst>
               <a:ext uri="{FF2B5EF4-FFF2-40B4-BE49-F238E27FC236}">
-                <a16:creationId xmlns:a16="http://schemas.microsoft.com/office/drawing/2014/main" id="{0E537682-839B-4B73-BBA3-D57FA05A2E7A}"/>
+                <a16:creationId xmlns:a16="http://schemas.microsoft.com/office/drawing/2014/main" xmlns="" id="{0E537682-839B-4B73-BBA3-D57FA05A2E7A}"/>
               </a:ext>
             </a:extLst>
           </p:cNvPr>
@@ -7106,7 +7389,7 @@
           <p:cNvPr id="5" name="Slide Number Placeholder 4">
             <a:extLst>
               <a:ext uri="{FF2B5EF4-FFF2-40B4-BE49-F238E27FC236}">
-                <a16:creationId xmlns:a16="http://schemas.microsoft.com/office/drawing/2014/main" id="{8779620F-5BE4-4513-87E2-D66C1795E890}"/>
+                <a16:creationId xmlns:a16="http://schemas.microsoft.com/office/drawing/2014/main" xmlns="" id="{8779620F-5BE4-4513-87E2-D66C1795E890}"/>
               </a:ext>
             </a:extLst>
           </p:cNvPr>
@@ -7140,13 +7423,13 @@
   <p:clrMapOvr>
     <a:masterClrMapping/>
   </p:clrMapOvr>
-  <mc:AlternateContent xmlns:mc="http://schemas.openxmlformats.org/markup-compatibility/2006">
-    <mc:Choice xmlns:p14="http://schemas.microsoft.com/office/powerpoint/2010/main" Requires="p14">
+  <mc:AlternateContent xmlns:mc="http://schemas.openxmlformats.org/markup-compatibility/2006" xmlns:p14="http://schemas.microsoft.com/office/powerpoint/2010/main">
+    <mc:Choice Requires="p14">
       <p:transition spd="med" p14:dur="700" advClick="0" advTm="1000">
         <p:fade/>
       </p:transition>
     </mc:Choice>
-    <mc:Fallback>
+    <mc:Fallback xmlns="">
       <p:transition spd="med" advClick="0" advTm="1000">
         <p:fade/>
       </p:transition>
@@ -7253,7 +7536,7 @@
           <p:cNvPr id="4" name="Rectangle 3">
             <a:extLst>
               <a:ext uri="{FF2B5EF4-FFF2-40B4-BE49-F238E27FC236}">
-                <a16:creationId xmlns:a16="http://schemas.microsoft.com/office/drawing/2014/main" id="{DBC75D37-314C-4BDA-AE9E-09A72FC8CAEC}"/>
+                <a16:creationId xmlns:a16="http://schemas.microsoft.com/office/drawing/2014/main" xmlns="" id="{DBC75D37-314C-4BDA-AE9E-09A72FC8CAEC}"/>
               </a:ext>
             </a:extLst>
           </p:cNvPr>
@@ -7393,7 +7676,7 @@
           <p:cNvPr id="5" name="TextBox 4">
             <a:extLst>
               <a:ext uri="{FF2B5EF4-FFF2-40B4-BE49-F238E27FC236}">
-                <a16:creationId xmlns:a16="http://schemas.microsoft.com/office/drawing/2014/main" id="{29CE58E8-6F88-4224-B64C-07BE5C3FC10F}"/>
+                <a16:creationId xmlns:a16="http://schemas.microsoft.com/office/drawing/2014/main" xmlns="" id="{29CE58E8-6F88-4224-B64C-07BE5C3FC10F}"/>
               </a:ext>
             </a:extLst>
           </p:cNvPr>
@@ -7457,7 +7740,7 @@
           <p:cNvPr id="6" name="Slide Number Placeholder 5">
             <a:extLst>
               <a:ext uri="{FF2B5EF4-FFF2-40B4-BE49-F238E27FC236}">
-                <a16:creationId xmlns:a16="http://schemas.microsoft.com/office/drawing/2014/main" id="{C61B1330-023B-469A-9C87-FBFCFFE0D415}"/>
+                <a16:creationId xmlns:a16="http://schemas.microsoft.com/office/drawing/2014/main" xmlns="" id="{C61B1330-023B-469A-9C87-FBFCFFE0D415}"/>
               </a:ext>
             </a:extLst>
           </p:cNvPr>
@@ -7516,7 +7799,7 @@
           <p:cNvPr id="5" name="Slide Number Placeholder 4">
             <a:extLst>
               <a:ext uri="{FF2B5EF4-FFF2-40B4-BE49-F238E27FC236}">
-                <a16:creationId xmlns:a16="http://schemas.microsoft.com/office/drawing/2014/main" id="{8779620F-5BE4-4513-87E2-D66C1795E890}"/>
+                <a16:creationId xmlns:a16="http://schemas.microsoft.com/office/drawing/2014/main" xmlns="" id="{8779620F-5BE4-4513-87E2-D66C1795E890}"/>
               </a:ext>
             </a:extLst>
           </p:cNvPr>
@@ -7545,7 +7828,7 @@
           <p:cNvPr id="6" name="Rectangle 5">
             <a:extLst>
               <a:ext uri="{FF2B5EF4-FFF2-40B4-BE49-F238E27FC236}">
-                <a16:creationId xmlns:a16="http://schemas.microsoft.com/office/drawing/2014/main" id="{1A3FFE96-57C9-4B88-BF91-6369B82968EC}"/>
+                <a16:creationId xmlns:a16="http://schemas.microsoft.com/office/drawing/2014/main" xmlns="" id="{1A3FFE96-57C9-4B88-BF91-6369B82968EC}"/>
               </a:ext>
             </a:extLst>
           </p:cNvPr>
@@ -7636,13 +7919,13 @@
   <p:clrMapOvr>
     <a:masterClrMapping/>
   </p:clrMapOvr>
-  <mc:AlternateContent xmlns:mc="http://schemas.openxmlformats.org/markup-compatibility/2006">
-    <mc:Choice xmlns:p14="http://schemas.microsoft.com/office/powerpoint/2010/main" Requires="p14">
+  <mc:AlternateContent xmlns:mc="http://schemas.openxmlformats.org/markup-compatibility/2006" xmlns:p14="http://schemas.microsoft.com/office/powerpoint/2010/main">
+    <mc:Choice Requires="p14">
       <p:transition spd="med" p14:dur="700" advClick="0" advTm="1000">
         <p:fade/>
       </p:transition>
     </mc:Choice>
-    <mc:Fallback>
+    <mc:Fallback xmlns="">
       <p:transition spd="med" advClick="0" advTm="1000">
         <p:fade/>
       </p:transition>
@@ -7816,7 +8099,7 @@
           <p:cNvPr id="4" name="Rectangle 3">
             <a:extLst>
               <a:ext uri="{FF2B5EF4-FFF2-40B4-BE49-F238E27FC236}">
-                <a16:creationId xmlns:a16="http://schemas.microsoft.com/office/drawing/2014/main" id="{33D998B0-0BD3-4E2A-9E45-A307F46EC778}"/>
+                <a16:creationId xmlns:a16="http://schemas.microsoft.com/office/drawing/2014/main" xmlns="" id="{33D998B0-0BD3-4E2A-9E45-A307F46EC778}"/>
               </a:ext>
             </a:extLst>
           </p:cNvPr>
@@ -7906,7 +8189,7 @@
           <p:cNvPr id="5" name="TextBox 4">
             <a:extLst>
               <a:ext uri="{FF2B5EF4-FFF2-40B4-BE49-F238E27FC236}">
-                <a16:creationId xmlns:a16="http://schemas.microsoft.com/office/drawing/2014/main" id="{7F70753D-92EC-4B7F-B97E-BE5EC653DE0C}"/>
+                <a16:creationId xmlns:a16="http://schemas.microsoft.com/office/drawing/2014/main" xmlns="" id="{7F70753D-92EC-4B7F-B97E-BE5EC653DE0C}"/>
               </a:ext>
             </a:extLst>
           </p:cNvPr>
@@ -7958,7 +8241,23 @@
             </a:pPr>
             <a:r>
               <a:rPr lang="fr-FR" sz="3600" dirty="0"/>
-              <a:t>	II-Les outils et les technologies</a:t>
+              <a:t>	</a:t>
+            </a:r>
+            <a:r>
+              <a:rPr lang="fr-FR" sz="3600" dirty="0" smtClean="0"/>
+              <a:t>II-</a:t>
+            </a:r>
+            <a:r>
+              <a:rPr lang="fr-FR" sz="3600" dirty="0"/>
+              <a:t>O</a:t>
+            </a:r>
+            <a:r>
+              <a:rPr lang="fr-FR" sz="3600" dirty="0" smtClean="0"/>
+              <a:t>utils et </a:t>
+            </a:r>
+            <a:r>
+              <a:rPr lang="fr-FR" sz="3600" dirty="0"/>
+              <a:t>technologies</a:t>
             </a:r>
           </a:p>
           <a:p>
@@ -7969,7 +8268,11 @@
             </a:pPr>
             <a:r>
               <a:rPr lang="fr-FR" sz="3600" dirty="0"/>
-              <a:t>	III-La méthode de gestion de projet</a:t>
+              <a:t>	</a:t>
+            </a:r>
+            <a:r>
+              <a:rPr lang="fr-FR" sz="3600" dirty="0" smtClean="0"/>
+              <a:t>III-Conduite de projet</a:t>
             </a:r>
           </a:p>
           <a:p>
@@ -8001,7 +8304,7 @@
           <p:cNvPr id="6" name="Slide Number Placeholder 5">
             <a:extLst>
               <a:ext uri="{FF2B5EF4-FFF2-40B4-BE49-F238E27FC236}">
-                <a16:creationId xmlns:a16="http://schemas.microsoft.com/office/drawing/2014/main" id="{78A9925A-0306-48B2-B8D5-4C384315E378}"/>
+                <a16:creationId xmlns:a16="http://schemas.microsoft.com/office/drawing/2014/main" xmlns="" id="{78A9925A-0306-48B2-B8D5-4C384315E378}"/>
               </a:ext>
             </a:extLst>
           </p:cNvPr>
@@ -8035,13 +8338,13 @@
   <p:clrMapOvr>
     <a:masterClrMapping/>
   </p:clrMapOvr>
-  <mc:AlternateContent xmlns:mc="http://schemas.openxmlformats.org/markup-compatibility/2006">
-    <mc:Choice xmlns:p14="http://schemas.microsoft.com/office/powerpoint/2010/main" Requires="p14">
+  <mc:AlternateContent xmlns:mc="http://schemas.openxmlformats.org/markup-compatibility/2006" xmlns:p14="http://schemas.microsoft.com/office/powerpoint/2010/main">
+    <mc:Choice Requires="p14">
       <p:transition spd="med" p14:dur="700">
         <p:fade/>
       </p:transition>
     </mc:Choice>
-    <mc:Fallback>
+    <mc:Fallback xmlns="">
       <p:transition spd="med">
         <p:fade/>
       </p:transition>
@@ -8753,7 +9056,7 @@
           <p:cNvPr id="4" name="Rectangle 3">
             <a:extLst>
               <a:ext uri="{FF2B5EF4-FFF2-40B4-BE49-F238E27FC236}">
-                <a16:creationId xmlns:a16="http://schemas.microsoft.com/office/drawing/2014/main" id="{0E537682-839B-4B73-BBA3-D57FA05A2E7A}"/>
+                <a16:creationId xmlns:a16="http://schemas.microsoft.com/office/drawing/2014/main" xmlns="" id="{0E537682-839B-4B73-BBA3-D57FA05A2E7A}"/>
               </a:ext>
             </a:extLst>
           </p:cNvPr>
@@ -8837,7 +9140,7 @@
           <p:cNvPr id="2" name="Slide Number Placeholder 1">
             <a:extLst>
               <a:ext uri="{FF2B5EF4-FFF2-40B4-BE49-F238E27FC236}">
-                <a16:creationId xmlns:a16="http://schemas.microsoft.com/office/drawing/2014/main" id="{3FDDFF05-9EB9-4B22-AA8B-A1EF6DDA8909}"/>
+                <a16:creationId xmlns:a16="http://schemas.microsoft.com/office/drawing/2014/main" xmlns="" id="{3FDDFF05-9EB9-4B22-AA8B-A1EF6DDA8909}"/>
               </a:ext>
             </a:extLst>
           </p:cNvPr>
@@ -8871,13 +9174,13 @@
   <p:clrMapOvr>
     <a:masterClrMapping/>
   </p:clrMapOvr>
-  <mc:AlternateContent xmlns:mc="http://schemas.openxmlformats.org/markup-compatibility/2006">
-    <mc:Choice xmlns:p14="http://schemas.microsoft.com/office/powerpoint/2010/main" Requires="p14">
+  <mc:AlternateContent xmlns:mc="http://schemas.openxmlformats.org/markup-compatibility/2006" xmlns:p14="http://schemas.microsoft.com/office/powerpoint/2010/main">
+    <mc:Choice Requires="p14">
       <p:transition spd="med" p14:dur="700" advClick="0" advTm="1000">
         <p:fade/>
       </p:transition>
     </mc:Choice>
-    <mc:Fallback>
+    <mc:Fallback xmlns="">
       <p:transition spd="med" advClick="0" advTm="1000">
         <p:fade/>
       </p:transition>
@@ -8984,7 +9287,7 @@
           <p:cNvPr id="4" name="Rectangle 3">
             <a:extLst>
               <a:ext uri="{FF2B5EF4-FFF2-40B4-BE49-F238E27FC236}">
-                <a16:creationId xmlns:a16="http://schemas.microsoft.com/office/drawing/2014/main" id="{DBC75D37-314C-4BDA-AE9E-09A72FC8CAEC}"/>
+                <a16:creationId xmlns:a16="http://schemas.microsoft.com/office/drawing/2014/main" xmlns="" id="{DBC75D37-314C-4BDA-AE9E-09A72FC8CAEC}"/>
               </a:ext>
             </a:extLst>
           </p:cNvPr>
@@ -9097,7 +9400,7 @@
           <p:cNvPr id="5" name="TextBox 4">
             <a:extLst>
               <a:ext uri="{FF2B5EF4-FFF2-40B4-BE49-F238E27FC236}">
-                <a16:creationId xmlns:a16="http://schemas.microsoft.com/office/drawing/2014/main" id="{29CE58E8-6F88-4224-B64C-07BE5C3FC10F}"/>
+                <a16:creationId xmlns:a16="http://schemas.microsoft.com/office/drawing/2014/main" xmlns="" id="{29CE58E8-6F88-4224-B64C-07BE5C3FC10F}"/>
               </a:ext>
             </a:extLst>
           </p:cNvPr>
@@ -9106,8 +9409,8 @@
         </p:nvSpPr>
         <p:spPr>
           <a:xfrm>
-            <a:off x="1111348" y="2497601"/>
-            <a:ext cx="9129251" cy="3416320"/>
+            <a:off x="1223643" y="2322114"/>
+            <a:ext cx="9129251" cy="2308324"/>
           </a:xfrm>
           <a:prstGeom prst="rect">
             <a:avLst/>
@@ -9128,13 +9431,10 @@
               <a:buChar char="•"/>
             </a:pPr>
             <a:r>
-              <a:rPr lang="fr-FR" sz="2400" dirty="0"/>
-              <a:t>Ce projet consiste à la mise en œuvre d’une solution permettant de répondre aux différents besoins de l’UHA</a:t>
-            </a:r>
-            <a:r>
-              <a:rPr lang="fr-FR" sz="2400" b="1" dirty="0"/>
-              <a:t>.</a:t>
-            </a:r>
+              <a:rPr lang="fr-FR" sz="3200" b="1" dirty="0" smtClean="0"/>
+              <a:t>En quoi consiste le projet?</a:t>
+            </a:r>
+            <a:endParaRPr lang="fr-FR" sz="3200" b="1" dirty="0"/>
           </a:p>
           <a:p>
             <a:pPr marL="342900" indent="-342900">
@@ -9145,8 +9445,8 @@
               <a:buChar char="•"/>
             </a:pPr>
             <a:r>
-              <a:rPr lang="fr-FR" sz="2400" dirty="0"/>
-              <a:t>Gérer les vacataires intervenant au sein de l’université.</a:t>
+              <a:rPr lang="fr-FR" sz="3200" b="1" dirty="0" smtClean="0"/>
+              <a:t>Quel est l’objectif du projet?</a:t>
             </a:r>
           </a:p>
           <a:p>
@@ -9158,61 +9458,10 @@
               <a:buChar char="•"/>
             </a:pPr>
             <a:r>
-              <a:rPr lang="fr-FR" sz="2400" dirty="0"/>
-              <a:t>Sous forme d’une application web moderne.</a:t>
-            </a:r>
-          </a:p>
-          <a:p>
-            <a:pPr marL="342900" indent="-342900">
-              <a:lnSpc>
-                <a:spcPct val="150000"/>
-              </a:lnSpc>
-              <a:buFont typeface="Arial" panose="020B0604020202020204" pitchFamily="34" charset="0"/>
-              <a:buChar char="•"/>
-            </a:pPr>
-            <a:r>
-              <a:rPr lang="fr-FR" sz="2400" dirty="0"/>
-              <a:t> L’application réalisé grâces à l’ensemble d’outils mis à notre disposition.</a:t>
-            </a:r>
-          </a:p>
-        </p:txBody>
-      </p:sp>
-      <p:sp>
-        <p:nvSpPr>
-          <p:cNvPr id="2" name="TextBox 1">
-            <a:extLst>
-              <a:ext uri="{FF2B5EF4-FFF2-40B4-BE49-F238E27FC236}">
-                <a16:creationId xmlns:a16="http://schemas.microsoft.com/office/drawing/2014/main" id="{B1482F54-31CC-4D8D-95EC-95BBC4F433FC}"/>
-              </a:ext>
-            </a:extLst>
-          </p:cNvPr>
-          <p:cNvSpPr txBox="1"/>
-          <p:nvPr/>
-        </p:nvSpPr>
-        <p:spPr>
-          <a:xfrm>
-            <a:off x="1111348" y="1645920"/>
-            <a:ext cx="3340530" cy="523220"/>
-          </a:xfrm>
-          <a:prstGeom prst="rect">
-            <a:avLst/>
-          </a:prstGeom>
-          <a:noFill/>
-        </p:spPr>
-        <p:txBody>
-          <a:bodyPr wrap="none" rtlCol="0">
-            <a:spAutoFit/>
-          </a:bodyPr>
-          <a:lstStyle/>
-          <a:p>
-            <a:r>
-              <a:rPr lang="fr-FR" sz="2800" b="1" dirty="0">
-                <a:solidFill>
-                  <a:srgbClr val="002060"/>
-                </a:solidFill>
-              </a:rPr>
-              <a:t>1- L’objectif du projet</a:t>
-            </a:r>
+              <a:rPr lang="fr-FR" sz="3200" b="1" dirty="0" smtClean="0"/>
+              <a:t>Sous quelle forme l’application est-elle réalisée?</a:t>
+            </a:r>
+            <a:endParaRPr lang="fr-FR" sz="3200" b="1" dirty="0"/>
           </a:p>
         </p:txBody>
       </p:sp>
@@ -9221,7 +9470,7 @@
           <p:cNvPr id="3" name="Slide Number Placeholder 2">
             <a:extLst>
               <a:ext uri="{FF2B5EF4-FFF2-40B4-BE49-F238E27FC236}">
-                <a16:creationId xmlns:a16="http://schemas.microsoft.com/office/drawing/2014/main" id="{68E64F4B-D80A-4C8F-B688-A5853B9F4BA0}"/>
+                <a16:creationId xmlns:a16="http://schemas.microsoft.com/office/drawing/2014/main" xmlns="" id="{68E64F4B-D80A-4C8F-B688-A5853B9F4BA0}"/>
               </a:ext>
             </a:extLst>
           </p:cNvPr>
@@ -9255,6 +9504,13 @@
   <p:clrMapOvr>
     <a:masterClrMapping/>
   </p:clrMapOvr>
+  <p:timing>
+    <p:tnLst>
+      <p:par>
+        <p:cTn id="1" dur="indefinite" restart="never" nodeType="tmRoot"/>
+      </p:par>
+    </p:tnLst>
+  </p:timing>
 </p:sld>
 </file>
 
@@ -9280,7 +9536,7 @@
           <p:cNvPr id="4" name="Rectangle 3">
             <a:extLst>
               <a:ext uri="{FF2B5EF4-FFF2-40B4-BE49-F238E27FC236}">
-                <a16:creationId xmlns:a16="http://schemas.microsoft.com/office/drawing/2014/main" id="{DBC75D37-314C-4BDA-AE9E-09A72FC8CAEC}"/>
+                <a16:creationId xmlns:a16="http://schemas.microsoft.com/office/drawing/2014/main" xmlns="" id="{DBC75D37-314C-4BDA-AE9E-09A72FC8CAEC}"/>
               </a:ext>
             </a:extLst>
           </p:cNvPr>
@@ -9390,56 +9646,10 @@
       </p:sp>
       <p:sp>
         <p:nvSpPr>
-          <p:cNvPr id="2" name="TextBox 1">
+          <p:cNvPr id="7" name="Slide Number Placeholder 6">
             <a:extLst>
               <a:ext uri="{FF2B5EF4-FFF2-40B4-BE49-F238E27FC236}">
-                <a16:creationId xmlns:a16="http://schemas.microsoft.com/office/drawing/2014/main" id="{B1482F54-31CC-4D8D-95EC-95BBC4F433FC}"/>
-              </a:ext>
-            </a:extLst>
-          </p:cNvPr>
-          <p:cNvSpPr txBox="1"/>
-          <p:nvPr/>
-        </p:nvSpPr>
-        <p:spPr>
-          <a:xfrm>
-            <a:off x="1111348" y="1645920"/>
-            <a:ext cx="5706499" cy="954107"/>
-          </a:xfrm>
-          <a:prstGeom prst="rect">
-            <a:avLst/>
-          </a:prstGeom>
-          <a:noFill/>
-        </p:spPr>
-        <p:txBody>
-          <a:bodyPr wrap="none" rtlCol="0">
-            <a:spAutoFit/>
-          </a:bodyPr>
-          <a:lstStyle/>
-          <a:p>
-            <a:r>
-              <a:rPr lang="fr-FR" sz="2800" b="1" dirty="0">
-                <a:solidFill>
-                  <a:srgbClr val="002060"/>
-                </a:solidFill>
-              </a:rPr>
-              <a:t>2- Les fonctionnalités de l’application</a:t>
-            </a:r>
-          </a:p>
-          <a:p>
-            <a:endParaRPr lang="fr-FR" sz="2800" b="1" dirty="0">
-              <a:solidFill>
-                <a:srgbClr val="002060"/>
-              </a:solidFill>
-            </a:endParaRPr>
-          </a:p>
-        </p:txBody>
-      </p:sp>
-      <p:sp>
-        <p:nvSpPr>
-          <p:cNvPr id="7" name="Slide Number Placeholder 6">
-            <a:extLst>
-              <a:ext uri="{FF2B5EF4-FFF2-40B4-BE49-F238E27FC236}">
-                <a16:creationId xmlns:a16="http://schemas.microsoft.com/office/drawing/2014/main" id="{6F1E3FFB-82E0-4A1E-9345-522B13EDDD45}"/>
+                <a16:creationId xmlns:a16="http://schemas.microsoft.com/office/drawing/2014/main" xmlns="" id="{6F1E3FFB-82E0-4A1E-9345-522B13EDDD45}"/>
               </a:ext>
             </a:extLst>
           </p:cNvPr>
@@ -9468,7 +9678,7 @@
           <p:cNvPr id="9" name="Group 8">
             <a:extLst>
               <a:ext uri="{FF2B5EF4-FFF2-40B4-BE49-F238E27FC236}">
-                <a16:creationId xmlns:a16="http://schemas.microsoft.com/office/drawing/2014/main" id="{E4359A95-33D8-49C4-BBDD-2BB20DC813E1}"/>
+                <a16:creationId xmlns:a16="http://schemas.microsoft.com/office/drawing/2014/main" xmlns="" id="{E4359A95-33D8-49C4-BBDD-2BB20DC813E1}"/>
               </a:ext>
             </a:extLst>
           </p:cNvPr>
@@ -9477,7 +9687,7 @@
         </p:nvGrpSpPr>
         <p:grpSpPr>
           <a:xfrm>
-            <a:off x="1228645" y="113893"/>
+            <a:off x="1661783" y="113893"/>
             <a:ext cx="9110041" cy="6607582"/>
             <a:chOff x="1724418" y="0"/>
             <a:chExt cx="9110041" cy="6607582"/>
@@ -9488,7 +9698,7 @@
             <p:cNvPr id="6" name="Picture 5">
               <a:extLst>
                 <a:ext uri="{FF2B5EF4-FFF2-40B4-BE49-F238E27FC236}">
-                  <a16:creationId xmlns:a16="http://schemas.microsoft.com/office/drawing/2014/main" id="{19A1D5A3-5C66-45C9-BEC3-183DC799BF32}"/>
+                  <a16:creationId xmlns:a16="http://schemas.microsoft.com/office/drawing/2014/main" xmlns="" id="{19A1D5A3-5C66-45C9-BEC3-183DC799BF32}"/>
                 </a:ext>
               </a:extLst>
             </p:cNvPr>
@@ -9498,7 +9708,7 @@
             <p:nvPr/>
           </p:nvPicPr>
           <p:blipFill rotWithShape="1">
-            <a:blip r:embed="rId2">
+            <a:blip r:embed="rId3">
               <a:extLst>
                 <a:ext uri="{28A0092B-C50C-407E-A947-70E740481C1C}">
                   <a14:useLocalDpi xmlns:a14="http://schemas.microsoft.com/office/drawing/2010/main" val="0"/>
@@ -9523,7 +9733,7 @@
             <p:cNvPr id="8" name="TextBox 7">
               <a:extLst>
                 <a:ext uri="{FF2B5EF4-FFF2-40B4-BE49-F238E27FC236}">
-                  <a16:creationId xmlns:a16="http://schemas.microsoft.com/office/drawing/2014/main" id="{91241C50-CE2D-4C2F-AB0A-FEBF4A476BC5}"/>
+                  <a16:creationId xmlns:a16="http://schemas.microsoft.com/office/drawing/2014/main" xmlns="" id="{91241C50-CE2D-4C2F-AB0A-FEBF4A476BC5}"/>
                 </a:ext>
               </a:extLst>
             </p:cNvPr>
@@ -9564,11 +9774,11 @@
   <p:clrMapOvr>
     <a:masterClrMapping/>
   </p:clrMapOvr>
-  <mc:AlternateContent xmlns:mc="http://schemas.openxmlformats.org/markup-compatibility/2006">
-    <mc:Choice xmlns:p14="http://schemas.microsoft.com/office/powerpoint/2010/main" Requires="p14">
+  <mc:AlternateContent xmlns:mc="http://schemas.openxmlformats.org/markup-compatibility/2006" xmlns:p14="http://schemas.microsoft.com/office/powerpoint/2010/main">
+    <mc:Choice Requires="p14">
       <p:transition p14:dur="10"/>
     </mc:Choice>
-    <mc:Fallback>
+    <mc:Fallback xmlns="">
       <p:transition/>
     </mc:Fallback>
   </mc:AlternateContent>
@@ -9726,7 +9936,7 @@
           <p:cNvPr id="4" name="Rectangle 3">
             <a:extLst>
               <a:ext uri="{FF2B5EF4-FFF2-40B4-BE49-F238E27FC236}">
-                <a16:creationId xmlns:a16="http://schemas.microsoft.com/office/drawing/2014/main" id="{DBC75D37-314C-4BDA-AE9E-09A72FC8CAEC}"/>
+                <a16:creationId xmlns:a16="http://schemas.microsoft.com/office/drawing/2014/main" xmlns="" id="{DBC75D37-314C-4BDA-AE9E-09A72FC8CAEC}"/>
               </a:ext>
             </a:extLst>
           </p:cNvPr>
@@ -9839,7 +10049,7 @@
           <p:cNvPr id="2" name="TextBox 1">
             <a:extLst>
               <a:ext uri="{FF2B5EF4-FFF2-40B4-BE49-F238E27FC236}">
-                <a16:creationId xmlns:a16="http://schemas.microsoft.com/office/drawing/2014/main" id="{B1482F54-31CC-4D8D-95EC-95BBC4F433FC}"/>
+                <a16:creationId xmlns:a16="http://schemas.microsoft.com/office/drawing/2014/main" xmlns="" id="{B1482F54-31CC-4D8D-95EC-95BBC4F433FC}"/>
               </a:ext>
             </a:extLst>
           </p:cNvPr>
@@ -9885,7 +10095,7 @@
           <p:cNvPr id="3" name="Slide Number Placeholder 2">
             <a:extLst>
               <a:ext uri="{FF2B5EF4-FFF2-40B4-BE49-F238E27FC236}">
-                <a16:creationId xmlns:a16="http://schemas.microsoft.com/office/drawing/2014/main" id="{68E64F4B-D80A-4C8F-B688-A5853B9F4BA0}"/>
+                <a16:creationId xmlns:a16="http://schemas.microsoft.com/office/drawing/2014/main" xmlns="" id="{68E64F4B-D80A-4C8F-B688-A5853B9F4BA0}"/>
               </a:ext>
             </a:extLst>
           </p:cNvPr>
@@ -9914,7 +10124,7 @@
           <p:cNvPr id="7" name="Picture 6">
             <a:extLst>
               <a:ext uri="{FF2B5EF4-FFF2-40B4-BE49-F238E27FC236}">
-                <a16:creationId xmlns:a16="http://schemas.microsoft.com/office/drawing/2014/main" id="{1D207AA0-0662-4ED0-9EC3-C987BBB84299}"/>
+                <a16:creationId xmlns:a16="http://schemas.microsoft.com/office/drawing/2014/main" xmlns="" id="{1D207AA0-0662-4ED0-9EC3-C987BBB84299}"/>
               </a:ext>
             </a:extLst>
           </p:cNvPr>
@@ -9948,6 +10158,13 @@
   <p:clrMapOvr>
     <a:masterClrMapping/>
   </p:clrMapOvr>
+  <p:timing>
+    <p:tnLst>
+      <p:par>
+        <p:cTn id="1" dur="indefinite" restart="never" nodeType="tmRoot"/>
+      </p:par>
+    </p:tnLst>
+  </p:timing>
 </p:sld>
 </file>
 
@@ -9973,7 +10190,7 @@
           <p:cNvPr id="4" name="Rectangle 3">
             <a:extLst>
               <a:ext uri="{FF2B5EF4-FFF2-40B4-BE49-F238E27FC236}">
-                <a16:creationId xmlns:a16="http://schemas.microsoft.com/office/drawing/2014/main" id="{0E537682-839B-4B73-BBA3-D57FA05A2E7A}"/>
+                <a16:creationId xmlns:a16="http://schemas.microsoft.com/office/drawing/2014/main" xmlns="" id="{0E537682-839B-4B73-BBA3-D57FA05A2E7A}"/>
               </a:ext>
             </a:extLst>
           </p:cNvPr>
@@ -10030,7 +10247,7 @@
           <p:cNvPr id="5" name="Slide Number Placeholder 4">
             <a:extLst>
               <a:ext uri="{FF2B5EF4-FFF2-40B4-BE49-F238E27FC236}">
-                <a16:creationId xmlns:a16="http://schemas.microsoft.com/office/drawing/2014/main" id="{8779620F-5BE4-4513-87E2-D66C1795E890}"/>
+                <a16:creationId xmlns:a16="http://schemas.microsoft.com/office/drawing/2014/main" xmlns="" id="{8779620F-5BE4-4513-87E2-D66C1795E890}"/>
               </a:ext>
             </a:extLst>
           </p:cNvPr>
@@ -10064,13 +10281,13 @@
   <p:clrMapOvr>
     <a:masterClrMapping/>
   </p:clrMapOvr>
-  <mc:AlternateContent xmlns:mc="http://schemas.openxmlformats.org/markup-compatibility/2006">
-    <mc:Choice xmlns:p14="http://schemas.microsoft.com/office/powerpoint/2010/main" Requires="p14">
+  <mc:AlternateContent xmlns:mc="http://schemas.openxmlformats.org/markup-compatibility/2006" xmlns:p14="http://schemas.microsoft.com/office/powerpoint/2010/main">
+    <mc:Choice Requires="p14">
       <p:transition spd="med" p14:dur="700" advClick="0" advTm="1000">
         <p:fade/>
       </p:transition>
     </mc:Choice>
-    <mc:Fallback>
+    <mc:Fallback xmlns="">
       <p:transition spd="med" advClick="0" advTm="1000">
         <p:fade/>
       </p:transition>
@@ -10177,7 +10394,7 @@
           <p:cNvPr id="4" name="Rectangle 3">
             <a:extLst>
               <a:ext uri="{FF2B5EF4-FFF2-40B4-BE49-F238E27FC236}">
-                <a16:creationId xmlns:a16="http://schemas.microsoft.com/office/drawing/2014/main" id="{DBC75D37-314C-4BDA-AE9E-09A72FC8CAEC}"/>
+                <a16:creationId xmlns:a16="http://schemas.microsoft.com/office/drawing/2014/main" xmlns="" id="{DBC75D37-314C-4BDA-AE9E-09A72FC8CAEC}"/>
               </a:ext>
             </a:extLst>
           </p:cNvPr>
@@ -10234,7 +10451,7 @@
           <p:cNvPr id="6" name="Slide Number Placeholder 5">
             <a:extLst>
               <a:ext uri="{FF2B5EF4-FFF2-40B4-BE49-F238E27FC236}">
-                <a16:creationId xmlns:a16="http://schemas.microsoft.com/office/drawing/2014/main" id="{C61B1330-023B-469A-9C87-FBFCFFE0D415}"/>
+                <a16:creationId xmlns:a16="http://schemas.microsoft.com/office/drawing/2014/main" xmlns="" id="{C61B1330-023B-469A-9C87-FBFCFFE0D415}"/>
               </a:ext>
             </a:extLst>
           </p:cNvPr>
@@ -10268,7 +10485,7 @@
           <p:cNvPr id="8" name="Picture 7">
             <a:extLst>
               <a:ext uri="{FF2B5EF4-FFF2-40B4-BE49-F238E27FC236}">
-                <a16:creationId xmlns:a16="http://schemas.microsoft.com/office/drawing/2014/main" id="{E6919206-C607-4374-BB6C-C8FD2562C090}"/>
+                <a16:creationId xmlns:a16="http://schemas.microsoft.com/office/drawing/2014/main" xmlns="" id="{E6919206-C607-4374-BB6C-C8FD2562C090}"/>
               </a:ext>
             </a:extLst>
           </p:cNvPr>
@@ -10278,7 +10495,7 @@
           <p:nvPr/>
         </p:nvPicPr>
         <p:blipFill>
-          <a:blip r:embed="rId2">
+          <a:blip r:embed="rId2" cstate="print">
             <a:extLst>
               <a:ext uri="{28A0092B-C50C-407E-A947-70E740481C1C}">
                 <a14:useLocalDpi xmlns:a14="http://schemas.microsoft.com/office/drawing/2010/main" val="0"/>
@@ -10304,7 +10521,7 @@
           <p:cNvPr id="10" name="Picture 9">
             <a:extLst>
               <a:ext uri="{FF2B5EF4-FFF2-40B4-BE49-F238E27FC236}">
-                <a16:creationId xmlns:a16="http://schemas.microsoft.com/office/drawing/2014/main" id="{18545D58-26FA-4CC7-A6F0-8CC2E25A7C96}"/>
+                <a16:creationId xmlns:a16="http://schemas.microsoft.com/office/drawing/2014/main" xmlns="" id="{18545D58-26FA-4CC7-A6F0-8CC2E25A7C96}"/>
               </a:ext>
             </a:extLst>
           </p:cNvPr>
@@ -10340,7 +10557,7 @@
           <p:cNvPr id="12" name="Picture 11">
             <a:extLst>
               <a:ext uri="{FF2B5EF4-FFF2-40B4-BE49-F238E27FC236}">
-                <a16:creationId xmlns:a16="http://schemas.microsoft.com/office/drawing/2014/main" id="{286BDC9E-CB40-4A80-B1B3-A18CA16BB364}"/>
+                <a16:creationId xmlns:a16="http://schemas.microsoft.com/office/drawing/2014/main" xmlns="" id="{286BDC9E-CB40-4A80-B1B3-A18CA16BB364}"/>
               </a:ext>
             </a:extLst>
           </p:cNvPr>
@@ -10376,7 +10593,7 @@
           <p:cNvPr id="14" name="Picture 13">
             <a:extLst>
               <a:ext uri="{FF2B5EF4-FFF2-40B4-BE49-F238E27FC236}">
-                <a16:creationId xmlns:a16="http://schemas.microsoft.com/office/drawing/2014/main" id="{17D2D203-F617-4F16-8A43-AF9729E4B386}"/>
+                <a16:creationId xmlns:a16="http://schemas.microsoft.com/office/drawing/2014/main" xmlns="" id="{17D2D203-F617-4F16-8A43-AF9729E4B386}"/>
               </a:ext>
             </a:extLst>
           </p:cNvPr>
@@ -10386,7 +10603,7 @@
           <p:nvPr/>
         </p:nvPicPr>
         <p:blipFill>
-          <a:blip r:embed="rId5">
+          <a:blip r:embed="rId5" cstate="print">
             <a:extLst>
               <a:ext uri="{28A0092B-C50C-407E-A947-70E740481C1C}">
                 <a14:useLocalDpi xmlns:a14="http://schemas.microsoft.com/office/drawing/2010/main" val="0"/>
@@ -10412,7 +10629,7 @@
           <p:cNvPr id="16" name="Picture 15">
             <a:extLst>
               <a:ext uri="{FF2B5EF4-FFF2-40B4-BE49-F238E27FC236}">
-                <a16:creationId xmlns:a16="http://schemas.microsoft.com/office/drawing/2014/main" id="{3F6715D7-1792-4A70-8D24-4EC5AF896CC0}"/>
+                <a16:creationId xmlns:a16="http://schemas.microsoft.com/office/drawing/2014/main" xmlns="" id="{3F6715D7-1792-4A70-8D24-4EC5AF896CC0}"/>
               </a:ext>
             </a:extLst>
           </p:cNvPr>
@@ -10448,7 +10665,7 @@
           <p:cNvPr id="18" name="Picture 17">
             <a:extLst>
               <a:ext uri="{FF2B5EF4-FFF2-40B4-BE49-F238E27FC236}">
-                <a16:creationId xmlns:a16="http://schemas.microsoft.com/office/drawing/2014/main" id="{5DC70966-4951-44B8-A58C-C343B1DFD2A4}"/>
+                <a16:creationId xmlns:a16="http://schemas.microsoft.com/office/drawing/2014/main" xmlns="" id="{5DC70966-4951-44B8-A58C-C343B1DFD2A4}"/>
               </a:ext>
             </a:extLst>
           </p:cNvPr>
@@ -10458,7 +10675,7 @@
           <p:nvPr/>
         </p:nvPicPr>
         <p:blipFill>
-          <a:blip r:embed="rId7">
+          <a:blip r:embed="rId7" cstate="print">
             <a:extLst>
               <a:ext uri="{28A0092B-C50C-407E-A947-70E740481C1C}">
                 <a14:useLocalDpi xmlns:a14="http://schemas.microsoft.com/office/drawing/2010/main" val="0"/>
@@ -10484,7 +10701,7 @@
           <p:cNvPr id="19" name="TextBox 18">
             <a:extLst>
               <a:ext uri="{FF2B5EF4-FFF2-40B4-BE49-F238E27FC236}">
-                <a16:creationId xmlns:a16="http://schemas.microsoft.com/office/drawing/2014/main" id="{574BD46E-3D7B-4C8B-B57C-0F417A2885B8}"/>
+                <a16:creationId xmlns:a16="http://schemas.microsoft.com/office/drawing/2014/main" xmlns="" id="{574BD46E-3D7B-4C8B-B57C-0F417A2885B8}"/>
               </a:ext>
             </a:extLst>
           </p:cNvPr>
@@ -10528,11 +10745,11 @@
   <p:clrMapOvr>
     <a:masterClrMapping/>
   </p:clrMapOvr>
-  <mc:AlternateContent xmlns:mc="http://schemas.openxmlformats.org/markup-compatibility/2006">
-    <mc:Choice xmlns:p14="http://schemas.microsoft.com/office/powerpoint/2010/main" Requires="p14">
+  <mc:AlternateContent xmlns:mc="http://schemas.openxmlformats.org/markup-compatibility/2006" xmlns:p14="http://schemas.microsoft.com/office/powerpoint/2010/main">
+    <mc:Choice Requires="p14">
       <p:transition p14:dur="10"/>
     </mc:Choice>
-    <mc:Fallback>
+    <mc:Fallback xmlns="">
       <p:transition/>
     </mc:Fallback>
   </mc:AlternateContent>
@@ -11236,7 +11453,7 @@
           <p:cNvPr id="4" name="Rectangle 3">
             <a:extLst>
               <a:ext uri="{FF2B5EF4-FFF2-40B4-BE49-F238E27FC236}">
-                <a16:creationId xmlns:a16="http://schemas.microsoft.com/office/drawing/2014/main" id="{DBC75D37-314C-4BDA-AE9E-09A72FC8CAEC}"/>
+                <a16:creationId xmlns:a16="http://schemas.microsoft.com/office/drawing/2014/main" xmlns="" id="{DBC75D37-314C-4BDA-AE9E-09A72FC8CAEC}"/>
               </a:ext>
             </a:extLst>
           </p:cNvPr>
@@ -11293,7 +11510,7 @@
           <p:cNvPr id="6" name="Slide Number Placeholder 5">
             <a:extLst>
               <a:ext uri="{FF2B5EF4-FFF2-40B4-BE49-F238E27FC236}">
-                <a16:creationId xmlns:a16="http://schemas.microsoft.com/office/drawing/2014/main" id="{C61B1330-023B-469A-9C87-FBFCFFE0D415}"/>
+                <a16:creationId xmlns:a16="http://schemas.microsoft.com/office/drawing/2014/main" xmlns="" id="{C61B1330-023B-469A-9C87-FBFCFFE0D415}"/>
               </a:ext>
             </a:extLst>
           </p:cNvPr>
@@ -11327,7 +11544,7 @@
           <p:cNvPr id="3" name="Picture 2">
             <a:extLst>
               <a:ext uri="{FF2B5EF4-FFF2-40B4-BE49-F238E27FC236}">
-                <a16:creationId xmlns:a16="http://schemas.microsoft.com/office/drawing/2014/main" id="{9FD72F5D-4284-444C-81E9-FF5D3FFE093B}"/>
+                <a16:creationId xmlns:a16="http://schemas.microsoft.com/office/drawing/2014/main" xmlns="" id="{9FD72F5D-4284-444C-81E9-FF5D3FFE093B}"/>
               </a:ext>
             </a:extLst>
           </p:cNvPr>
@@ -11363,7 +11580,7 @@
           <p:cNvPr id="7" name="Picture 6">
             <a:extLst>
               <a:ext uri="{FF2B5EF4-FFF2-40B4-BE49-F238E27FC236}">
-                <a16:creationId xmlns:a16="http://schemas.microsoft.com/office/drawing/2014/main" id="{006B0492-5CA5-453C-BC8D-2C2874A5B649}"/>
+                <a16:creationId xmlns:a16="http://schemas.microsoft.com/office/drawing/2014/main" xmlns="" id="{006B0492-5CA5-453C-BC8D-2C2874A5B649}"/>
               </a:ext>
             </a:extLst>
           </p:cNvPr>
@@ -11399,7 +11616,7 @@
           <p:cNvPr id="11" name="Picture 10">
             <a:extLst>
               <a:ext uri="{FF2B5EF4-FFF2-40B4-BE49-F238E27FC236}">
-                <a16:creationId xmlns:a16="http://schemas.microsoft.com/office/drawing/2014/main" id="{AA6B8D76-B7DD-4777-94FF-4810DCBD93C5}"/>
+                <a16:creationId xmlns:a16="http://schemas.microsoft.com/office/drawing/2014/main" xmlns="" id="{AA6B8D76-B7DD-4777-94FF-4810DCBD93C5}"/>
               </a:ext>
             </a:extLst>
           </p:cNvPr>
@@ -11435,7 +11652,7 @@
           <p:cNvPr id="17" name="TextBox 16">
             <a:extLst>
               <a:ext uri="{FF2B5EF4-FFF2-40B4-BE49-F238E27FC236}">
-                <a16:creationId xmlns:a16="http://schemas.microsoft.com/office/drawing/2014/main" id="{8C34136E-470C-4EB8-8782-AA657F3F4B8E}"/>
+                <a16:creationId xmlns:a16="http://schemas.microsoft.com/office/drawing/2014/main" xmlns="" id="{8C34136E-470C-4EB8-8782-AA657F3F4B8E}"/>
               </a:ext>
             </a:extLst>
           </p:cNvPr>
@@ -11474,7 +11691,7 @@
           <p:cNvPr id="15" name="Picture 14">
             <a:extLst>
               <a:ext uri="{FF2B5EF4-FFF2-40B4-BE49-F238E27FC236}">
-                <a16:creationId xmlns:a16="http://schemas.microsoft.com/office/drawing/2014/main" id="{B6829BF0-CA43-4FFD-8DA7-3EAFF6D27FF9}"/>
+                <a16:creationId xmlns:a16="http://schemas.microsoft.com/office/drawing/2014/main" xmlns="" id="{B6829BF0-CA43-4FFD-8DA7-3EAFF6D27FF9}"/>
               </a:ext>
             </a:extLst>
           </p:cNvPr>
@@ -11484,7 +11701,7 @@
           <p:nvPr/>
         </p:nvPicPr>
         <p:blipFill>
-          <a:blip r:embed="rId6">
+          <a:blip r:embed="rId6" cstate="print">
             <a:extLst>
               <a:ext uri="{28A0092B-C50C-407E-A947-70E740481C1C}">
                 <a14:useLocalDpi xmlns:a14="http://schemas.microsoft.com/office/drawing/2010/main" val="0"/>
@@ -11515,11 +11732,11 @@
   <p:clrMapOvr>
     <a:masterClrMapping/>
   </p:clrMapOvr>
-  <mc:AlternateContent xmlns:mc="http://schemas.openxmlformats.org/markup-compatibility/2006">
-    <mc:Choice xmlns:p14="http://schemas.microsoft.com/office/powerpoint/2010/main" Requires="p14">
+  <mc:AlternateContent xmlns:mc="http://schemas.openxmlformats.org/markup-compatibility/2006" xmlns:p14="http://schemas.microsoft.com/office/powerpoint/2010/main">
+    <mc:Choice Requires="p14">
       <p:transition p14:dur="10"/>
     </mc:Choice>
-    <mc:Fallback>
+    <mc:Fallback xmlns="">
       <p:transition/>
     </mc:Fallback>
   </mc:AlternateContent>

--- a/presentation archi .pptx
+++ b/presentation archi .pptx
@@ -217,7 +217,7 @@
           <a:p>
             <a:fld id="{A97E1036-C3EA-4E38-932B-919BE73FF7DD}" type="datetimeFigureOut">
               <a:rPr lang="fr-FR" smtClean="0"/>
-              <a:t>11/01/2018</a:t>
+              <a:t>12/01/2018</a:t>
             </a:fld>
             <a:endParaRPr lang="fr-FR"/>
           </a:p>
@@ -847,6 +847,251 @@
 </p:notes>
 </file>
 
+<file path=ppt/notesSlides/notesSlide4.xml><?xml version="1.0" encoding="utf-8"?>
+<p:notes xmlns:a="http://schemas.openxmlformats.org/drawingml/2006/main" xmlns:r="http://schemas.openxmlformats.org/officeDocument/2006/relationships" xmlns:p="http://schemas.openxmlformats.org/presentationml/2006/main">
+  <p:cSld>
+    <p:spTree>
+      <p:nvGrpSpPr>
+        <p:cNvPr id="1" name=""/>
+        <p:cNvGrpSpPr/>
+        <p:nvPr/>
+      </p:nvGrpSpPr>
+      <p:grpSpPr>
+        <a:xfrm>
+          <a:off x="0" y="0"/>
+          <a:ext cx="0" cy="0"/>
+          <a:chOff x="0" y="0"/>
+          <a:chExt cx="0" cy="0"/>
+        </a:xfrm>
+      </p:grpSpPr>
+      <p:sp>
+        <p:nvSpPr>
+          <p:cNvPr id="2" name="Slide Image Placeholder 1"/>
+          <p:cNvSpPr>
+            <a:spLocks noGrp="1" noRot="1" noChangeAspect="1"/>
+          </p:cNvSpPr>
+          <p:nvPr>
+            <p:ph type="sldImg"/>
+          </p:nvPr>
+        </p:nvSpPr>
+        <p:spPr/>
+      </p:sp>
+      <p:sp>
+        <p:nvSpPr>
+          <p:cNvPr id="3" name="Notes Placeholder 2"/>
+          <p:cNvSpPr>
+            <a:spLocks noGrp="1"/>
+          </p:cNvSpPr>
+          <p:nvPr>
+            <p:ph type="body" idx="1"/>
+          </p:nvPr>
+        </p:nvSpPr>
+        <p:spPr/>
+        <p:txBody>
+          <a:bodyPr/>
+          <a:lstStyle/>
+          <a:p>
+            <a:pPr marL="228600" marR="0" indent="-228600" algn="l" defTabSz="914400" rtl="0" eaLnBrk="1" fontAlgn="auto" latinLnBrk="0" hangingPunct="1">
+              <a:lnSpc>
+                <a:spcPct val="100000"/>
+              </a:lnSpc>
+              <a:spcBef>
+                <a:spcPts val="0"/>
+              </a:spcBef>
+              <a:spcAft>
+                <a:spcPts val="0"/>
+              </a:spcAft>
+              <a:buClrTx/>
+              <a:buSzTx/>
+              <a:buFontTx/>
+              <a:buAutoNum type="arabicPeriod"/>
+              <a:tabLst/>
+              <a:defRPr/>
+            </a:pPr>
+            <a:r>
+              <a:rPr lang="fr-FR" sz="1200" dirty="0" smtClean="0"/>
+              <a:t>Nos objectifs étaient de produire une application facile à prendre en mains permettant aux différents acteurs de mieux gérer leurs tâches d’une façon transparente et rapide.</a:t>
+            </a:r>
+            <a:r>
+              <a:rPr lang="fr-FR" sz="1200" baseline="0" dirty="0" smtClean="0"/>
+              <a:t> </a:t>
+            </a:r>
+            <a:r>
+              <a:rPr lang="fr-FR" sz="1200" dirty="0" smtClean="0"/>
+              <a:t>La solution apportée permet la totalité des fonctionnalités obligatoires prévues, une maintenance corrective ou évolutive peut avoir lieu tout en suivant l’ensemble de formalités présentées lors de cette documentation. +% </a:t>
+            </a:r>
+            <a:r>
+              <a:rPr lang="fr-FR" sz="1200" smtClean="0"/>
+              <a:t>de réalisation</a:t>
+            </a:r>
+            <a:endParaRPr lang="fr-FR" sz="1200" dirty="0" smtClean="0"/>
+          </a:p>
+          <a:p>
+            <a:pPr marL="228600" marR="0" indent="-228600" algn="l" defTabSz="914400" rtl="0" eaLnBrk="1" fontAlgn="auto" latinLnBrk="0" hangingPunct="1">
+              <a:lnSpc>
+                <a:spcPct val="100000"/>
+              </a:lnSpc>
+              <a:spcBef>
+                <a:spcPts val="0"/>
+              </a:spcBef>
+              <a:spcAft>
+                <a:spcPts val="0"/>
+              </a:spcAft>
+              <a:buClrTx/>
+              <a:buSzTx/>
+              <a:buFontTx/>
+              <a:buAutoNum type="arabicPeriod"/>
+              <a:tabLst/>
+              <a:defRPr/>
+            </a:pPr>
+            <a:r>
+              <a:rPr lang="fr-FR" sz="1200" dirty="0" smtClean="0"/>
+              <a:t>Apports:</a:t>
+            </a:r>
+          </a:p>
+          <a:p>
+            <a:pPr marL="285750" indent="-285750">
+              <a:lnSpc>
+                <a:spcPct val="150000"/>
+              </a:lnSpc>
+              <a:buFont typeface="Arial" panose="020B0604020202020204" pitchFamily="34" charset="0"/>
+              <a:buChar char="•"/>
+            </a:pPr>
+            <a:r>
+              <a:rPr lang="fr-FR" b="0" dirty="0" smtClean="0">
+                <a:latin typeface="Verdana" panose="020B0604030504040204" pitchFamily="34" charset="0"/>
+                <a:ea typeface="Verdana" panose="020B0604030504040204" pitchFamily="34" charset="0"/>
+                <a:cs typeface="Verdana" panose="020B0604030504040204" pitchFamily="34" charset="0"/>
+              </a:rPr>
+              <a:t>Développement de relations humaines</a:t>
+            </a:r>
+          </a:p>
+          <a:p>
+            <a:pPr marL="285750" indent="-285750">
+              <a:lnSpc>
+                <a:spcPct val="150000"/>
+              </a:lnSpc>
+              <a:buFont typeface="Arial" panose="020B0604020202020204" pitchFamily="34" charset="0"/>
+              <a:buChar char="•"/>
+            </a:pPr>
+            <a:r>
+              <a:rPr lang="fr-FR" b="0" dirty="0" smtClean="0">
+                <a:latin typeface="Verdana" panose="020B0604030504040204" pitchFamily="34" charset="0"/>
+                <a:ea typeface="Verdana" panose="020B0604030504040204" pitchFamily="34" charset="0"/>
+                <a:cs typeface="Verdana" panose="020B0604030504040204" pitchFamily="34" charset="0"/>
+              </a:rPr>
+              <a:t>Raffiner le savoir en technologies…</a:t>
+            </a:r>
+          </a:p>
+          <a:p>
+            <a:pPr marL="285750" indent="-285750">
+              <a:lnSpc>
+                <a:spcPct val="150000"/>
+              </a:lnSpc>
+              <a:buFont typeface="Arial" panose="020B0604020202020204" pitchFamily="34" charset="0"/>
+              <a:buChar char="•"/>
+            </a:pPr>
+            <a:r>
+              <a:rPr lang="fr-FR" b="0" dirty="0" smtClean="0">
+                <a:latin typeface="Verdana" panose="020B0604030504040204" pitchFamily="34" charset="0"/>
+                <a:ea typeface="Verdana" panose="020B0604030504040204" pitchFamily="34" charset="0"/>
+                <a:cs typeface="Verdana" panose="020B0604030504040204" pitchFamily="34" charset="0"/>
+              </a:rPr>
+              <a:t>Appliquer les disciplines et les bonnes pratiques de la gestion de projet</a:t>
+            </a:r>
+          </a:p>
+          <a:p>
+            <a:pPr marL="285750" indent="-285750">
+              <a:lnSpc>
+                <a:spcPct val="150000"/>
+              </a:lnSpc>
+              <a:buFont typeface="Arial" panose="020B0604020202020204" pitchFamily="34" charset="0"/>
+              <a:buChar char="•"/>
+            </a:pPr>
+            <a:endParaRPr lang="fr-FR" b="0" dirty="0" smtClean="0">
+              <a:latin typeface="Verdana" panose="020B0604030504040204" pitchFamily="34" charset="0"/>
+              <a:ea typeface="Verdana" panose="020B0604030504040204" pitchFamily="34" charset="0"/>
+              <a:cs typeface="Verdana" panose="020B0604030504040204" pitchFamily="34" charset="0"/>
+            </a:endParaRPr>
+          </a:p>
+          <a:p>
+            <a:pPr marL="0" indent="0">
+              <a:lnSpc>
+                <a:spcPct val="150000"/>
+              </a:lnSpc>
+              <a:buFont typeface="Arial" panose="020B0604020202020204" pitchFamily="34" charset="0"/>
+              <a:buNone/>
+            </a:pPr>
+            <a:r>
+              <a:rPr lang="fr-FR" b="0" dirty="0" smtClean="0">
+                <a:latin typeface="Verdana" panose="020B0604030504040204" pitchFamily="34" charset="0"/>
+                <a:ea typeface="Verdana" panose="020B0604030504040204" pitchFamily="34" charset="0"/>
+                <a:cs typeface="Verdana" panose="020B0604030504040204" pitchFamily="34" charset="0"/>
+              </a:rPr>
+              <a:t>3.</a:t>
+            </a:r>
+          </a:p>
+          <a:p>
+            <a:pPr marL="228600" marR="0" indent="-228600" algn="l" defTabSz="914400" rtl="0" eaLnBrk="1" fontAlgn="auto" latinLnBrk="0" hangingPunct="1">
+              <a:lnSpc>
+                <a:spcPct val="100000"/>
+              </a:lnSpc>
+              <a:spcBef>
+                <a:spcPts val="0"/>
+              </a:spcBef>
+              <a:spcAft>
+                <a:spcPts val="0"/>
+              </a:spcAft>
+              <a:buClrTx/>
+              <a:buSzTx/>
+              <a:buFontTx/>
+              <a:buAutoNum type="arabicPeriod"/>
+              <a:tabLst/>
+              <a:defRPr/>
+            </a:pPr>
+            <a:endParaRPr lang="fr-FR" dirty="0" smtClean="0"/>
+          </a:p>
+          <a:p>
+            <a:endParaRPr lang="fr-FR" dirty="0"/>
+          </a:p>
+        </p:txBody>
+      </p:sp>
+      <p:sp>
+        <p:nvSpPr>
+          <p:cNvPr id="4" name="Slide Number Placeholder 3"/>
+          <p:cNvSpPr>
+            <a:spLocks noGrp="1"/>
+          </p:cNvSpPr>
+          <p:nvPr>
+            <p:ph type="sldNum" sz="quarter" idx="10"/>
+          </p:nvPr>
+        </p:nvSpPr>
+        <p:spPr/>
+        <p:txBody>
+          <a:bodyPr/>
+          <a:lstStyle/>
+          <a:p>
+            <a:fld id="{659C8C63-0988-437B-B897-E1B265442B8F}" type="slidenum">
+              <a:rPr lang="fr-FR" smtClean="0"/>
+              <a:t>16</a:t>
+            </a:fld>
+            <a:endParaRPr lang="fr-FR"/>
+          </a:p>
+        </p:txBody>
+      </p:sp>
+    </p:spTree>
+    <p:extLst>
+      <p:ext uri="{BB962C8B-B14F-4D97-AF65-F5344CB8AC3E}">
+        <p14:creationId xmlns:p14="http://schemas.microsoft.com/office/powerpoint/2010/main" val="141818239"/>
+      </p:ext>
+    </p:extLst>
+  </p:cSld>
+  <p:clrMapOvr>
+    <a:masterClrMapping/>
+  </p:clrMapOvr>
+</p:notes>
+</file>
+
 <file path=ppt/slideLayouts/slideLayout1.xml><?xml version="1.0" encoding="utf-8"?>
 <p:sldLayout xmlns:a="http://schemas.openxmlformats.org/drawingml/2006/main" xmlns:r="http://schemas.openxmlformats.org/officeDocument/2006/relationships" xmlns:p="http://schemas.openxmlformats.org/presentationml/2006/main" type="title" preserve="1">
   <p:cSld name="Title Slide">
@@ -869,7 +1114,7 @@
           <p:cNvPr id="2" name="Title 1">
             <a:extLst>
               <a:ext uri="{FF2B5EF4-FFF2-40B4-BE49-F238E27FC236}">
-                <a16:creationId xmlns:a16="http://schemas.microsoft.com/office/drawing/2014/main" xmlns="" id="{FDF300B4-E832-446B-9A8B-B4E19F7780EC}"/>
+                <a16:creationId xmlns="" xmlns:a16="http://schemas.microsoft.com/office/drawing/2014/main" id="{FDF300B4-E832-446B-9A8B-B4E19F7780EC}"/>
               </a:ext>
             </a:extLst>
           </p:cNvPr>
@@ -907,7 +1152,7 @@
           <p:cNvPr id="3" name="Subtitle 2">
             <a:extLst>
               <a:ext uri="{FF2B5EF4-FFF2-40B4-BE49-F238E27FC236}">
-                <a16:creationId xmlns:a16="http://schemas.microsoft.com/office/drawing/2014/main" xmlns="" id="{840E64F0-1B79-48CB-90A7-68AAB92940E2}"/>
+                <a16:creationId xmlns="" xmlns:a16="http://schemas.microsoft.com/office/drawing/2014/main" id="{840E64F0-1B79-48CB-90A7-68AAB92940E2}"/>
               </a:ext>
             </a:extLst>
           </p:cNvPr>
@@ -978,7 +1223,7 @@
           <p:cNvPr id="4" name="Date Placeholder 3">
             <a:extLst>
               <a:ext uri="{FF2B5EF4-FFF2-40B4-BE49-F238E27FC236}">
-                <a16:creationId xmlns:a16="http://schemas.microsoft.com/office/drawing/2014/main" xmlns="" id="{CCF38C92-4D88-42D1-A57D-667C29B8918C}"/>
+                <a16:creationId xmlns="" xmlns:a16="http://schemas.microsoft.com/office/drawing/2014/main" id="{CCF38C92-4D88-42D1-A57D-667C29B8918C}"/>
               </a:ext>
             </a:extLst>
           </p:cNvPr>
@@ -996,7 +1241,7 @@
           <a:p>
             <a:fld id="{A4EA3D08-FB28-45A4-8738-D6AD3F88869F}" type="datetime1">
               <a:rPr lang="fr-FR" smtClean="0"/>
-              <a:t>11/01/2018</a:t>
+              <a:t>12/01/2018</a:t>
             </a:fld>
             <a:endParaRPr lang="fr-FR"/>
           </a:p>
@@ -1007,7 +1252,7 @@
           <p:cNvPr id="5" name="Footer Placeholder 4">
             <a:extLst>
               <a:ext uri="{FF2B5EF4-FFF2-40B4-BE49-F238E27FC236}">
-                <a16:creationId xmlns:a16="http://schemas.microsoft.com/office/drawing/2014/main" xmlns="" id="{8E1CC1B3-D64C-4B4A-8E77-8C53519097D7}"/>
+                <a16:creationId xmlns="" xmlns:a16="http://schemas.microsoft.com/office/drawing/2014/main" id="{8E1CC1B3-D64C-4B4A-8E77-8C53519097D7}"/>
               </a:ext>
             </a:extLst>
           </p:cNvPr>
@@ -1032,7 +1277,7 @@
           <p:cNvPr id="6" name="Slide Number Placeholder 5">
             <a:extLst>
               <a:ext uri="{FF2B5EF4-FFF2-40B4-BE49-F238E27FC236}">
-                <a16:creationId xmlns:a16="http://schemas.microsoft.com/office/drawing/2014/main" xmlns="" id="{787337D6-1FB0-4A03-A0EB-7F09ABF152EB}"/>
+                <a16:creationId xmlns="" xmlns:a16="http://schemas.microsoft.com/office/drawing/2014/main" id="{787337D6-1FB0-4A03-A0EB-7F09ABF152EB}"/>
               </a:ext>
             </a:extLst>
           </p:cNvPr>
@@ -1091,7 +1336,7 @@
           <p:cNvPr id="2" name="Title 1">
             <a:extLst>
               <a:ext uri="{FF2B5EF4-FFF2-40B4-BE49-F238E27FC236}">
-                <a16:creationId xmlns:a16="http://schemas.microsoft.com/office/drawing/2014/main" xmlns="" id="{D9C96243-4C4D-4E00-8060-BEB4575B2DB1}"/>
+                <a16:creationId xmlns="" xmlns:a16="http://schemas.microsoft.com/office/drawing/2014/main" id="{D9C96243-4C4D-4E00-8060-BEB4575B2DB1}"/>
               </a:ext>
             </a:extLst>
           </p:cNvPr>
@@ -1120,7 +1365,7 @@
           <p:cNvPr id="3" name="Vertical Text Placeholder 2">
             <a:extLst>
               <a:ext uri="{FF2B5EF4-FFF2-40B4-BE49-F238E27FC236}">
-                <a16:creationId xmlns:a16="http://schemas.microsoft.com/office/drawing/2014/main" xmlns="" id="{F6F74341-7E75-467D-BCEE-CA5CC215A3C5}"/>
+                <a16:creationId xmlns="" xmlns:a16="http://schemas.microsoft.com/office/drawing/2014/main" id="{F6F74341-7E75-467D-BCEE-CA5CC215A3C5}"/>
               </a:ext>
             </a:extLst>
           </p:cNvPr>
@@ -1178,7 +1423,7 @@
           <p:cNvPr id="4" name="Date Placeholder 3">
             <a:extLst>
               <a:ext uri="{FF2B5EF4-FFF2-40B4-BE49-F238E27FC236}">
-                <a16:creationId xmlns:a16="http://schemas.microsoft.com/office/drawing/2014/main" xmlns="" id="{9B407D6A-A70E-44F1-8744-296319CA7CA2}"/>
+                <a16:creationId xmlns="" xmlns:a16="http://schemas.microsoft.com/office/drawing/2014/main" id="{9B407D6A-A70E-44F1-8744-296319CA7CA2}"/>
               </a:ext>
             </a:extLst>
           </p:cNvPr>
@@ -1196,7 +1441,7 @@
           <a:p>
             <a:fld id="{28707D05-447A-4005-824C-C93BFBE97880}" type="datetime1">
               <a:rPr lang="fr-FR" smtClean="0"/>
-              <a:t>11/01/2018</a:t>
+              <a:t>12/01/2018</a:t>
             </a:fld>
             <a:endParaRPr lang="fr-FR"/>
           </a:p>
@@ -1207,7 +1452,7 @@
           <p:cNvPr id="5" name="Footer Placeholder 4">
             <a:extLst>
               <a:ext uri="{FF2B5EF4-FFF2-40B4-BE49-F238E27FC236}">
-                <a16:creationId xmlns:a16="http://schemas.microsoft.com/office/drawing/2014/main" xmlns="" id="{698CF6B6-B934-4B90-B80F-88CB52C55441}"/>
+                <a16:creationId xmlns="" xmlns:a16="http://schemas.microsoft.com/office/drawing/2014/main" id="{698CF6B6-B934-4B90-B80F-88CB52C55441}"/>
               </a:ext>
             </a:extLst>
           </p:cNvPr>
@@ -1232,7 +1477,7 @@
           <p:cNvPr id="6" name="Slide Number Placeholder 5">
             <a:extLst>
               <a:ext uri="{FF2B5EF4-FFF2-40B4-BE49-F238E27FC236}">
-                <a16:creationId xmlns:a16="http://schemas.microsoft.com/office/drawing/2014/main" xmlns="" id="{5B87B921-DB6C-4EB5-9D70-5D106F55514A}"/>
+                <a16:creationId xmlns="" xmlns:a16="http://schemas.microsoft.com/office/drawing/2014/main" id="{5B87B921-DB6C-4EB5-9D70-5D106F55514A}"/>
               </a:ext>
             </a:extLst>
           </p:cNvPr>
@@ -1291,7 +1536,7 @@
           <p:cNvPr id="2" name="Vertical Title 1">
             <a:extLst>
               <a:ext uri="{FF2B5EF4-FFF2-40B4-BE49-F238E27FC236}">
-                <a16:creationId xmlns:a16="http://schemas.microsoft.com/office/drawing/2014/main" xmlns="" id="{4D4EE3B8-0146-4F68-8C12-0EE6BBEC66ED}"/>
+                <a16:creationId xmlns="" xmlns:a16="http://schemas.microsoft.com/office/drawing/2014/main" id="{4D4EE3B8-0146-4F68-8C12-0EE6BBEC66ED}"/>
               </a:ext>
             </a:extLst>
           </p:cNvPr>
@@ -1325,7 +1570,7 @@
           <p:cNvPr id="3" name="Vertical Text Placeholder 2">
             <a:extLst>
               <a:ext uri="{FF2B5EF4-FFF2-40B4-BE49-F238E27FC236}">
-                <a16:creationId xmlns:a16="http://schemas.microsoft.com/office/drawing/2014/main" xmlns="" id="{DF0B0589-14DD-460A-B950-8CF05ADE4D75}"/>
+                <a16:creationId xmlns="" xmlns:a16="http://schemas.microsoft.com/office/drawing/2014/main" id="{DF0B0589-14DD-460A-B950-8CF05ADE4D75}"/>
               </a:ext>
             </a:extLst>
           </p:cNvPr>
@@ -1388,7 +1633,7 @@
           <p:cNvPr id="4" name="Date Placeholder 3">
             <a:extLst>
               <a:ext uri="{FF2B5EF4-FFF2-40B4-BE49-F238E27FC236}">
-                <a16:creationId xmlns:a16="http://schemas.microsoft.com/office/drawing/2014/main" xmlns="" id="{C95CCA0E-9913-42E0-A0ED-9FE18A2F3F2D}"/>
+                <a16:creationId xmlns="" xmlns:a16="http://schemas.microsoft.com/office/drawing/2014/main" id="{C95CCA0E-9913-42E0-A0ED-9FE18A2F3F2D}"/>
               </a:ext>
             </a:extLst>
           </p:cNvPr>
@@ -1406,7 +1651,7 @@
           <a:p>
             <a:fld id="{0BF03AF3-9DFD-48C1-B4E9-9526D5774190}" type="datetime1">
               <a:rPr lang="fr-FR" smtClean="0"/>
-              <a:t>11/01/2018</a:t>
+              <a:t>12/01/2018</a:t>
             </a:fld>
             <a:endParaRPr lang="fr-FR"/>
           </a:p>
@@ -1417,7 +1662,7 @@
           <p:cNvPr id="5" name="Footer Placeholder 4">
             <a:extLst>
               <a:ext uri="{FF2B5EF4-FFF2-40B4-BE49-F238E27FC236}">
-                <a16:creationId xmlns:a16="http://schemas.microsoft.com/office/drawing/2014/main" xmlns="" id="{C489DDFA-7A9D-4AE5-B4AD-54B9834293DE}"/>
+                <a16:creationId xmlns="" xmlns:a16="http://schemas.microsoft.com/office/drawing/2014/main" id="{C489DDFA-7A9D-4AE5-B4AD-54B9834293DE}"/>
               </a:ext>
             </a:extLst>
           </p:cNvPr>
@@ -1442,7 +1687,7 @@
           <p:cNvPr id="6" name="Slide Number Placeholder 5">
             <a:extLst>
               <a:ext uri="{FF2B5EF4-FFF2-40B4-BE49-F238E27FC236}">
-                <a16:creationId xmlns:a16="http://schemas.microsoft.com/office/drawing/2014/main" xmlns="" id="{971427F8-30BB-43E3-8566-F65B42E13D61}"/>
+                <a16:creationId xmlns="" xmlns:a16="http://schemas.microsoft.com/office/drawing/2014/main" id="{971427F8-30BB-43E3-8566-F65B42E13D61}"/>
               </a:ext>
             </a:extLst>
           </p:cNvPr>
@@ -1501,7 +1746,7 @@
           <p:cNvPr id="2" name="Title 1">
             <a:extLst>
               <a:ext uri="{FF2B5EF4-FFF2-40B4-BE49-F238E27FC236}">
-                <a16:creationId xmlns:a16="http://schemas.microsoft.com/office/drawing/2014/main" xmlns="" id="{6822CFB5-5AD6-4CA3-950B-8AC8F4DBAAC5}"/>
+                <a16:creationId xmlns="" xmlns:a16="http://schemas.microsoft.com/office/drawing/2014/main" id="{6822CFB5-5AD6-4CA3-950B-8AC8F4DBAAC5}"/>
               </a:ext>
             </a:extLst>
           </p:cNvPr>
@@ -1530,7 +1775,7 @@
           <p:cNvPr id="3" name="Content Placeholder 2">
             <a:extLst>
               <a:ext uri="{FF2B5EF4-FFF2-40B4-BE49-F238E27FC236}">
-                <a16:creationId xmlns:a16="http://schemas.microsoft.com/office/drawing/2014/main" xmlns="" id="{B9336C41-3E7F-43F7-823F-E2CBD5EBC9E1}"/>
+                <a16:creationId xmlns="" xmlns:a16="http://schemas.microsoft.com/office/drawing/2014/main" id="{B9336C41-3E7F-43F7-823F-E2CBD5EBC9E1}"/>
               </a:ext>
             </a:extLst>
           </p:cNvPr>
@@ -1588,7 +1833,7 @@
           <p:cNvPr id="4" name="Date Placeholder 3">
             <a:extLst>
               <a:ext uri="{FF2B5EF4-FFF2-40B4-BE49-F238E27FC236}">
-                <a16:creationId xmlns:a16="http://schemas.microsoft.com/office/drawing/2014/main" xmlns="" id="{F88340D8-9BC7-45C7-ABD5-6621CFEEB007}"/>
+                <a16:creationId xmlns="" xmlns:a16="http://schemas.microsoft.com/office/drawing/2014/main" id="{F88340D8-9BC7-45C7-ABD5-6621CFEEB007}"/>
               </a:ext>
             </a:extLst>
           </p:cNvPr>
@@ -1606,7 +1851,7 @@
           <a:p>
             <a:fld id="{0985B08A-7662-4AF9-8B65-6F01C3651BB1}" type="datetime1">
               <a:rPr lang="fr-FR" smtClean="0"/>
-              <a:t>11/01/2018</a:t>
+              <a:t>12/01/2018</a:t>
             </a:fld>
             <a:endParaRPr lang="fr-FR"/>
           </a:p>
@@ -1617,7 +1862,7 @@
           <p:cNvPr id="5" name="Footer Placeholder 4">
             <a:extLst>
               <a:ext uri="{FF2B5EF4-FFF2-40B4-BE49-F238E27FC236}">
-                <a16:creationId xmlns:a16="http://schemas.microsoft.com/office/drawing/2014/main" xmlns="" id="{B8764E58-10B5-48EF-BB15-035F30FC2D5D}"/>
+                <a16:creationId xmlns="" xmlns:a16="http://schemas.microsoft.com/office/drawing/2014/main" id="{B8764E58-10B5-48EF-BB15-035F30FC2D5D}"/>
               </a:ext>
             </a:extLst>
           </p:cNvPr>
@@ -1642,7 +1887,7 @@
           <p:cNvPr id="6" name="Slide Number Placeholder 5">
             <a:extLst>
               <a:ext uri="{FF2B5EF4-FFF2-40B4-BE49-F238E27FC236}">
-                <a16:creationId xmlns:a16="http://schemas.microsoft.com/office/drawing/2014/main" xmlns="" id="{0E62A33D-2A6A-46C5-BE36-0E89EE979CDE}"/>
+                <a16:creationId xmlns="" xmlns:a16="http://schemas.microsoft.com/office/drawing/2014/main" id="{0E62A33D-2A6A-46C5-BE36-0E89EE979CDE}"/>
               </a:ext>
             </a:extLst>
           </p:cNvPr>
@@ -1701,7 +1946,7 @@
           <p:cNvPr id="2" name="Title 1">
             <a:extLst>
               <a:ext uri="{FF2B5EF4-FFF2-40B4-BE49-F238E27FC236}">
-                <a16:creationId xmlns:a16="http://schemas.microsoft.com/office/drawing/2014/main" xmlns="" id="{26A3E86A-C785-4CFE-811F-2678EF89E9BD}"/>
+                <a16:creationId xmlns="" xmlns:a16="http://schemas.microsoft.com/office/drawing/2014/main" id="{26A3E86A-C785-4CFE-811F-2678EF89E9BD}"/>
               </a:ext>
             </a:extLst>
           </p:cNvPr>
@@ -1739,7 +1984,7 @@
           <p:cNvPr id="3" name="Text Placeholder 2">
             <a:extLst>
               <a:ext uri="{FF2B5EF4-FFF2-40B4-BE49-F238E27FC236}">
-                <a16:creationId xmlns:a16="http://schemas.microsoft.com/office/drawing/2014/main" xmlns="" id="{4D4CB834-2123-47A3-A56A-630AF28650E2}"/>
+                <a16:creationId xmlns="" xmlns:a16="http://schemas.microsoft.com/office/drawing/2014/main" id="{4D4CB834-2123-47A3-A56A-630AF28650E2}"/>
               </a:ext>
             </a:extLst>
           </p:cNvPr>
@@ -1864,7 +2109,7 @@
           <p:cNvPr id="4" name="Date Placeholder 3">
             <a:extLst>
               <a:ext uri="{FF2B5EF4-FFF2-40B4-BE49-F238E27FC236}">
-                <a16:creationId xmlns:a16="http://schemas.microsoft.com/office/drawing/2014/main" xmlns="" id="{C1624074-C810-4C3F-90D3-9D525219C327}"/>
+                <a16:creationId xmlns="" xmlns:a16="http://schemas.microsoft.com/office/drawing/2014/main" id="{C1624074-C810-4C3F-90D3-9D525219C327}"/>
               </a:ext>
             </a:extLst>
           </p:cNvPr>
@@ -1882,7 +2127,7 @@
           <a:p>
             <a:fld id="{1F2F1147-7031-4EBB-9956-08A9B0E64355}" type="datetime1">
               <a:rPr lang="fr-FR" smtClean="0"/>
-              <a:t>11/01/2018</a:t>
+              <a:t>12/01/2018</a:t>
             </a:fld>
             <a:endParaRPr lang="fr-FR"/>
           </a:p>
@@ -1893,7 +2138,7 @@
           <p:cNvPr id="5" name="Footer Placeholder 4">
             <a:extLst>
               <a:ext uri="{FF2B5EF4-FFF2-40B4-BE49-F238E27FC236}">
-                <a16:creationId xmlns:a16="http://schemas.microsoft.com/office/drawing/2014/main" xmlns="" id="{DD9C668C-A655-49E0-A932-42B131F50D1F}"/>
+                <a16:creationId xmlns="" xmlns:a16="http://schemas.microsoft.com/office/drawing/2014/main" id="{DD9C668C-A655-49E0-A932-42B131F50D1F}"/>
               </a:ext>
             </a:extLst>
           </p:cNvPr>
@@ -1918,7 +2163,7 @@
           <p:cNvPr id="6" name="Slide Number Placeholder 5">
             <a:extLst>
               <a:ext uri="{FF2B5EF4-FFF2-40B4-BE49-F238E27FC236}">
-                <a16:creationId xmlns:a16="http://schemas.microsoft.com/office/drawing/2014/main" xmlns="" id="{CCF73846-7A5E-4593-9036-D9FAEF84479E}"/>
+                <a16:creationId xmlns="" xmlns:a16="http://schemas.microsoft.com/office/drawing/2014/main" id="{CCF73846-7A5E-4593-9036-D9FAEF84479E}"/>
               </a:ext>
             </a:extLst>
           </p:cNvPr>
@@ -1977,7 +2222,7 @@
           <p:cNvPr id="2" name="Title 1">
             <a:extLst>
               <a:ext uri="{FF2B5EF4-FFF2-40B4-BE49-F238E27FC236}">
-                <a16:creationId xmlns:a16="http://schemas.microsoft.com/office/drawing/2014/main" xmlns="" id="{57988A86-72E2-4147-A080-3F4B92CB6132}"/>
+                <a16:creationId xmlns="" xmlns:a16="http://schemas.microsoft.com/office/drawing/2014/main" id="{57988A86-72E2-4147-A080-3F4B92CB6132}"/>
               </a:ext>
             </a:extLst>
           </p:cNvPr>
@@ -2006,7 +2251,7 @@
           <p:cNvPr id="3" name="Content Placeholder 2">
             <a:extLst>
               <a:ext uri="{FF2B5EF4-FFF2-40B4-BE49-F238E27FC236}">
-                <a16:creationId xmlns:a16="http://schemas.microsoft.com/office/drawing/2014/main" xmlns="" id="{BA3ABEAC-B4F4-4450-A1D5-1EF980BA12F3}"/>
+                <a16:creationId xmlns="" xmlns:a16="http://schemas.microsoft.com/office/drawing/2014/main" id="{BA3ABEAC-B4F4-4450-A1D5-1EF980BA12F3}"/>
               </a:ext>
             </a:extLst>
           </p:cNvPr>
@@ -2069,7 +2314,7 @@
           <p:cNvPr id="4" name="Content Placeholder 3">
             <a:extLst>
               <a:ext uri="{FF2B5EF4-FFF2-40B4-BE49-F238E27FC236}">
-                <a16:creationId xmlns:a16="http://schemas.microsoft.com/office/drawing/2014/main" xmlns="" id="{B30ADFDE-056E-4697-BE10-98E73AECE43E}"/>
+                <a16:creationId xmlns="" xmlns:a16="http://schemas.microsoft.com/office/drawing/2014/main" id="{B30ADFDE-056E-4697-BE10-98E73AECE43E}"/>
               </a:ext>
             </a:extLst>
           </p:cNvPr>
@@ -2132,7 +2377,7 @@
           <p:cNvPr id="5" name="Date Placeholder 4">
             <a:extLst>
               <a:ext uri="{FF2B5EF4-FFF2-40B4-BE49-F238E27FC236}">
-                <a16:creationId xmlns:a16="http://schemas.microsoft.com/office/drawing/2014/main" xmlns="" id="{2E54039D-7314-430E-BB2A-D28E6F857789}"/>
+                <a16:creationId xmlns="" xmlns:a16="http://schemas.microsoft.com/office/drawing/2014/main" id="{2E54039D-7314-430E-BB2A-D28E6F857789}"/>
               </a:ext>
             </a:extLst>
           </p:cNvPr>
@@ -2150,7 +2395,7 @@
           <a:p>
             <a:fld id="{9BCCE2F9-347A-4980-9476-6AB3D2DDEE25}" type="datetime1">
               <a:rPr lang="fr-FR" smtClean="0"/>
-              <a:t>11/01/2018</a:t>
+              <a:t>12/01/2018</a:t>
             </a:fld>
             <a:endParaRPr lang="fr-FR"/>
           </a:p>
@@ -2161,7 +2406,7 @@
           <p:cNvPr id="6" name="Footer Placeholder 5">
             <a:extLst>
               <a:ext uri="{FF2B5EF4-FFF2-40B4-BE49-F238E27FC236}">
-                <a16:creationId xmlns:a16="http://schemas.microsoft.com/office/drawing/2014/main" xmlns="" id="{E8425693-0C6C-4D72-87B0-ABC15CDA2EB2}"/>
+                <a16:creationId xmlns="" xmlns:a16="http://schemas.microsoft.com/office/drawing/2014/main" id="{E8425693-0C6C-4D72-87B0-ABC15CDA2EB2}"/>
               </a:ext>
             </a:extLst>
           </p:cNvPr>
@@ -2186,7 +2431,7 @@
           <p:cNvPr id="7" name="Slide Number Placeholder 6">
             <a:extLst>
               <a:ext uri="{FF2B5EF4-FFF2-40B4-BE49-F238E27FC236}">
-                <a16:creationId xmlns:a16="http://schemas.microsoft.com/office/drawing/2014/main" xmlns="" id="{F1D0A764-90B0-4CFB-9C3F-69F5ED4911CE}"/>
+                <a16:creationId xmlns="" xmlns:a16="http://schemas.microsoft.com/office/drawing/2014/main" id="{F1D0A764-90B0-4CFB-9C3F-69F5ED4911CE}"/>
               </a:ext>
             </a:extLst>
           </p:cNvPr>
@@ -2245,7 +2490,7 @@
           <p:cNvPr id="2" name="Title 1">
             <a:extLst>
               <a:ext uri="{FF2B5EF4-FFF2-40B4-BE49-F238E27FC236}">
-                <a16:creationId xmlns:a16="http://schemas.microsoft.com/office/drawing/2014/main" xmlns="" id="{5749C774-CAA1-4FC7-AA30-06C0537EE26A}"/>
+                <a16:creationId xmlns="" xmlns:a16="http://schemas.microsoft.com/office/drawing/2014/main" id="{5749C774-CAA1-4FC7-AA30-06C0537EE26A}"/>
               </a:ext>
             </a:extLst>
           </p:cNvPr>
@@ -2279,7 +2524,7 @@
           <p:cNvPr id="3" name="Text Placeholder 2">
             <a:extLst>
               <a:ext uri="{FF2B5EF4-FFF2-40B4-BE49-F238E27FC236}">
-                <a16:creationId xmlns:a16="http://schemas.microsoft.com/office/drawing/2014/main" xmlns="" id="{2F4D0788-DFC7-4E74-ABB0-3A072031AD60}"/>
+                <a16:creationId xmlns="" xmlns:a16="http://schemas.microsoft.com/office/drawing/2014/main" id="{2F4D0788-DFC7-4E74-ABB0-3A072031AD60}"/>
               </a:ext>
             </a:extLst>
           </p:cNvPr>
@@ -2350,7 +2595,7 @@
           <p:cNvPr id="4" name="Content Placeholder 3">
             <a:extLst>
               <a:ext uri="{FF2B5EF4-FFF2-40B4-BE49-F238E27FC236}">
-                <a16:creationId xmlns:a16="http://schemas.microsoft.com/office/drawing/2014/main" xmlns="" id="{B823B2DC-5240-4ECA-B836-14484AB5A266}"/>
+                <a16:creationId xmlns="" xmlns:a16="http://schemas.microsoft.com/office/drawing/2014/main" id="{B823B2DC-5240-4ECA-B836-14484AB5A266}"/>
               </a:ext>
             </a:extLst>
           </p:cNvPr>
@@ -2413,7 +2658,7 @@
           <p:cNvPr id="5" name="Text Placeholder 4">
             <a:extLst>
               <a:ext uri="{FF2B5EF4-FFF2-40B4-BE49-F238E27FC236}">
-                <a16:creationId xmlns:a16="http://schemas.microsoft.com/office/drawing/2014/main" xmlns="" id="{FF2F4CC6-B28E-4504-AC71-E8796C027A1F}"/>
+                <a16:creationId xmlns="" xmlns:a16="http://schemas.microsoft.com/office/drawing/2014/main" id="{FF2F4CC6-B28E-4504-AC71-E8796C027A1F}"/>
               </a:ext>
             </a:extLst>
           </p:cNvPr>
@@ -2484,7 +2729,7 @@
           <p:cNvPr id="6" name="Content Placeholder 5">
             <a:extLst>
               <a:ext uri="{FF2B5EF4-FFF2-40B4-BE49-F238E27FC236}">
-                <a16:creationId xmlns:a16="http://schemas.microsoft.com/office/drawing/2014/main" xmlns="" id="{BA16595C-781B-4FA0-B456-AAD1EF4F445C}"/>
+                <a16:creationId xmlns="" xmlns:a16="http://schemas.microsoft.com/office/drawing/2014/main" id="{BA16595C-781B-4FA0-B456-AAD1EF4F445C}"/>
               </a:ext>
             </a:extLst>
           </p:cNvPr>
@@ -2547,7 +2792,7 @@
           <p:cNvPr id="7" name="Date Placeholder 6">
             <a:extLst>
               <a:ext uri="{FF2B5EF4-FFF2-40B4-BE49-F238E27FC236}">
-                <a16:creationId xmlns:a16="http://schemas.microsoft.com/office/drawing/2014/main" xmlns="" id="{20316BEA-48F6-4496-8B8C-B4CC4AA028F3}"/>
+                <a16:creationId xmlns="" xmlns:a16="http://schemas.microsoft.com/office/drawing/2014/main" id="{20316BEA-48F6-4496-8B8C-B4CC4AA028F3}"/>
               </a:ext>
             </a:extLst>
           </p:cNvPr>
@@ -2565,7 +2810,7 @@
           <a:p>
             <a:fld id="{0E989ED3-25BC-44EF-9CF1-05117D1925C8}" type="datetime1">
               <a:rPr lang="fr-FR" smtClean="0"/>
-              <a:t>11/01/2018</a:t>
+              <a:t>12/01/2018</a:t>
             </a:fld>
             <a:endParaRPr lang="fr-FR"/>
           </a:p>
@@ -2576,7 +2821,7 @@
           <p:cNvPr id="8" name="Footer Placeholder 7">
             <a:extLst>
               <a:ext uri="{FF2B5EF4-FFF2-40B4-BE49-F238E27FC236}">
-                <a16:creationId xmlns:a16="http://schemas.microsoft.com/office/drawing/2014/main" xmlns="" id="{5948EA8E-CEA3-4FEA-95B6-57A42C95B4A9}"/>
+                <a16:creationId xmlns="" xmlns:a16="http://schemas.microsoft.com/office/drawing/2014/main" id="{5948EA8E-CEA3-4FEA-95B6-57A42C95B4A9}"/>
               </a:ext>
             </a:extLst>
           </p:cNvPr>
@@ -2601,7 +2846,7 @@
           <p:cNvPr id="9" name="Slide Number Placeholder 8">
             <a:extLst>
               <a:ext uri="{FF2B5EF4-FFF2-40B4-BE49-F238E27FC236}">
-                <a16:creationId xmlns:a16="http://schemas.microsoft.com/office/drawing/2014/main" xmlns="" id="{9276DC7E-E834-408B-AEF6-3173907F2231}"/>
+                <a16:creationId xmlns="" xmlns:a16="http://schemas.microsoft.com/office/drawing/2014/main" id="{9276DC7E-E834-408B-AEF6-3173907F2231}"/>
               </a:ext>
             </a:extLst>
           </p:cNvPr>
@@ -2660,7 +2905,7 @@
           <p:cNvPr id="2" name="Title 1">
             <a:extLst>
               <a:ext uri="{FF2B5EF4-FFF2-40B4-BE49-F238E27FC236}">
-                <a16:creationId xmlns:a16="http://schemas.microsoft.com/office/drawing/2014/main" xmlns="" id="{7E690D27-5A72-404E-9B3E-AC67EDCCA11E}"/>
+                <a16:creationId xmlns="" xmlns:a16="http://schemas.microsoft.com/office/drawing/2014/main" id="{7E690D27-5A72-404E-9B3E-AC67EDCCA11E}"/>
               </a:ext>
             </a:extLst>
           </p:cNvPr>
@@ -2689,7 +2934,7 @@
           <p:cNvPr id="3" name="Date Placeholder 2">
             <a:extLst>
               <a:ext uri="{FF2B5EF4-FFF2-40B4-BE49-F238E27FC236}">
-                <a16:creationId xmlns:a16="http://schemas.microsoft.com/office/drawing/2014/main" xmlns="" id="{4A0D9B48-82F3-4C1A-965E-1EE64FD2AE09}"/>
+                <a16:creationId xmlns="" xmlns:a16="http://schemas.microsoft.com/office/drawing/2014/main" id="{4A0D9B48-82F3-4C1A-965E-1EE64FD2AE09}"/>
               </a:ext>
             </a:extLst>
           </p:cNvPr>
@@ -2707,7 +2952,7 @@
           <a:p>
             <a:fld id="{661BB3F0-D993-4AC6-9FDA-E5E4549C0CD2}" type="datetime1">
               <a:rPr lang="fr-FR" smtClean="0"/>
-              <a:t>11/01/2018</a:t>
+              <a:t>12/01/2018</a:t>
             </a:fld>
             <a:endParaRPr lang="fr-FR"/>
           </a:p>
@@ -2718,7 +2963,7 @@
           <p:cNvPr id="4" name="Footer Placeholder 3">
             <a:extLst>
               <a:ext uri="{FF2B5EF4-FFF2-40B4-BE49-F238E27FC236}">
-                <a16:creationId xmlns:a16="http://schemas.microsoft.com/office/drawing/2014/main" xmlns="" id="{5D2B0467-59C3-4585-AA70-9DCE6104369F}"/>
+                <a16:creationId xmlns="" xmlns:a16="http://schemas.microsoft.com/office/drawing/2014/main" id="{5D2B0467-59C3-4585-AA70-9DCE6104369F}"/>
               </a:ext>
             </a:extLst>
           </p:cNvPr>
@@ -2743,7 +2988,7 @@
           <p:cNvPr id="5" name="Slide Number Placeholder 4">
             <a:extLst>
               <a:ext uri="{FF2B5EF4-FFF2-40B4-BE49-F238E27FC236}">
-                <a16:creationId xmlns:a16="http://schemas.microsoft.com/office/drawing/2014/main" xmlns="" id="{0BE5C2FE-6646-4A4E-BCF7-C29ADAA2B649}"/>
+                <a16:creationId xmlns="" xmlns:a16="http://schemas.microsoft.com/office/drawing/2014/main" id="{0BE5C2FE-6646-4A4E-BCF7-C29ADAA2B649}"/>
               </a:ext>
             </a:extLst>
           </p:cNvPr>
@@ -2802,7 +3047,7 @@
           <p:cNvPr id="2" name="Date Placeholder 1">
             <a:extLst>
               <a:ext uri="{FF2B5EF4-FFF2-40B4-BE49-F238E27FC236}">
-                <a16:creationId xmlns:a16="http://schemas.microsoft.com/office/drawing/2014/main" xmlns="" id="{C232E2F4-FFFF-4F17-B038-10C50963225F}"/>
+                <a16:creationId xmlns="" xmlns:a16="http://schemas.microsoft.com/office/drawing/2014/main" id="{C232E2F4-FFFF-4F17-B038-10C50963225F}"/>
               </a:ext>
             </a:extLst>
           </p:cNvPr>
@@ -2820,7 +3065,7 @@
           <a:p>
             <a:fld id="{2CC30703-F09C-4632-BC1D-56D6CA60F33E}" type="datetime1">
               <a:rPr lang="fr-FR" smtClean="0"/>
-              <a:t>11/01/2018</a:t>
+              <a:t>12/01/2018</a:t>
             </a:fld>
             <a:endParaRPr lang="fr-FR"/>
           </a:p>
@@ -2831,7 +3076,7 @@
           <p:cNvPr id="3" name="Footer Placeholder 2">
             <a:extLst>
               <a:ext uri="{FF2B5EF4-FFF2-40B4-BE49-F238E27FC236}">
-                <a16:creationId xmlns:a16="http://schemas.microsoft.com/office/drawing/2014/main" xmlns="" id="{3F5393FC-4D14-488B-BA61-268579BA5C0F}"/>
+                <a16:creationId xmlns="" xmlns:a16="http://schemas.microsoft.com/office/drawing/2014/main" id="{3F5393FC-4D14-488B-BA61-268579BA5C0F}"/>
               </a:ext>
             </a:extLst>
           </p:cNvPr>
@@ -2856,7 +3101,7 @@
           <p:cNvPr id="4" name="Slide Number Placeholder 3">
             <a:extLst>
               <a:ext uri="{FF2B5EF4-FFF2-40B4-BE49-F238E27FC236}">
-                <a16:creationId xmlns:a16="http://schemas.microsoft.com/office/drawing/2014/main" xmlns="" id="{9A2F4414-1D14-41DD-A746-A3A87DD5A706}"/>
+                <a16:creationId xmlns="" xmlns:a16="http://schemas.microsoft.com/office/drawing/2014/main" id="{9A2F4414-1D14-41DD-A746-A3A87DD5A706}"/>
               </a:ext>
             </a:extLst>
           </p:cNvPr>
@@ -2915,7 +3160,7 @@
           <p:cNvPr id="2" name="Title 1">
             <a:extLst>
               <a:ext uri="{FF2B5EF4-FFF2-40B4-BE49-F238E27FC236}">
-                <a16:creationId xmlns:a16="http://schemas.microsoft.com/office/drawing/2014/main" xmlns="" id="{D65CE184-D520-4EA3-9730-0C30BB731F89}"/>
+                <a16:creationId xmlns="" xmlns:a16="http://schemas.microsoft.com/office/drawing/2014/main" id="{D65CE184-D520-4EA3-9730-0C30BB731F89}"/>
               </a:ext>
             </a:extLst>
           </p:cNvPr>
@@ -2953,7 +3198,7 @@
           <p:cNvPr id="3" name="Content Placeholder 2">
             <a:extLst>
               <a:ext uri="{FF2B5EF4-FFF2-40B4-BE49-F238E27FC236}">
-                <a16:creationId xmlns:a16="http://schemas.microsoft.com/office/drawing/2014/main" xmlns="" id="{F0277638-8EDA-47B3-97F5-3CAF1421FB58}"/>
+                <a16:creationId xmlns="" xmlns:a16="http://schemas.microsoft.com/office/drawing/2014/main" id="{F0277638-8EDA-47B3-97F5-3CAF1421FB58}"/>
               </a:ext>
             </a:extLst>
           </p:cNvPr>
@@ -3044,7 +3289,7 @@
           <p:cNvPr id="4" name="Text Placeholder 3">
             <a:extLst>
               <a:ext uri="{FF2B5EF4-FFF2-40B4-BE49-F238E27FC236}">
-                <a16:creationId xmlns:a16="http://schemas.microsoft.com/office/drawing/2014/main" xmlns="" id="{FA753BDA-482C-4705-8230-342F457963D2}"/>
+                <a16:creationId xmlns="" xmlns:a16="http://schemas.microsoft.com/office/drawing/2014/main" id="{FA753BDA-482C-4705-8230-342F457963D2}"/>
               </a:ext>
             </a:extLst>
           </p:cNvPr>
@@ -3115,7 +3360,7 @@
           <p:cNvPr id="5" name="Date Placeholder 4">
             <a:extLst>
               <a:ext uri="{FF2B5EF4-FFF2-40B4-BE49-F238E27FC236}">
-                <a16:creationId xmlns:a16="http://schemas.microsoft.com/office/drawing/2014/main" xmlns="" id="{E824339B-3F21-4352-97A5-E73A88A665AD}"/>
+                <a16:creationId xmlns="" xmlns:a16="http://schemas.microsoft.com/office/drawing/2014/main" id="{E824339B-3F21-4352-97A5-E73A88A665AD}"/>
               </a:ext>
             </a:extLst>
           </p:cNvPr>
@@ -3133,7 +3378,7 @@
           <a:p>
             <a:fld id="{31F2AE3A-2DA7-4A7B-B3A6-42759E3DCEB2}" type="datetime1">
               <a:rPr lang="fr-FR" smtClean="0"/>
-              <a:t>11/01/2018</a:t>
+              <a:t>12/01/2018</a:t>
             </a:fld>
             <a:endParaRPr lang="fr-FR"/>
           </a:p>
@@ -3144,7 +3389,7 @@
           <p:cNvPr id="6" name="Footer Placeholder 5">
             <a:extLst>
               <a:ext uri="{FF2B5EF4-FFF2-40B4-BE49-F238E27FC236}">
-                <a16:creationId xmlns:a16="http://schemas.microsoft.com/office/drawing/2014/main" xmlns="" id="{F14CD241-CBB1-4CE1-BEF0-B23B33F59A7D}"/>
+                <a16:creationId xmlns="" xmlns:a16="http://schemas.microsoft.com/office/drawing/2014/main" id="{F14CD241-CBB1-4CE1-BEF0-B23B33F59A7D}"/>
               </a:ext>
             </a:extLst>
           </p:cNvPr>
@@ -3169,7 +3414,7 @@
           <p:cNvPr id="7" name="Slide Number Placeholder 6">
             <a:extLst>
               <a:ext uri="{FF2B5EF4-FFF2-40B4-BE49-F238E27FC236}">
-                <a16:creationId xmlns:a16="http://schemas.microsoft.com/office/drawing/2014/main" xmlns="" id="{998DE461-718E-4FEB-A43A-24878E47BFFB}"/>
+                <a16:creationId xmlns="" xmlns:a16="http://schemas.microsoft.com/office/drawing/2014/main" id="{998DE461-718E-4FEB-A43A-24878E47BFFB}"/>
               </a:ext>
             </a:extLst>
           </p:cNvPr>
@@ -3228,7 +3473,7 @@
           <p:cNvPr id="2" name="Title 1">
             <a:extLst>
               <a:ext uri="{FF2B5EF4-FFF2-40B4-BE49-F238E27FC236}">
-                <a16:creationId xmlns:a16="http://schemas.microsoft.com/office/drawing/2014/main" xmlns="" id="{28DB7304-AAAD-438B-A0B7-E541CFFAB38F}"/>
+                <a16:creationId xmlns="" xmlns:a16="http://schemas.microsoft.com/office/drawing/2014/main" id="{28DB7304-AAAD-438B-A0B7-E541CFFAB38F}"/>
               </a:ext>
             </a:extLst>
           </p:cNvPr>
@@ -3266,7 +3511,7 @@
           <p:cNvPr id="3" name="Picture Placeholder 2">
             <a:extLst>
               <a:ext uri="{FF2B5EF4-FFF2-40B4-BE49-F238E27FC236}">
-                <a16:creationId xmlns:a16="http://schemas.microsoft.com/office/drawing/2014/main" xmlns="" id="{5503F590-1F3C-4F7F-8FF4-5961622729AA}"/>
+                <a16:creationId xmlns="" xmlns:a16="http://schemas.microsoft.com/office/drawing/2014/main" id="{5503F590-1F3C-4F7F-8FF4-5961622729AA}"/>
               </a:ext>
             </a:extLst>
           </p:cNvPr>
@@ -3333,7 +3578,7 @@
           <p:cNvPr id="4" name="Text Placeholder 3">
             <a:extLst>
               <a:ext uri="{FF2B5EF4-FFF2-40B4-BE49-F238E27FC236}">
-                <a16:creationId xmlns:a16="http://schemas.microsoft.com/office/drawing/2014/main" xmlns="" id="{C83FDF8B-2EA8-4EF2-AB9F-A4E6C591D8FB}"/>
+                <a16:creationId xmlns="" xmlns:a16="http://schemas.microsoft.com/office/drawing/2014/main" id="{C83FDF8B-2EA8-4EF2-AB9F-A4E6C591D8FB}"/>
               </a:ext>
             </a:extLst>
           </p:cNvPr>
@@ -3404,7 +3649,7 @@
           <p:cNvPr id="5" name="Date Placeholder 4">
             <a:extLst>
               <a:ext uri="{FF2B5EF4-FFF2-40B4-BE49-F238E27FC236}">
-                <a16:creationId xmlns:a16="http://schemas.microsoft.com/office/drawing/2014/main" xmlns="" id="{CBB94C9D-F394-49B7-860E-82A8754634A6}"/>
+                <a16:creationId xmlns="" xmlns:a16="http://schemas.microsoft.com/office/drawing/2014/main" id="{CBB94C9D-F394-49B7-860E-82A8754634A6}"/>
               </a:ext>
             </a:extLst>
           </p:cNvPr>
@@ -3422,7 +3667,7 @@
           <a:p>
             <a:fld id="{69DC5A45-3AF9-431F-9B32-8886A5C2AF90}" type="datetime1">
               <a:rPr lang="fr-FR" smtClean="0"/>
-              <a:t>11/01/2018</a:t>
+              <a:t>12/01/2018</a:t>
             </a:fld>
             <a:endParaRPr lang="fr-FR"/>
           </a:p>
@@ -3433,7 +3678,7 @@
           <p:cNvPr id="6" name="Footer Placeholder 5">
             <a:extLst>
               <a:ext uri="{FF2B5EF4-FFF2-40B4-BE49-F238E27FC236}">
-                <a16:creationId xmlns:a16="http://schemas.microsoft.com/office/drawing/2014/main" xmlns="" id="{6678C1D8-FF93-4FAF-863B-F31CC9A5B175}"/>
+                <a16:creationId xmlns="" xmlns:a16="http://schemas.microsoft.com/office/drawing/2014/main" id="{6678C1D8-FF93-4FAF-863B-F31CC9A5B175}"/>
               </a:ext>
             </a:extLst>
           </p:cNvPr>
@@ -3458,7 +3703,7 @@
           <p:cNvPr id="7" name="Slide Number Placeholder 6">
             <a:extLst>
               <a:ext uri="{FF2B5EF4-FFF2-40B4-BE49-F238E27FC236}">
-                <a16:creationId xmlns:a16="http://schemas.microsoft.com/office/drawing/2014/main" xmlns="" id="{31685113-522C-457E-B406-35AC2968066E}"/>
+                <a16:creationId xmlns="" xmlns:a16="http://schemas.microsoft.com/office/drawing/2014/main" id="{31685113-522C-457E-B406-35AC2968066E}"/>
               </a:ext>
             </a:extLst>
           </p:cNvPr>
@@ -3531,7 +3776,7 @@
           <p:cNvPr id="2" name="Title Placeholder 1">
             <a:extLst>
               <a:ext uri="{FF2B5EF4-FFF2-40B4-BE49-F238E27FC236}">
-                <a16:creationId xmlns:a16="http://schemas.microsoft.com/office/drawing/2014/main" xmlns="" id="{3579F789-E687-4D39-BAE5-90DDBFAF0E29}"/>
+                <a16:creationId xmlns="" xmlns:a16="http://schemas.microsoft.com/office/drawing/2014/main" id="{3579F789-E687-4D39-BAE5-90DDBFAF0E29}"/>
               </a:ext>
             </a:extLst>
           </p:cNvPr>
@@ -3570,7 +3815,7 @@
           <p:cNvPr id="3" name="Text Placeholder 2">
             <a:extLst>
               <a:ext uri="{FF2B5EF4-FFF2-40B4-BE49-F238E27FC236}">
-                <a16:creationId xmlns:a16="http://schemas.microsoft.com/office/drawing/2014/main" xmlns="" id="{0B8D0E74-67B2-49BD-AC3D-AE294D2BCF5F}"/>
+                <a16:creationId xmlns="" xmlns:a16="http://schemas.microsoft.com/office/drawing/2014/main" id="{0B8D0E74-67B2-49BD-AC3D-AE294D2BCF5F}"/>
               </a:ext>
             </a:extLst>
           </p:cNvPr>
@@ -3638,7 +3883,7 @@
           <p:cNvPr id="4" name="Date Placeholder 3">
             <a:extLst>
               <a:ext uri="{FF2B5EF4-FFF2-40B4-BE49-F238E27FC236}">
-                <a16:creationId xmlns:a16="http://schemas.microsoft.com/office/drawing/2014/main" xmlns="" id="{EBCB0C8F-03FA-4999-B22D-E4DFCDA23044}"/>
+                <a16:creationId xmlns="" xmlns:a16="http://schemas.microsoft.com/office/drawing/2014/main" id="{EBCB0C8F-03FA-4999-B22D-E4DFCDA23044}"/>
               </a:ext>
             </a:extLst>
           </p:cNvPr>
@@ -3674,7 +3919,7 @@
           <a:p>
             <a:fld id="{90E39D4B-6E73-41D8-8559-081FA3E272E2}" type="datetime1">
               <a:rPr lang="fr-FR" smtClean="0"/>
-              <a:t>11/01/2018</a:t>
+              <a:t>12/01/2018</a:t>
             </a:fld>
             <a:endParaRPr lang="fr-FR"/>
           </a:p>
@@ -3685,7 +3930,7 @@
           <p:cNvPr id="5" name="Footer Placeholder 4">
             <a:extLst>
               <a:ext uri="{FF2B5EF4-FFF2-40B4-BE49-F238E27FC236}">
-                <a16:creationId xmlns:a16="http://schemas.microsoft.com/office/drawing/2014/main" xmlns="" id="{6293A79D-EF3F-4E13-8B5F-86B63834B4C3}"/>
+                <a16:creationId xmlns="" xmlns:a16="http://schemas.microsoft.com/office/drawing/2014/main" id="{6293A79D-EF3F-4E13-8B5F-86B63834B4C3}"/>
               </a:ext>
             </a:extLst>
           </p:cNvPr>
@@ -3728,7 +3973,7 @@
           <p:cNvPr id="6" name="Slide Number Placeholder 5">
             <a:extLst>
               <a:ext uri="{FF2B5EF4-FFF2-40B4-BE49-F238E27FC236}">
-                <a16:creationId xmlns:a16="http://schemas.microsoft.com/office/drawing/2014/main" xmlns="" id="{CBAA0D00-A6DC-4E1D-9239-F27E40D45E98}"/>
+                <a16:creationId xmlns="" xmlns:a16="http://schemas.microsoft.com/office/drawing/2014/main" id="{CBAA0D00-A6DC-4E1D-9239-F27E40D45E98}"/>
               </a:ext>
             </a:extLst>
           </p:cNvPr>
@@ -4097,7 +4342,7 @@
           <p:cNvPr id="4" name="Image 5" descr="C:\Users\TiMo\Downloads\fst.png">
             <a:extLst>
               <a:ext uri="{FF2B5EF4-FFF2-40B4-BE49-F238E27FC236}">
-                <a16:creationId xmlns:a16="http://schemas.microsoft.com/office/drawing/2014/main" xmlns="" id="{108CD27B-8F43-4F6F-8A3E-D32C55EA4F71}"/>
+                <a16:creationId xmlns="" xmlns:a16="http://schemas.microsoft.com/office/drawing/2014/main" id="{108CD27B-8F43-4F6F-8A3E-D32C55EA4F71}"/>
               </a:ext>
             </a:extLst>
           </p:cNvPr>
@@ -4157,7 +4402,7 @@
           <p:cNvPr id="5" name="Rectangle 4">
             <a:extLst>
               <a:ext uri="{FF2B5EF4-FFF2-40B4-BE49-F238E27FC236}">
-                <a16:creationId xmlns:a16="http://schemas.microsoft.com/office/drawing/2014/main" xmlns="" id="{9940D836-66D5-482E-BC02-6510D8733656}"/>
+                <a16:creationId xmlns="" xmlns:a16="http://schemas.microsoft.com/office/drawing/2014/main" id="{9940D836-66D5-482E-BC02-6510D8733656}"/>
               </a:ext>
             </a:extLst>
           </p:cNvPr>
@@ -4210,7 +4455,7 @@
           <p:cNvPr id="6" name="Rectangle 5">
             <a:extLst>
               <a:ext uri="{FF2B5EF4-FFF2-40B4-BE49-F238E27FC236}">
-                <a16:creationId xmlns:a16="http://schemas.microsoft.com/office/drawing/2014/main" xmlns="" id="{734DA4C8-E57E-49EE-A257-9EDC097507CE}"/>
+                <a16:creationId xmlns="" xmlns:a16="http://schemas.microsoft.com/office/drawing/2014/main" id="{734DA4C8-E57E-49EE-A257-9EDC097507CE}"/>
               </a:ext>
             </a:extLst>
           </p:cNvPr>
@@ -4263,7 +4508,7 @@
           <p:cNvPr id="7" name="Text Box 2">
             <a:extLst>
               <a:ext uri="{FF2B5EF4-FFF2-40B4-BE49-F238E27FC236}">
-                <a16:creationId xmlns:a16="http://schemas.microsoft.com/office/drawing/2014/main" xmlns="" id="{43B2492E-5F69-4457-B206-C3E4E8246DE7}"/>
+                <a16:creationId xmlns="" xmlns:a16="http://schemas.microsoft.com/office/drawing/2014/main" id="{43B2492E-5F69-4457-B206-C3E4E8246DE7}"/>
               </a:ext>
             </a:extLst>
           </p:cNvPr>
@@ -4412,7 +4657,7 @@
           <p:cNvPr id="9" name="TextBox 8">
             <a:extLst>
               <a:ext uri="{FF2B5EF4-FFF2-40B4-BE49-F238E27FC236}">
-                <a16:creationId xmlns:a16="http://schemas.microsoft.com/office/drawing/2014/main" xmlns="" id="{2579CAD7-D88B-4EB4-A2B5-15F865B784C8}"/>
+                <a16:creationId xmlns="" xmlns:a16="http://schemas.microsoft.com/office/drawing/2014/main" id="{2579CAD7-D88B-4EB4-A2B5-15F865B784C8}"/>
               </a:ext>
             </a:extLst>
           </p:cNvPr>
@@ -4497,7 +4742,7 @@
           <p:cNvPr id="10" name="Rectangle 9">
             <a:extLst>
               <a:ext uri="{FF2B5EF4-FFF2-40B4-BE49-F238E27FC236}">
-                <a16:creationId xmlns:a16="http://schemas.microsoft.com/office/drawing/2014/main" xmlns="" id="{489F5595-F8A6-4E2D-AB6D-E389D15B2CB2}"/>
+                <a16:creationId xmlns="" xmlns:a16="http://schemas.microsoft.com/office/drawing/2014/main" id="{489F5595-F8A6-4E2D-AB6D-E389D15B2CB2}"/>
               </a:ext>
             </a:extLst>
           </p:cNvPr>
@@ -4549,7 +4794,7 @@
           <p:cNvPr id="11" name="Slide Number Placeholder 10">
             <a:extLst>
               <a:ext uri="{FF2B5EF4-FFF2-40B4-BE49-F238E27FC236}">
-                <a16:creationId xmlns:a16="http://schemas.microsoft.com/office/drawing/2014/main" xmlns="" id="{F5375418-33F9-4C7E-8A6A-E61D2B3C474B}"/>
+                <a16:creationId xmlns="" xmlns:a16="http://schemas.microsoft.com/office/drawing/2014/main" id="{F5375418-33F9-4C7E-8A6A-E61D2B3C474B}"/>
               </a:ext>
             </a:extLst>
           </p:cNvPr>
@@ -5224,7 +5469,7 @@
           <p:cNvPr id="4" name="Rectangle 3">
             <a:extLst>
               <a:ext uri="{FF2B5EF4-FFF2-40B4-BE49-F238E27FC236}">
-                <a16:creationId xmlns:a16="http://schemas.microsoft.com/office/drawing/2014/main" xmlns="" id="{0E537682-839B-4B73-BBA3-D57FA05A2E7A}"/>
+                <a16:creationId xmlns="" xmlns:a16="http://schemas.microsoft.com/office/drawing/2014/main" id="{0E537682-839B-4B73-BBA3-D57FA05A2E7A}"/>
               </a:ext>
             </a:extLst>
           </p:cNvPr>
@@ -5311,7 +5556,7 @@
           <p:cNvPr id="5" name="Slide Number Placeholder 4">
             <a:extLst>
               <a:ext uri="{FF2B5EF4-FFF2-40B4-BE49-F238E27FC236}">
-                <a16:creationId xmlns:a16="http://schemas.microsoft.com/office/drawing/2014/main" xmlns="" id="{8779620F-5BE4-4513-87E2-D66C1795E890}"/>
+                <a16:creationId xmlns="" xmlns:a16="http://schemas.microsoft.com/office/drawing/2014/main" id="{8779620F-5BE4-4513-87E2-D66C1795E890}"/>
               </a:ext>
             </a:extLst>
           </p:cNvPr>
@@ -5458,7 +5703,7 @@
           <p:cNvPr id="4" name="Rectangle 3">
             <a:extLst>
               <a:ext uri="{FF2B5EF4-FFF2-40B4-BE49-F238E27FC236}">
-                <a16:creationId xmlns:a16="http://schemas.microsoft.com/office/drawing/2014/main" xmlns="" id="{DBC75D37-314C-4BDA-AE9E-09A72FC8CAEC}"/>
+                <a16:creationId xmlns="" xmlns:a16="http://schemas.microsoft.com/office/drawing/2014/main" id="{DBC75D37-314C-4BDA-AE9E-09A72FC8CAEC}"/>
               </a:ext>
             </a:extLst>
           </p:cNvPr>
@@ -5548,7 +5793,7 @@
           <p:cNvPr id="6" name="Slide Number Placeholder 5">
             <a:extLst>
               <a:ext uri="{FF2B5EF4-FFF2-40B4-BE49-F238E27FC236}">
-                <a16:creationId xmlns:a16="http://schemas.microsoft.com/office/drawing/2014/main" xmlns="" id="{C61B1330-023B-469A-9C87-FBFCFFE0D415}"/>
+                <a16:creationId xmlns="" xmlns:a16="http://schemas.microsoft.com/office/drawing/2014/main" id="{C61B1330-023B-469A-9C87-FBFCFFE0D415}"/>
               </a:ext>
             </a:extLst>
           </p:cNvPr>
@@ -5577,7 +5822,7 @@
           <p:cNvPr id="9" name="Group 8">
             <a:extLst>
               <a:ext uri="{FF2B5EF4-FFF2-40B4-BE49-F238E27FC236}">
-                <a16:creationId xmlns:a16="http://schemas.microsoft.com/office/drawing/2014/main" xmlns="" id="{7A1DA556-B1E9-42A2-99F0-41642060C5FF}"/>
+                <a16:creationId xmlns="" xmlns:a16="http://schemas.microsoft.com/office/drawing/2014/main" id="{7A1DA556-B1E9-42A2-99F0-41642060C5FF}"/>
               </a:ext>
             </a:extLst>
           </p:cNvPr>
@@ -5597,7 +5842,7 @@
             <p:cNvPr id="1026" name="Picture 2">
               <a:extLst>
                 <a:ext uri="{FF2B5EF4-FFF2-40B4-BE49-F238E27FC236}">
-                  <a16:creationId xmlns:a16="http://schemas.microsoft.com/office/drawing/2014/main" xmlns="" id="{1264AD28-6020-458E-A903-70952AC086D1}"/>
+                  <a16:creationId xmlns="" xmlns:a16="http://schemas.microsoft.com/office/drawing/2014/main" id="{1264AD28-6020-458E-A903-70952AC086D1}"/>
                 </a:ext>
               </a:extLst>
             </p:cNvPr>
@@ -5657,7 +5902,7 @@
             <p:cNvPr id="3" name="TextBox 2">
               <a:extLst>
                 <a:ext uri="{FF2B5EF4-FFF2-40B4-BE49-F238E27FC236}">
-                  <a16:creationId xmlns:a16="http://schemas.microsoft.com/office/drawing/2014/main" xmlns="" id="{2711C80E-57CD-40CA-8CBF-D9FCF7195D15}"/>
+                  <a16:creationId xmlns="" xmlns:a16="http://schemas.microsoft.com/office/drawing/2014/main" id="{2711C80E-57CD-40CA-8CBF-D9FCF7195D15}"/>
                 </a:ext>
               </a:extLst>
             </p:cNvPr>
@@ -5700,7 +5945,7 @@
           <p:cNvPr id="10" name="Group 9">
             <a:extLst>
               <a:ext uri="{FF2B5EF4-FFF2-40B4-BE49-F238E27FC236}">
-                <a16:creationId xmlns:a16="http://schemas.microsoft.com/office/drawing/2014/main" xmlns="" id="{EC78EF00-9F52-49C4-BEBD-6D734B1CD134}"/>
+                <a16:creationId xmlns="" xmlns:a16="http://schemas.microsoft.com/office/drawing/2014/main" id="{EC78EF00-9F52-49C4-BEBD-6D734B1CD134}"/>
               </a:ext>
             </a:extLst>
           </p:cNvPr>
@@ -5720,7 +5965,7 @@
             <p:cNvPr id="1027" name="Picture 3">
               <a:extLst>
                 <a:ext uri="{FF2B5EF4-FFF2-40B4-BE49-F238E27FC236}">
-                  <a16:creationId xmlns:a16="http://schemas.microsoft.com/office/drawing/2014/main" xmlns="" id="{FAC1BA84-A5FE-45B9-9EEF-7C7D3CEB5C03}"/>
+                  <a16:creationId xmlns="" xmlns:a16="http://schemas.microsoft.com/office/drawing/2014/main" id="{FAC1BA84-A5FE-45B9-9EEF-7C7D3CEB5C03}"/>
                 </a:ext>
               </a:extLst>
             </p:cNvPr>
@@ -5780,7 +6025,7 @@
             <p:cNvPr id="8" name="TextBox 7">
               <a:extLst>
                 <a:ext uri="{FF2B5EF4-FFF2-40B4-BE49-F238E27FC236}">
-                  <a16:creationId xmlns:a16="http://schemas.microsoft.com/office/drawing/2014/main" xmlns="" id="{D2291111-0B8B-4A1E-BA91-1DFB4E3EF466}"/>
+                  <a16:creationId xmlns="" xmlns:a16="http://schemas.microsoft.com/office/drawing/2014/main" id="{D2291111-0B8B-4A1E-BA91-1DFB4E3EF466}"/>
                 </a:ext>
               </a:extLst>
             </p:cNvPr>
@@ -5826,7 +6071,7 @@
           <p:cNvPr id="11" name="Picture 10">
             <a:extLst>
               <a:ext uri="{FF2B5EF4-FFF2-40B4-BE49-F238E27FC236}">
-                <a16:creationId xmlns:a16="http://schemas.microsoft.com/office/drawing/2014/main" xmlns="" id="{C65DBEF2-429A-40CD-84CE-452D78B09442}"/>
+                <a16:creationId xmlns="" xmlns:a16="http://schemas.microsoft.com/office/drawing/2014/main" id="{C65DBEF2-429A-40CD-84CE-452D78B09442}"/>
               </a:ext>
             </a:extLst>
           </p:cNvPr>
@@ -6219,7 +6464,7 @@
           <p:cNvPr id="4" name="Rectangle 3">
             <a:extLst>
               <a:ext uri="{FF2B5EF4-FFF2-40B4-BE49-F238E27FC236}">
-                <a16:creationId xmlns:a16="http://schemas.microsoft.com/office/drawing/2014/main" xmlns="" id="{DBC75D37-314C-4BDA-AE9E-09A72FC8CAEC}"/>
+                <a16:creationId xmlns="" xmlns:a16="http://schemas.microsoft.com/office/drawing/2014/main" id="{DBC75D37-314C-4BDA-AE9E-09A72FC8CAEC}"/>
               </a:ext>
             </a:extLst>
           </p:cNvPr>
@@ -6309,7 +6554,7 @@
           <p:cNvPr id="6" name="Slide Number Placeholder 5">
             <a:extLst>
               <a:ext uri="{FF2B5EF4-FFF2-40B4-BE49-F238E27FC236}">
-                <a16:creationId xmlns:a16="http://schemas.microsoft.com/office/drawing/2014/main" xmlns="" id="{C61B1330-023B-469A-9C87-FBFCFFE0D415}"/>
+                <a16:creationId xmlns="" xmlns:a16="http://schemas.microsoft.com/office/drawing/2014/main" id="{C61B1330-023B-469A-9C87-FBFCFFE0D415}"/>
               </a:ext>
             </a:extLst>
           </p:cNvPr>
@@ -6338,7 +6583,7 @@
           <p:cNvPr id="11" name="Group 10">
             <a:extLst>
               <a:ext uri="{FF2B5EF4-FFF2-40B4-BE49-F238E27FC236}">
-                <a16:creationId xmlns:a16="http://schemas.microsoft.com/office/drawing/2014/main" xmlns="" id="{4C16BECA-5962-49D3-B427-138599BECEF8}"/>
+                <a16:creationId xmlns="" xmlns:a16="http://schemas.microsoft.com/office/drawing/2014/main" id="{4C16BECA-5962-49D3-B427-138599BECEF8}"/>
               </a:ext>
             </a:extLst>
           </p:cNvPr>
@@ -6358,7 +6603,7 @@
             <p:cNvPr id="5" name="Picture 4">
               <a:extLst>
                 <a:ext uri="{FF2B5EF4-FFF2-40B4-BE49-F238E27FC236}">
-                  <a16:creationId xmlns:a16="http://schemas.microsoft.com/office/drawing/2014/main" xmlns="" id="{0C6A9279-2FEC-4CFF-AD07-464F59ACDB49}"/>
+                  <a16:creationId xmlns="" xmlns:a16="http://schemas.microsoft.com/office/drawing/2014/main" id="{0C6A9279-2FEC-4CFF-AD07-464F59ACDB49}"/>
                 </a:ext>
               </a:extLst>
             </p:cNvPr>
@@ -6394,7 +6639,7 @@
             <p:cNvPr id="7" name="TextBox 6">
               <a:extLst>
                 <a:ext uri="{FF2B5EF4-FFF2-40B4-BE49-F238E27FC236}">
-                  <a16:creationId xmlns:a16="http://schemas.microsoft.com/office/drawing/2014/main" xmlns="" id="{DC8769C8-2CBB-4090-98C4-654B621635F3}"/>
+                  <a16:creationId xmlns="" xmlns:a16="http://schemas.microsoft.com/office/drawing/2014/main" id="{DC8769C8-2CBB-4090-98C4-654B621635F3}"/>
                 </a:ext>
               </a:extLst>
             </p:cNvPr>
@@ -6437,7 +6682,7 @@
           <p:cNvPr id="13" name="Picture 12">
             <a:extLst>
               <a:ext uri="{FF2B5EF4-FFF2-40B4-BE49-F238E27FC236}">
-                <a16:creationId xmlns:a16="http://schemas.microsoft.com/office/drawing/2014/main" xmlns="" id="{931ABF8F-ADB7-46C9-BB77-00A3942A443D}"/>
+                <a16:creationId xmlns="" xmlns:a16="http://schemas.microsoft.com/office/drawing/2014/main" id="{931ABF8F-ADB7-46C9-BB77-00A3942A443D}"/>
               </a:ext>
             </a:extLst>
           </p:cNvPr>
@@ -6636,7 +6881,7 @@
           <p:cNvPr id="6" name="Slide Number Placeholder 5">
             <a:extLst>
               <a:ext uri="{FF2B5EF4-FFF2-40B4-BE49-F238E27FC236}">
-                <a16:creationId xmlns:a16="http://schemas.microsoft.com/office/drawing/2014/main" xmlns="" id="{C61B1330-023B-469A-9C87-FBFCFFE0D415}"/>
+                <a16:creationId xmlns="" xmlns:a16="http://schemas.microsoft.com/office/drawing/2014/main" id="{C61B1330-023B-469A-9C87-FBFCFFE0D415}"/>
               </a:ext>
             </a:extLst>
           </p:cNvPr>
@@ -6665,7 +6910,7 @@
           <p:cNvPr id="5" name="Group 4">
             <a:extLst>
               <a:ext uri="{FF2B5EF4-FFF2-40B4-BE49-F238E27FC236}">
-                <a16:creationId xmlns:a16="http://schemas.microsoft.com/office/drawing/2014/main" xmlns="" id="{ABDEDFB4-9093-4F05-AF90-CA0B3C7CABF8}"/>
+                <a16:creationId xmlns="" xmlns:a16="http://schemas.microsoft.com/office/drawing/2014/main" id="{ABDEDFB4-9093-4F05-AF90-CA0B3C7CABF8}"/>
               </a:ext>
             </a:extLst>
           </p:cNvPr>
@@ -6685,7 +6930,7 @@
             <p:cNvPr id="2" name="Rectangle 1">
               <a:extLst>
                 <a:ext uri="{FF2B5EF4-FFF2-40B4-BE49-F238E27FC236}">
-                  <a16:creationId xmlns:a16="http://schemas.microsoft.com/office/drawing/2014/main" xmlns="" id="{28B98AD7-FA93-48DA-895C-702DDE67B98B}"/>
+                  <a16:creationId xmlns="" xmlns:a16="http://schemas.microsoft.com/office/drawing/2014/main" id="{28B98AD7-FA93-48DA-895C-702DDE67B98B}"/>
                 </a:ext>
               </a:extLst>
             </p:cNvPr>
@@ -6720,7 +6965,7 @@
             <p:cNvPr id="7" name="Picture 6" descr="C:\Users\_\Desktop\0.png">
               <a:extLst>
                 <a:ext uri="{FF2B5EF4-FFF2-40B4-BE49-F238E27FC236}">
-                  <a16:creationId xmlns:a16="http://schemas.microsoft.com/office/drawing/2014/main" xmlns="" id="{B59F6296-5D1B-4D98-8FD7-66830D5AA6F6}"/>
+                  <a16:creationId xmlns="" xmlns:a16="http://schemas.microsoft.com/office/drawing/2014/main" id="{B59F6296-5D1B-4D98-8FD7-66830D5AA6F6}"/>
                 </a:ext>
               </a:extLst>
             </p:cNvPr>
@@ -6760,7 +7005,7 @@
           <p:cNvPr id="3" name="TextBox 2">
             <a:extLst>
               <a:ext uri="{FF2B5EF4-FFF2-40B4-BE49-F238E27FC236}">
-                <a16:creationId xmlns:a16="http://schemas.microsoft.com/office/drawing/2014/main" xmlns="" id="{C1395D8C-6991-4C3F-8E04-B6CA0640D4AF}"/>
+                <a16:creationId xmlns="" xmlns:a16="http://schemas.microsoft.com/office/drawing/2014/main" id="{C1395D8C-6991-4C3F-8E04-B6CA0640D4AF}"/>
               </a:ext>
             </a:extLst>
           </p:cNvPr>
@@ -6799,7 +7044,7 @@
           <p:cNvPr id="10" name="Rectangle 9">
             <a:extLst>
               <a:ext uri="{FF2B5EF4-FFF2-40B4-BE49-F238E27FC236}">
-                <a16:creationId xmlns:a16="http://schemas.microsoft.com/office/drawing/2014/main" xmlns="" id="{020E6CBF-D496-4467-81B4-6ABB844F69F9}"/>
+                <a16:creationId xmlns="" xmlns:a16="http://schemas.microsoft.com/office/drawing/2014/main" id="{020E6CBF-D496-4467-81B4-6ABB844F69F9}"/>
               </a:ext>
             </a:extLst>
           </p:cNvPr>
@@ -7144,7 +7389,7 @@
           <p:cNvPr id="4" name="Rectangle 3">
             <a:extLst>
               <a:ext uri="{FF2B5EF4-FFF2-40B4-BE49-F238E27FC236}">
-                <a16:creationId xmlns:a16="http://schemas.microsoft.com/office/drawing/2014/main" xmlns="" id="{0E537682-839B-4B73-BBA3-D57FA05A2E7A}"/>
+                <a16:creationId xmlns="" xmlns:a16="http://schemas.microsoft.com/office/drawing/2014/main" id="{0E537682-839B-4B73-BBA3-D57FA05A2E7A}"/>
               </a:ext>
             </a:extLst>
           </p:cNvPr>
@@ -7231,7 +7476,7 @@
           <p:cNvPr id="5" name="Slide Number Placeholder 4">
             <a:extLst>
               <a:ext uri="{FF2B5EF4-FFF2-40B4-BE49-F238E27FC236}">
-                <a16:creationId xmlns:a16="http://schemas.microsoft.com/office/drawing/2014/main" xmlns="" id="{8779620F-5BE4-4513-87E2-D66C1795E890}"/>
+                <a16:creationId xmlns="" xmlns:a16="http://schemas.microsoft.com/office/drawing/2014/main" id="{8779620F-5BE4-4513-87E2-D66C1795E890}"/>
               </a:ext>
             </a:extLst>
           </p:cNvPr>
@@ -7302,7 +7547,7 @@
           <p:cNvPr id="4" name="Rectangle 3">
             <a:extLst>
               <a:ext uri="{FF2B5EF4-FFF2-40B4-BE49-F238E27FC236}">
-                <a16:creationId xmlns:a16="http://schemas.microsoft.com/office/drawing/2014/main" xmlns="" id="{0E537682-839B-4B73-BBA3-D57FA05A2E7A}"/>
+                <a16:creationId xmlns="" xmlns:a16="http://schemas.microsoft.com/office/drawing/2014/main" id="{0E537682-839B-4B73-BBA3-D57FA05A2E7A}"/>
               </a:ext>
             </a:extLst>
           </p:cNvPr>
@@ -7389,7 +7634,7 @@
           <p:cNvPr id="5" name="Slide Number Placeholder 4">
             <a:extLst>
               <a:ext uri="{FF2B5EF4-FFF2-40B4-BE49-F238E27FC236}">
-                <a16:creationId xmlns:a16="http://schemas.microsoft.com/office/drawing/2014/main" xmlns="" id="{8779620F-5BE4-4513-87E2-D66C1795E890}"/>
+                <a16:creationId xmlns="" xmlns:a16="http://schemas.microsoft.com/office/drawing/2014/main" id="{8779620F-5BE4-4513-87E2-D66C1795E890}"/>
               </a:ext>
             </a:extLst>
           </p:cNvPr>
@@ -7536,7 +7781,7 @@
           <p:cNvPr id="4" name="Rectangle 3">
             <a:extLst>
               <a:ext uri="{FF2B5EF4-FFF2-40B4-BE49-F238E27FC236}">
-                <a16:creationId xmlns:a16="http://schemas.microsoft.com/office/drawing/2014/main" xmlns="" id="{DBC75D37-314C-4BDA-AE9E-09A72FC8CAEC}"/>
+                <a16:creationId xmlns="" xmlns:a16="http://schemas.microsoft.com/office/drawing/2014/main" id="{DBC75D37-314C-4BDA-AE9E-09A72FC8CAEC}"/>
               </a:ext>
             </a:extLst>
           </p:cNvPr>
@@ -7676,7 +7921,7 @@
           <p:cNvPr id="5" name="TextBox 4">
             <a:extLst>
               <a:ext uri="{FF2B5EF4-FFF2-40B4-BE49-F238E27FC236}">
-                <a16:creationId xmlns:a16="http://schemas.microsoft.com/office/drawing/2014/main" xmlns="" id="{29CE58E8-6F88-4224-B64C-07BE5C3FC10F}"/>
+                <a16:creationId xmlns="" xmlns:a16="http://schemas.microsoft.com/office/drawing/2014/main" id="{29CE58E8-6F88-4224-B64C-07BE5C3FC10F}"/>
               </a:ext>
             </a:extLst>
           </p:cNvPr>
@@ -7685,8 +7930,8 @@
         </p:nvSpPr>
         <p:spPr>
           <a:xfrm>
-            <a:off x="1251154" y="1665206"/>
-            <a:ext cx="9689691" cy="3970318"/>
+            <a:off x="1251153" y="1873753"/>
+            <a:ext cx="9689691" cy="2862322"/>
           </a:xfrm>
           <a:prstGeom prst="rect">
             <a:avLst/>
@@ -7707,9 +7952,10 @@
               <a:buChar char="ü"/>
             </a:pPr>
             <a:r>
-              <a:rPr lang="fr-FR" sz="2400" dirty="0"/>
-              <a:t>Nos objectifs étaient de produire une application facile à prendre en mains permettant aux différents acteurs de mieux gérer leurs tâches d’une façon transparente et rapide.</a:t>
-            </a:r>
+              <a:rPr lang="fr-FR" sz="2400" dirty="0" smtClean="0"/>
+              <a:t>Objectifs vs. Résultat</a:t>
+            </a:r>
+            <a:endParaRPr lang="fr-FR" sz="2400" dirty="0"/>
           </a:p>
           <a:p>
             <a:pPr algn="just">
@@ -7728,8 +7974,31 @@
               <a:buChar char="ü"/>
             </a:pPr>
             <a:r>
-              <a:rPr lang="fr-FR" sz="2400" dirty="0"/>
-              <a:t>La solution apportée permet la totalité des fonctionnalités obligatoires prévues, une maintenance corrective ou évolutive peut avoir lieu tout en suivant l’ensemble de formalités présentées lors de cette documentation.</a:t>
+              <a:rPr lang="fr-FR" sz="2400" dirty="0" smtClean="0"/>
+              <a:t>Apports personnel</a:t>
+            </a:r>
+          </a:p>
+          <a:p>
+            <a:pPr marL="342900" indent="-342900" algn="just">
+              <a:lnSpc>
+                <a:spcPct val="150000"/>
+              </a:lnSpc>
+              <a:buFont typeface="Wingdings" panose="05000000000000000000" pitchFamily="2" charset="2"/>
+              <a:buChar char="ü"/>
+            </a:pPr>
+            <a:endParaRPr lang="fr-FR" sz="2400" dirty="0"/>
+          </a:p>
+          <a:p>
+            <a:pPr marL="342900" indent="-342900" algn="just">
+              <a:lnSpc>
+                <a:spcPct val="150000"/>
+              </a:lnSpc>
+              <a:buFont typeface="Wingdings" panose="05000000000000000000" pitchFamily="2" charset="2"/>
+              <a:buChar char="ü"/>
+            </a:pPr>
+            <a:r>
+              <a:rPr lang="fr-FR" sz="2400" dirty="0" smtClean="0"/>
+              <a:t>Perspectives</a:t>
             </a:r>
             <a:endParaRPr lang="fr-FR" dirty="0"/>
           </a:p>
@@ -7740,7 +8009,7 @@
           <p:cNvPr id="6" name="Slide Number Placeholder 5">
             <a:extLst>
               <a:ext uri="{FF2B5EF4-FFF2-40B4-BE49-F238E27FC236}">
-                <a16:creationId xmlns:a16="http://schemas.microsoft.com/office/drawing/2014/main" xmlns="" id="{C61B1330-023B-469A-9C87-FBFCFFE0D415}"/>
+                <a16:creationId xmlns="" xmlns:a16="http://schemas.microsoft.com/office/drawing/2014/main" id="{C61B1330-023B-469A-9C87-FBFCFFE0D415}"/>
               </a:ext>
             </a:extLst>
           </p:cNvPr>
@@ -7799,7 +8068,7 @@
           <p:cNvPr id="5" name="Slide Number Placeholder 4">
             <a:extLst>
               <a:ext uri="{FF2B5EF4-FFF2-40B4-BE49-F238E27FC236}">
-                <a16:creationId xmlns:a16="http://schemas.microsoft.com/office/drawing/2014/main" xmlns="" id="{8779620F-5BE4-4513-87E2-D66C1795E890}"/>
+                <a16:creationId xmlns="" xmlns:a16="http://schemas.microsoft.com/office/drawing/2014/main" id="{8779620F-5BE4-4513-87E2-D66C1795E890}"/>
               </a:ext>
             </a:extLst>
           </p:cNvPr>
@@ -7828,7 +8097,7 @@
           <p:cNvPr id="6" name="Rectangle 5">
             <a:extLst>
               <a:ext uri="{FF2B5EF4-FFF2-40B4-BE49-F238E27FC236}">
-                <a16:creationId xmlns:a16="http://schemas.microsoft.com/office/drawing/2014/main" xmlns="" id="{1A3FFE96-57C9-4B88-BF91-6369B82968EC}"/>
+                <a16:creationId xmlns="" xmlns:a16="http://schemas.microsoft.com/office/drawing/2014/main" id="{1A3FFE96-57C9-4B88-BF91-6369B82968EC}"/>
               </a:ext>
             </a:extLst>
           </p:cNvPr>
@@ -8099,7 +8368,7 @@
           <p:cNvPr id="4" name="Rectangle 3">
             <a:extLst>
               <a:ext uri="{FF2B5EF4-FFF2-40B4-BE49-F238E27FC236}">
-                <a16:creationId xmlns:a16="http://schemas.microsoft.com/office/drawing/2014/main" xmlns="" id="{33D998B0-0BD3-4E2A-9E45-A307F46EC778}"/>
+                <a16:creationId xmlns="" xmlns:a16="http://schemas.microsoft.com/office/drawing/2014/main" id="{33D998B0-0BD3-4E2A-9E45-A307F46EC778}"/>
               </a:ext>
             </a:extLst>
           </p:cNvPr>
@@ -8189,7 +8458,7 @@
           <p:cNvPr id="5" name="TextBox 4">
             <a:extLst>
               <a:ext uri="{FF2B5EF4-FFF2-40B4-BE49-F238E27FC236}">
-                <a16:creationId xmlns:a16="http://schemas.microsoft.com/office/drawing/2014/main" xmlns="" id="{7F70753D-92EC-4B7F-B97E-BE5EC653DE0C}"/>
+                <a16:creationId xmlns="" xmlns:a16="http://schemas.microsoft.com/office/drawing/2014/main" id="{7F70753D-92EC-4B7F-B97E-BE5EC653DE0C}"/>
               </a:ext>
             </a:extLst>
           </p:cNvPr>
@@ -8304,7 +8573,7 @@
           <p:cNvPr id="6" name="Slide Number Placeholder 5">
             <a:extLst>
               <a:ext uri="{FF2B5EF4-FFF2-40B4-BE49-F238E27FC236}">
-                <a16:creationId xmlns:a16="http://schemas.microsoft.com/office/drawing/2014/main" xmlns="" id="{78A9925A-0306-48B2-B8D5-4C384315E378}"/>
+                <a16:creationId xmlns="" xmlns:a16="http://schemas.microsoft.com/office/drawing/2014/main" id="{78A9925A-0306-48B2-B8D5-4C384315E378}"/>
               </a:ext>
             </a:extLst>
           </p:cNvPr>
@@ -9056,7 +9325,7 @@
           <p:cNvPr id="4" name="Rectangle 3">
             <a:extLst>
               <a:ext uri="{FF2B5EF4-FFF2-40B4-BE49-F238E27FC236}">
-                <a16:creationId xmlns:a16="http://schemas.microsoft.com/office/drawing/2014/main" xmlns="" id="{0E537682-839B-4B73-BBA3-D57FA05A2E7A}"/>
+                <a16:creationId xmlns="" xmlns:a16="http://schemas.microsoft.com/office/drawing/2014/main" id="{0E537682-839B-4B73-BBA3-D57FA05A2E7A}"/>
               </a:ext>
             </a:extLst>
           </p:cNvPr>
@@ -9140,7 +9409,7 @@
           <p:cNvPr id="2" name="Slide Number Placeholder 1">
             <a:extLst>
               <a:ext uri="{FF2B5EF4-FFF2-40B4-BE49-F238E27FC236}">
-                <a16:creationId xmlns:a16="http://schemas.microsoft.com/office/drawing/2014/main" xmlns="" id="{3FDDFF05-9EB9-4B22-AA8B-A1EF6DDA8909}"/>
+                <a16:creationId xmlns="" xmlns:a16="http://schemas.microsoft.com/office/drawing/2014/main" id="{3FDDFF05-9EB9-4B22-AA8B-A1EF6DDA8909}"/>
               </a:ext>
             </a:extLst>
           </p:cNvPr>
@@ -9287,7 +9556,7 @@
           <p:cNvPr id="4" name="Rectangle 3">
             <a:extLst>
               <a:ext uri="{FF2B5EF4-FFF2-40B4-BE49-F238E27FC236}">
-                <a16:creationId xmlns:a16="http://schemas.microsoft.com/office/drawing/2014/main" xmlns="" id="{DBC75D37-314C-4BDA-AE9E-09A72FC8CAEC}"/>
+                <a16:creationId xmlns="" xmlns:a16="http://schemas.microsoft.com/office/drawing/2014/main" id="{DBC75D37-314C-4BDA-AE9E-09A72FC8CAEC}"/>
               </a:ext>
             </a:extLst>
           </p:cNvPr>
@@ -9400,7 +9669,7 @@
           <p:cNvPr id="5" name="TextBox 4">
             <a:extLst>
               <a:ext uri="{FF2B5EF4-FFF2-40B4-BE49-F238E27FC236}">
-                <a16:creationId xmlns:a16="http://schemas.microsoft.com/office/drawing/2014/main" xmlns="" id="{29CE58E8-6F88-4224-B64C-07BE5C3FC10F}"/>
+                <a16:creationId xmlns="" xmlns:a16="http://schemas.microsoft.com/office/drawing/2014/main" id="{29CE58E8-6F88-4224-B64C-07BE5C3FC10F}"/>
               </a:ext>
             </a:extLst>
           </p:cNvPr>
@@ -9470,7 +9739,7 @@
           <p:cNvPr id="3" name="Slide Number Placeholder 2">
             <a:extLst>
               <a:ext uri="{FF2B5EF4-FFF2-40B4-BE49-F238E27FC236}">
-                <a16:creationId xmlns:a16="http://schemas.microsoft.com/office/drawing/2014/main" xmlns="" id="{68E64F4B-D80A-4C8F-B688-A5853B9F4BA0}"/>
+                <a16:creationId xmlns="" xmlns:a16="http://schemas.microsoft.com/office/drawing/2014/main" id="{68E64F4B-D80A-4C8F-B688-A5853B9F4BA0}"/>
               </a:ext>
             </a:extLst>
           </p:cNvPr>
@@ -9536,7 +9805,7 @@
           <p:cNvPr id="4" name="Rectangle 3">
             <a:extLst>
               <a:ext uri="{FF2B5EF4-FFF2-40B4-BE49-F238E27FC236}">
-                <a16:creationId xmlns:a16="http://schemas.microsoft.com/office/drawing/2014/main" xmlns="" id="{DBC75D37-314C-4BDA-AE9E-09A72FC8CAEC}"/>
+                <a16:creationId xmlns="" xmlns:a16="http://schemas.microsoft.com/office/drawing/2014/main" id="{DBC75D37-314C-4BDA-AE9E-09A72FC8CAEC}"/>
               </a:ext>
             </a:extLst>
           </p:cNvPr>
@@ -9649,7 +9918,7 @@
           <p:cNvPr id="7" name="Slide Number Placeholder 6">
             <a:extLst>
               <a:ext uri="{FF2B5EF4-FFF2-40B4-BE49-F238E27FC236}">
-                <a16:creationId xmlns:a16="http://schemas.microsoft.com/office/drawing/2014/main" xmlns="" id="{6F1E3FFB-82E0-4A1E-9345-522B13EDDD45}"/>
+                <a16:creationId xmlns="" xmlns:a16="http://schemas.microsoft.com/office/drawing/2014/main" id="{6F1E3FFB-82E0-4A1E-9345-522B13EDDD45}"/>
               </a:ext>
             </a:extLst>
           </p:cNvPr>
@@ -9678,7 +9947,7 @@
           <p:cNvPr id="9" name="Group 8">
             <a:extLst>
               <a:ext uri="{FF2B5EF4-FFF2-40B4-BE49-F238E27FC236}">
-                <a16:creationId xmlns:a16="http://schemas.microsoft.com/office/drawing/2014/main" xmlns="" id="{E4359A95-33D8-49C4-BBDD-2BB20DC813E1}"/>
+                <a16:creationId xmlns="" xmlns:a16="http://schemas.microsoft.com/office/drawing/2014/main" id="{E4359A95-33D8-49C4-BBDD-2BB20DC813E1}"/>
               </a:ext>
             </a:extLst>
           </p:cNvPr>
@@ -9698,7 +9967,7 @@
             <p:cNvPr id="6" name="Picture 5">
               <a:extLst>
                 <a:ext uri="{FF2B5EF4-FFF2-40B4-BE49-F238E27FC236}">
-                  <a16:creationId xmlns:a16="http://schemas.microsoft.com/office/drawing/2014/main" xmlns="" id="{19A1D5A3-5C66-45C9-BEC3-183DC799BF32}"/>
+                  <a16:creationId xmlns="" xmlns:a16="http://schemas.microsoft.com/office/drawing/2014/main" id="{19A1D5A3-5C66-45C9-BEC3-183DC799BF32}"/>
                 </a:ext>
               </a:extLst>
             </p:cNvPr>
@@ -9733,7 +10002,7 @@
             <p:cNvPr id="8" name="TextBox 7">
               <a:extLst>
                 <a:ext uri="{FF2B5EF4-FFF2-40B4-BE49-F238E27FC236}">
-                  <a16:creationId xmlns:a16="http://schemas.microsoft.com/office/drawing/2014/main" xmlns="" id="{91241C50-CE2D-4C2F-AB0A-FEBF4A476BC5}"/>
+                  <a16:creationId xmlns="" xmlns:a16="http://schemas.microsoft.com/office/drawing/2014/main" id="{91241C50-CE2D-4C2F-AB0A-FEBF4A476BC5}"/>
                 </a:ext>
               </a:extLst>
             </p:cNvPr>
@@ -9936,7 +10205,7 @@
           <p:cNvPr id="4" name="Rectangle 3">
             <a:extLst>
               <a:ext uri="{FF2B5EF4-FFF2-40B4-BE49-F238E27FC236}">
-                <a16:creationId xmlns:a16="http://schemas.microsoft.com/office/drawing/2014/main" xmlns="" id="{DBC75D37-314C-4BDA-AE9E-09A72FC8CAEC}"/>
+                <a16:creationId xmlns="" xmlns:a16="http://schemas.microsoft.com/office/drawing/2014/main" id="{DBC75D37-314C-4BDA-AE9E-09A72FC8CAEC}"/>
               </a:ext>
             </a:extLst>
           </p:cNvPr>
@@ -10049,7 +10318,7 @@
           <p:cNvPr id="2" name="TextBox 1">
             <a:extLst>
               <a:ext uri="{FF2B5EF4-FFF2-40B4-BE49-F238E27FC236}">
-                <a16:creationId xmlns:a16="http://schemas.microsoft.com/office/drawing/2014/main" xmlns="" id="{B1482F54-31CC-4D8D-95EC-95BBC4F433FC}"/>
+                <a16:creationId xmlns="" xmlns:a16="http://schemas.microsoft.com/office/drawing/2014/main" id="{B1482F54-31CC-4D8D-95EC-95BBC4F433FC}"/>
               </a:ext>
             </a:extLst>
           </p:cNvPr>
@@ -10095,7 +10364,7 @@
           <p:cNvPr id="3" name="Slide Number Placeholder 2">
             <a:extLst>
               <a:ext uri="{FF2B5EF4-FFF2-40B4-BE49-F238E27FC236}">
-                <a16:creationId xmlns:a16="http://schemas.microsoft.com/office/drawing/2014/main" xmlns="" id="{68E64F4B-D80A-4C8F-B688-A5853B9F4BA0}"/>
+                <a16:creationId xmlns="" xmlns:a16="http://schemas.microsoft.com/office/drawing/2014/main" id="{68E64F4B-D80A-4C8F-B688-A5853B9F4BA0}"/>
               </a:ext>
             </a:extLst>
           </p:cNvPr>
@@ -10124,7 +10393,7 @@
           <p:cNvPr id="7" name="Picture 6">
             <a:extLst>
               <a:ext uri="{FF2B5EF4-FFF2-40B4-BE49-F238E27FC236}">
-                <a16:creationId xmlns:a16="http://schemas.microsoft.com/office/drawing/2014/main" xmlns="" id="{1D207AA0-0662-4ED0-9EC3-C987BBB84299}"/>
+                <a16:creationId xmlns="" xmlns:a16="http://schemas.microsoft.com/office/drawing/2014/main" id="{1D207AA0-0662-4ED0-9EC3-C987BBB84299}"/>
               </a:ext>
             </a:extLst>
           </p:cNvPr>
@@ -10190,7 +10459,7 @@
           <p:cNvPr id="4" name="Rectangle 3">
             <a:extLst>
               <a:ext uri="{FF2B5EF4-FFF2-40B4-BE49-F238E27FC236}">
-                <a16:creationId xmlns:a16="http://schemas.microsoft.com/office/drawing/2014/main" xmlns="" id="{0E537682-839B-4B73-BBA3-D57FA05A2E7A}"/>
+                <a16:creationId xmlns="" xmlns:a16="http://schemas.microsoft.com/office/drawing/2014/main" id="{0E537682-839B-4B73-BBA3-D57FA05A2E7A}"/>
               </a:ext>
             </a:extLst>
           </p:cNvPr>
@@ -10247,7 +10516,7 @@
           <p:cNvPr id="5" name="Slide Number Placeholder 4">
             <a:extLst>
               <a:ext uri="{FF2B5EF4-FFF2-40B4-BE49-F238E27FC236}">
-                <a16:creationId xmlns:a16="http://schemas.microsoft.com/office/drawing/2014/main" xmlns="" id="{8779620F-5BE4-4513-87E2-D66C1795E890}"/>
+                <a16:creationId xmlns="" xmlns:a16="http://schemas.microsoft.com/office/drawing/2014/main" id="{8779620F-5BE4-4513-87E2-D66C1795E890}"/>
               </a:ext>
             </a:extLst>
           </p:cNvPr>
@@ -10394,7 +10663,7 @@
           <p:cNvPr id="4" name="Rectangle 3">
             <a:extLst>
               <a:ext uri="{FF2B5EF4-FFF2-40B4-BE49-F238E27FC236}">
-                <a16:creationId xmlns:a16="http://schemas.microsoft.com/office/drawing/2014/main" xmlns="" id="{DBC75D37-314C-4BDA-AE9E-09A72FC8CAEC}"/>
+                <a16:creationId xmlns="" xmlns:a16="http://schemas.microsoft.com/office/drawing/2014/main" id="{DBC75D37-314C-4BDA-AE9E-09A72FC8CAEC}"/>
               </a:ext>
             </a:extLst>
           </p:cNvPr>
@@ -10451,7 +10720,7 @@
           <p:cNvPr id="6" name="Slide Number Placeholder 5">
             <a:extLst>
               <a:ext uri="{FF2B5EF4-FFF2-40B4-BE49-F238E27FC236}">
-                <a16:creationId xmlns:a16="http://schemas.microsoft.com/office/drawing/2014/main" xmlns="" id="{C61B1330-023B-469A-9C87-FBFCFFE0D415}"/>
+                <a16:creationId xmlns="" xmlns:a16="http://schemas.microsoft.com/office/drawing/2014/main" id="{C61B1330-023B-469A-9C87-FBFCFFE0D415}"/>
               </a:ext>
             </a:extLst>
           </p:cNvPr>
@@ -10485,7 +10754,7 @@
           <p:cNvPr id="8" name="Picture 7">
             <a:extLst>
               <a:ext uri="{FF2B5EF4-FFF2-40B4-BE49-F238E27FC236}">
-                <a16:creationId xmlns:a16="http://schemas.microsoft.com/office/drawing/2014/main" xmlns="" id="{E6919206-C607-4374-BB6C-C8FD2562C090}"/>
+                <a16:creationId xmlns="" xmlns:a16="http://schemas.microsoft.com/office/drawing/2014/main" id="{E6919206-C607-4374-BB6C-C8FD2562C090}"/>
               </a:ext>
             </a:extLst>
           </p:cNvPr>
@@ -10521,7 +10790,7 @@
           <p:cNvPr id="10" name="Picture 9">
             <a:extLst>
               <a:ext uri="{FF2B5EF4-FFF2-40B4-BE49-F238E27FC236}">
-                <a16:creationId xmlns:a16="http://schemas.microsoft.com/office/drawing/2014/main" xmlns="" id="{18545D58-26FA-4CC7-A6F0-8CC2E25A7C96}"/>
+                <a16:creationId xmlns="" xmlns:a16="http://schemas.microsoft.com/office/drawing/2014/main" id="{18545D58-26FA-4CC7-A6F0-8CC2E25A7C96}"/>
               </a:ext>
             </a:extLst>
           </p:cNvPr>
@@ -10557,7 +10826,7 @@
           <p:cNvPr id="12" name="Picture 11">
             <a:extLst>
               <a:ext uri="{FF2B5EF4-FFF2-40B4-BE49-F238E27FC236}">
-                <a16:creationId xmlns:a16="http://schemas.microsoft.com/office/drawing/2014/main" xmlns="" id="{286BDC9E-CB40-4A80-B1B3-A18CA16BB364}"/>
+                <a16:creationId xmlns="" xmlns:a16="http://schemas.microsoft.com/office/drawing/2014/main" id="{286BDC9E-CB40-4A80-B1B3-A18CA16BB364}"/>
               </a:ext>
             </a:extLst>
           </p:cNvPr>
@@ -10593,7 +10862,7 @@
           <p:cNvPr id="14" name="Picture 13">
             <a:extLst>
               <a:ext uri="{FF2B5EF4-FFF2-40B4-BE49-F238E27FC236}">
-                <a16:creationId xmlns:a16="http://schemas.microsoft.com/office/drawing/2014/main" xmlns="" id="{17D2D203-F617-4F16-8A43-AF9729E4B386}"/>
+                <a16:creationId xmlns="" xmlns:a16="http://schemas.microsoft.com/office/drawing/2014/main" id="{17D2D203-F617-4F16-8A43-AF9729E4B386}"/>
               </a:ext>
             </a:extLst>
           </p:cNvPr>
@@ -10629,7 +10898,7 @@
           <p:cNvPr id="16" name="Picture 15">
             <a:extLst>
               <a:ext uri="{FF2B5EF4-FFF2-40B4-BE49-F238E27FC236}">
-                <a16:creationId xmlns:a16="http://schemas.microsoft.com/office/drawing/2014/main" xmlns="" id="{3F6715D7-1792-4A70-8D24-4EC5AF896CC0}"/>
+                <a16:creationId xmlns="" xmlns:a16="http://schemas.microsoft.com/office/drawing/2014/main" id="{3F6715D7-1792-4A70-8D24-4EC5AF896CC0}"/>
               </a:ext>
             </a:extLst>
           </p:cNvPr>
@@ -10665,7 +10934,7 @@
           <p:cNvPr id="18" name="Picture 17">
             <a:extLst>
               <a:ext uri="{FF2B5EF4-FFF2-40B4-BE49-F238E27FC236}">
-                <a16:creationId xmlns:a16="http://schemas.microsoft.com/office/drawing/2014/main" xmlns="" id="{5DC70966-4951-44B8-A58C-C343B1DFD2A4}"/>
+                <a16:creationId xmlns="" xmlns:a16="http://schemas.microsoft.com/office/drawing/2014/main" id="{5DC70966-4951-44B8-A58C-C343B1DFD2A4}"/>
               </a:ext>
             </a:extLst>
           </p:cNvPr>
@@ -10701,7 +10970,7 @@
           <p:cNvPr id="19" name="TextBox 18">
             <a:extLst>
               <a:ext uri="{FF2B5EF4-FFF2-40B4-BE49-F238E27FC236}">
-                <a16:creationId xmlns:a16="http://schemas.microsoft.com/office/drawing/2014/main" xmlns="" id="{574BD46E-3D7B-4C8B-B57C-0F417A2885B8}"/>
+                <a16:creationId xmlns="" xmlns:a16="http://schemas.microsoft.com/office/drawing/2014/main" id="{574BD46E-3D7B-4C8B-B57C-0F417A2885B8}"/>
               </a:ext>
             </a:extLst>
           </p:cNvPr>
@@ -11453,7 +11722,7 @@
           <p:cNvPr id="4" name="Rectangle 3">
             <a:extLst>
               <a:ext uri="{FF2B5EF4-FFF2-40B4-BE49-F238E27FC236}">
-                <a16:creationId xmlns:a16="http://schemas.microsoft.com/office/drawing/2014/main" xmlns="" id="{DBC75D37-314C-4BDA-AE9E-09A72FC8CAEC}"/>
+                <a16:creationId xmlns="" xmlns:a16="http://schemas.microsoft.com/office/drawing/2014/main" id="{DBC75D37-314C-4BDA-AE9E-09A72FC8CAEC}"/>
               </a:ext>
             </a:extLst>
           </p:cNvPr>
@@ -11510,7 +11779,7 @@
           <p:cNvPr id="6" name="Slide Number Placeholder 5">
             <a:extLst>
               <a:ext uri="{FF2B5EF4-FFF2-40B4-BE49-F238E27FC236}">
-                <a16:creationId xmlns:a16="http://schemas.microsoft.com/office/drawing/2014/main" xmlns="" id="{C61B1330-023B-469A-9C87-FBFCFFE0D415}"/>
+                <a16:creationId xmlns="" xmlns:a16="http://schemas.microsoft.com/office/drawing/2014/main" id="{C61B1330-023B-469A-9C87-FBFCFFE0D415}"/>
               </a:ext>
             </a:extLst>
           </p:cNvPr>
@@ -11544,7 +11813,7 @@
           <p:cNvPr id="3" name="Picture 2">
             <a:extLst>
               <a:ext uri="{FF2B5EF4-FFF2-40B4-BE49-F238E27FC236}">
-                <a16:creationId xmlns:a16="http://schemas.microsoft.com/office/drawing/2014/main" xmlns="" id="{9FD72F5D-4284-444C-81E9-FF5D3FFE093B}"/>
+                <a16:creationId xmlns="" xmlns:a16="http://schemas.microsoft.com/office/drawing/2014/main" id="{9FD72F5D-4284-444C-81E9-FF5D3FFE093B}"/>
               </a:ext>
             </a:extLst>
           </p:cNvPr>
@@ -11580,7 +11849,7 @@
           <p:cNvPr id="7" name="Picture 6">
             <a:extLst>
               <a:ext uri="{FF2B5EF4-FFF2-40B4-BE49-F238E27FC236}">
-                <a16:creationId xmlns:a16="http://schemas.microsoft.com/office/drawing/2014/main" xmlns="" id="{006B0492-5CA5-453C-BC8D-2C2874A5B649}"/>
+                <a16:creationId xmlns="" xmlns:a16="http://schemas.microsoft.com/office/drawing/2014/main" id="{006B0492-5CA5-453C-BC8D-2C2874A5B649}"/>
               </a:ext>
             </a:extLst>
           </p:cNvPr>
@@ -11616,7 +11885,7 @@
           <p:cNvPr id="11" name="Picture 10">
             <a:extLst>
               <a:ext uri="{FF2B5EF4-FFF2-40B4-BE49-F238E27FC236}">
-                <a16:creationId xmlns:a16="http://schemas.microsoft.com/office/drawing/2014/main" xmlns="" id="{AA6B8D76-B7DD-4777-94FF-4810DCBD93C5}"/>
+                <a16:creationId xmlns="" xmlns:a16="http://schemas.microsoft.com/office/drawing/2014/main" id="{AA6B8D76-B7DD-4777-94FF-4810DCBD93C5}"/>
               </a:ext>
             </a:extLst>
           </p:cNvPr>
@@ -11652,7 +11921,7 @@
           <p:cNvPr id="17" name="TextBox 16">
             <a:extLst>
               <a:ext uri="{FF2B5EF4-FFF2-40B4-BE49-F238E27FC236}">
-                <a16:creationId xmlns:a16="http://schemas.microsoft.com/office/drawing/2014/main" xmlns="" id="{8C34136E-470C-4EB8-8782-AA657F3F4B8E}"/>
+                <a16:creationId xmlns="" xmlns:a16="http://schemas.microsoft.com/office/drawing/2014/main" id="{8C34136E-470C-4EB8-8782-AA657F3F4B8E}"/>
               </a:ext>
             </a:extLst>
           </p:cNvPr>
@@ -11691,7 +11960,7 @@
           <p:cNvPr id="15" name="Picture 14">
             <a:extLst>
               <a:ext uri="{FF2B5EF4-FFF2-40B4-BE49-F238E27FC236}">
-                <a16:creationId xmlns:a16="http://schemas.microsoft.com/office/drawing/2014/main" xmlns="" id="{B6829BF0-CA43-4FFD-8DA7-3EAFF6D27FF9}"/>
+                <a16:creationId xmlns="" xmlns:a16="http://schemas.microsoft.com/office/drawing/2014/main" id="{B6829BF0-CA43-4FFD-8DA7-3EAFF6D27FF9}"/>
               </a:ext>
             </a:extLst>
           </p:cNvPr>
